--- a/video.pptx
+++ b/video.pptx
@@ -12,23 +12,28 @@
     <p:sldId id="256" r:id="rId6"/>
     <p:sldId id="257" r:id="rId7"/>
     <p:sldId id="262" r:id="rId8"/>
-    <p:sldId id="263" r:id="rId9"/>
-    <p:sldId id="264" r:id="rId10"/>
-    <p:sldId id="265" r:id="rId11"/>
-    <p:sldId id="266" r:id="rId12"/>
-    <p:sldId id="261" r:id="rId13"/>
+    <p:sldId id="268" r:id="rId9"/>
+    <p:sldId id="269" r:id="rId10"/>
+    <p:sldId id="263" r:id="rId11"/>
+    <p:sldId id="264" r:id="rId12"/>
+    <p:sldId id="273" r:id="rId13"/>
+    <p:sldId id="274" r:id="rId14"/>
+    <p:sldId id="270" r:id="rId15"/>
+    <p:sldId id="266" r:id="rId16"/>
+    <p:sldId id="271" r:id="rId17"/>
+    <p:sldId id="272" r:id="rId18"/>
   </p:sldIdLst>
   <p:sldSz cx="12192000" cy="6858000"/>
   <p:notesSz cx="6858000" cy="9144000"/>
   <p:embeddedFontLst>
     <p:embeddedFont>
-      <p:font typeface="나눔스퀘어 ExtraBold" panose="020B0600000101010101" pitchFamily="50" charset="-127"/>
-      <p:bold r:id="rId14"/>
+      <p:font typeface="나눔스퀘어OTF Bold" panose="020B0600000101010101" pitchFamily="34" charset="-127"/>
+      <p:bold r:id="rId19"/>
     </p:embeddedFont>
     <p:embeddedFont>
       <p:font typeface="맑은 고딕" panose="020B0503020000020004" pitchFamily="50" charset="-127"/>
-      <p:regular r:id="rId15"/>
-      <p:bold r:id="rId16"/>
+      <p:regular r:id="rId20"/>
+      <p:bold r:id="rId21"/>
     </p:embeddedFont>
   </p:embeddedFontLst>
   <p:defaultTextStyle>
@@ -126,7 +131,758 @@
       </a:defRPr>
     </a:lvl9pPr>
   </p:defaultTextStyle>
+  <p:extLst>
+    <p:ext uri="{EFAFB233-063F-42B5-8137-9DF3F51BA10A}">
+      <p15:sldGuideLst xmlns:p15="http://schemas.microsoft.com/office/powerpoint/2012/main"/>
+    </p:ext>
+  </p:extLst>
 </p:presentation>
+</file>
+
+<file path=ppt/revisionInfo.xml><?xml version="1.0" encoding="utf-8"?>
+<p1510:revInfo xmlns:a="http://schemas.openxmlformats.org/drawingml/2006/main" xmlns:r="http://schemas.openxmlformats.org/officeDocument/2006/relationships" xmlns:p1510="http://schemas.microsoft.com/office/powerpoint/2015/10/main">
+  <p1510:revLst>
+    <p1510:client id="{35CF92BE-2C4A-4782-864A-72FECF910AD0}" v="81" dt="2020-12-13T07:52:45.607"/>
+  </p1510:revLst>
+</p1510:revInfo>
+</file>
+
+<file path=ppt/changesInfos/changesInfo1.xml><?xml version="1.0" encoding="utf-8"?>
+<pc:chgInfo xmlns:a="http://schemas.openxmlformats.org/drawingml/2006/main" xmlns:r="http://schemas.openxmlformats.org/officeDocument/2006/relationships" xmlns:ac="http://schemas.microsoft.com/office/drawing/2013/main/command" xmlns:pc="http://schemas.microsoft.com/office/powerpoint/2013/main/command">
+  <pc:docChgLst>
+    <pc:chgData name="Kim Bogeun" userId="64659f48a4888a53" providerId="LiveId" clId="{35CF92BE-2C4A-4782-864A-72FECF910AD0}"/>
+    <pc:docChg chg="undo custSel addSld delSld modSld">
+      <pc:chgData name="Kim Bogeun" userId="64659f48a4888a53" providerId="LiveId" clId="{35CF92BE-2C4A-4782-864A-72FECF910AD0}" dt="2020-12-13T07:52:45.607" v="664"/>
+      <pc:docMkLst>
+        <pc:docMk/>
+      </pc:docMkLst>
+      <pc:sldChg chg="addSp modSp">
+        <pc:chgData name="Kim Bogeun" userId="64659f48a4888a53" providerId="LiveId" clId="{35CF92BE-2C4A-4782-864A-72FECF910AD0}" dt="2020-12-13T07:39:07.025" v="383"/>
+        <pc:sldMkLst>
+          <pc:docMk/>
+          <pc:sldMk cId="2410394538" sldId="256"/>
+        </pc:sldMkLst>
+        <pc:spChg chg="add mod">
+          <ac:chgData name="Kim Bogeun" userId="64659f48a4888a53" providerId="LiveId" clId="{35CF92BE-2C4A-4782-864A-72FECF910AD0}" dt="2020-12-13T07:39:07.025" v="383"/>
+          <ac:spMkLst>
+            <pc:docMk/>
+            <pc:sldMk cId="2410394538" sldId="256"/>
+            <ac:spMk id="9" creationId="{84444602-43F0-4236-B1B0-71995FAF509E}"/>
+          </ac:spMkLst>
+        </pc:spChg>
+      </pc:sldChg>
+      <pc:sldChg chg="addSp modSp">
+        <pc:chgData name="Kim Bogeun" userId="64659f48a4888a53" providerId="LiveId" clId="{35CF92BE-2C4A-4782-864A-72FECF910AD0}" dt="2020-12-13T07:39:07.992" v="384"/>
+        <pc:sldMkLst>
+          <pc:docMk/>
+          <pc:sldMk cId="3094565379" sldId="257"/>
+        </pc:sldMkLst>
+        <pc:spChg chg="add mod">
+          <ac:chgData name="Kim Bogeun" userId="64659f48a4888a53" providerId="LiveId" clId="{35CF92BE-2C4A-4782-864A-72FECF910AD0}" dt="2020-12-13T07:39:07.992" v="384"/>
+          <ac:spMkLst>
+            <pc:docMk/>
+            <pc:sldMk cId="3094565379" sldId="257"/>
+            <ac:spMk id="10" creationId="{4D98A5B2-2618-4A22-A46A-68F37193B3B3}"/>
+          </ac:spMkLst>
+        </pc:spChg>
+      </pc:sldChg>
+      <pc:sldChg chg="addSp delSp modSp mod modTransition">
+        <pc:chgData name="Kim Bogeun" userId="64659f48a4888a53" providerId="LiveId" clId="{35CF92BE-2C4A-4782-864A-72FECF910AD0}" dt="2020-12-13T07:12:48.854" v="237"/>
+        <pc:sldMkLst>
+          <pc:docMk/>
+          <pc:sldMk cId="3036365053" sldId="258"/>
+        </pc:sldMkLst>
+        <pc:spChg chg="add mod topLvl">
+          <ac:chgData name="Kim Bogeun" userId="64659f48a4888a53" providerId="LiveId" clId="{35CF92BE-2C4A-4782-864A-72FECF910AD0}" dt="2020-12-13T07:11:50.406" v="234" actId="165"/>
+          <ac:spMkLst>
+            <pc:docMk/>
+            <pc:sldMk cId="3036365053" sldId="258"/>
+            <ac:spMk id="2" creationId="{2861DBE8-6EC3-4EED-A28E-FACBAF279492}"/>
+          </ac:spMkLst>
+        </pc:spChg>
+        <pc:spChg chg="mod topLvl">
+          <ac:chgData name="Kim Bogeun" userId="64659f48a4888a53" providerId="LiveId" clId="{35CF92BE-2C4A-4782-864A-72FECF910AD0}" dt="2020-12-13T07:11:50.406" v="234" actId="165"/>
+          <ac:spMkLst>
+            <pc:docMk/>
+            <pc:sldMk cId="3036365053" sldId="258"/>
+            <ac:spMk id="8" creationId="{B58BEE32-A5C4-42B3-B4AC-15CA02BE2EDB}"/>
+          </ac:spMkLst>
+        </pc:spChg>
+        <pc:spChg chg="mod topLvl">
+          <ac:chgData name="Kim Bogeun" userId="64659f48a4888a53" providerId="LiveId" clId="{35CF92BE-2C4A-4782-864A-72FECF910AD0}" dt="2020-12-13T07:11:50.406" v="234" actId="165"/>
+          <ac:spMkLst>
+            <pc:docMk/>
+            <pc:sldMk cId="3036365053" sldId="258"/>
+            <ac:spMk id="10" creationId="{E93A56EF-C473-4FEE-94A5-FCFC3E056430}"/>
+          </ac:spMkLst>
+        </pc:spChg>
+        <pc:spChg chg="mod topLvl">
+          <ac:chgData name="Kim Bogeun" userId="64659f48a4888a53" providerId="LiveId" clId="{35CF92BE-2C4A-4782-864A-72FECF910AD0}" dt="2020-12-13T07:11:50.406" v="234" actId="165"/>
+          <ac:spMkLst>
+            <pc:docMk/>
+            <pc:sldMk cId="3036365053" sldId="258"/>
+            <ac:spMk id="27" creationId="{0F515C90-DF56-4937-967E-576BF5254895}"/>
+          </ac:spMkLst>
+        </pc:spChg>
+        <pc:spChg chg="mod topLvl">
+          <ac:chgData name="Kim Bogeun" userId="64659f48a4888a53" providerId="LiveId" clId="{35CF92BE-2C4A-4782-864A-72FECF910AD0}" dt="2020-12-13T07:11:50.406" v="234" actId="165"/>
+          <ac:spMkLst>
+            <pc:docMk/>
+            <pc:sldMk cId="3036365053" sldId="258"/>
+            <ac:spMk id="28" creationId="{0FC87471-9E3A-4E01-A445-42684922FC09}"/>
+          </ac:spMkLst>
+        </pc:spChg>
+        <pc:grpChg chg="add del mod">
+          <ac:chgData name="Kim Bogeun" userId="64659f48a4888a53" providerId="LiveId" clId="{35CF92BE-2C4A-4782-864A-72FECF910AD0}" dt="2020-12-13T07:11:50.406" v="234" actId="165"/>
+          <ac:grpSpMkLst>
+            <pc:docMk/>
+            <pc:sldMk cId="3036365053" sldId="258"/>
+            <ac:grpSpMk id="3" creationId="{BB8CAF7B-F243-4F55-BF68-C25951BDDBB5}"/>
+          </ac:grpSpMkLst>
+        </pc:grpChg>
+        <pc:picChg chg="mod topLvl">
+          <ac:chgData name="Kim Bogeun" userId="64659f48a4888a53" providerId="LiveId" clId="{35CF92BE-2C4A-4782-864A-72FECF910AD0}" dt="2020-12-13T07:11:50.406" v="234" actId="165"/>
+          <ac:picMkLst>
+            <pc:docMk/>
+            <pc:sldMk cId="3036365053" sldId="258"/>
+            <ac:picMk id="11" creationId="{0C7D9F2B-40CF-4D10-8201-E8D6818933A9}"/>
+          </ac:picMkLst>
+        </pc:picChg>
+        <pc:picChg chg="mod topLvl">
+          <ac:chgData name="Kim Bogeun" userId="64659f48a4888a53" providerId="LiveId" clId="{35CF92BE-2C4A-4782-864A-72FECF910AD0}" dt="2020-12-13T07:11:50.406" v="234" actId="165"/>
+          <ac:picMkLst>
+            <pc:docMk/>
+            <pc:sldMk cId="3036365053" sldId="258"/>
+            <ac:picMk id="13" creationId="{C1A52CDD-8225-4ADC-A834-F5836C7AAECA}"/>
+          </ac:picMkLst>
+        </pc:picChg>
+        <pc:picChg chg="mod topLvl">
+          <ac:chgData name="Kim Bogeun" userId="64659f48a4888a53" providerId="LiveId" clId="{35CF92BE-2C4A-4782-864A-72FECF910AD0}" dt="2020-12-13T07:11:50.406" v="234" actId="165"/>
+          <ac:picMkLst>
+            <pc:docMk/>
+            <pc:sldMk cId="3036365053" sldId="258"/>
+            <ac:picMk id="23" creationId="{40E48D33-41E2-401D-9A22-DD1080A3E561}"/>
+          </ac:picMkLst>
+        </pc:picChg>
+        <pc:picChg chg="mod topLvl">
+          <ac:chgData name="Kim Bogeun" userId="64659f48a4888a53" providerId="LiveId" clId="{35CF92BE-2C4A-4782-864A-72FECF910AD0}" dt="2020-12-13T07:11:50.406" v="234" actId="165"/>
+          <ac:picMkLst>
+            <pc:docMk/>
+            <pc:sldMk cId="3036365053" sldId="258"/>
+            <ac:picMk id="30" creationId="{1E8FDE98-4DD6-4226-8E58-42BC1487C8B1}"/>
+          </ac:picMkLst>
+        </pc:picChg>
+      </pc:sldChg>
+      <pc:sldChg chg="addSp delSp modSp mod modTransition">
+        <pc:chgData name="Kim Bogeun" userId="64659f48a4888a53" providerId="LiveId" clId="{35CF92BE-2C4A-4782-864A-72FECF910AD0}" dt="2020-12-13T07:12:51.437" v="238"/>
+        <pc:sldMkLst>
+          <pc:docMk/>
+          <pc:sldMk cId="259524589" sldId="259"/>
+        </pc:sldMkLst>
+        <pc:spChg chg="add del mod">
+          <ac:chgData name="Kim Bogeun" userId="64659f48a4888a53" providerId="LiveId" clId="{35CF92BE-2C4A-4782-864A-72FECF910AD0}" dt="2020-12-13T07:10:52.888" v="209"/>
+          <ac:spMkLst>
+            <pc:docMk/>
+            <pc:sldMk cId="259524589" sldId="259"/>
+            <ac:spMk id="3" creationId="{005E508E-A43C-4095-A692-4F986186FA43}"/>
+          </ac:spMkLst>
+        </pc:spChg>
+        <pc:spChg chg="add mod">
+          <ac:chgData name="Kim Bogeun" userId="64659f48a4888a53" providerId="LiveId" clId="{35CF92BE-2C4A-4782-864A-72FECF910AD0}" dt="2020-12-13T07:11:11.405" v="233"/>
+          <ac:spMkLst>
+            <pc:docMk/>
+            <pc:sldMk cId="259524589" sldId="259"/>
+            <ac:spMk id="4" creationId="{08D3E4BE-3934-43BD-9E04-B79249055CD7}"/>
+          </ac:spMkLst>
+        </pc:spChg>
+        <pc:picChg chg="mod">
+          <ac:chgData name="Kim Bogeun" userId="64659f48a4888a53" providerId="LiveId" clId="{35CF92BE-2C4A-4782-864A-72FECF910AD0}" dt="2020-12-13T07:10:53.614" v="211" actId="14100"/>
+          <ac:picMkLst>
+            <pc:docMk/>
+            <pc:sldMk cId="259524589" sldId="259"/>
+            <ac:picMk id="5" creationId="{C2C60055-A1D9-461F-BB0F-FE2E469B1A0E}"/>
+          </ac:picMkLst>
+        </pc:picChg>
+      </pc:sldChg>
+      <pc:sldChg chg="modSp mod">
+        <pc:chgData name="Kim Bogeun" userId="64659f48a4888a53" providerId="LiveId" clId="{35CF92BE-2C4A-4782-864A-72FECF910AD0}" dt="2020-12-13T06:56:51.863" v="0" actId="2711"/>
+        <pc:sldMkLst>
+          <pc:docMk/>
+          <pc:sldMk cId="1147658607" sldId="260"/>
+        </pc:sldMkLst>
+        <pc:spChg chg="mod">
+          <ac:chgData name="Kim Bogeun" userId="64659f48a4888a53" providerId="LiveId" clId="{35CF92BE-2C4A-4782-864A-72FECF910AD0}" dt="2020-12-13T06:56:51.863" v="0" actId="2711"/>
+          <ac:spMkLst>
+            <pc:docMk/>
+            <pc:sldMk cId="1147658607" sldId="260"/>
+            <ac:spMk id="4" creationId="{57230121-99AB-4F3F-AFE9-817D4A82D948}"/>
+          </ac:spMkLst>
+        </pc:spChg>
+      </pc:sldChg>
+      <pc:sldChg chg="modSp del mod">
+        <pc:chgData name="Kim Bogeun" userId="64659f48a4888a53" providerId="LiveId" clId="{35CF92BE-2C4A-4782-864A-72FECF910AD0}" dt="2020-12-13T07:42:37.432" v="424" actId="2696"/>
+        <pc:sldMkLst>
+          <pc:docMk/>
+          <pc:sldMk cId="3139997452" sldId="261"/>
+        </pc:sldMkLst>
+        <pc:spChg chg="mod">
+          <ac:chgData name="Kim Bogeun" userId="64659f48a4888a53" providerId="LiveId" clId="{35CF92BE-2C4A-4782-864A-72FECF910AD0}" dt="2020-12-13T07:28:03.470" v="315" actId="20577"/>
+          <ac:spMkLst>
+            <pc:docMk/>
+            <pc:sldMk cId="3139997452" sldId="261"/>
+            <ac:spMk id="4" creationId="{CE544105-AF84-4F9F-AE40-6CC22F7ED3A5}"/>
+          </ac:spMkLst>
+        </pc:spChg>
+      </pc:sldChg>
+      <pc:sldChg chg="addSp modSp mod">
+        <pc:chgData name="Kim Bogeun" userId="64659f48a4888a53" providerId="LiveId" clId="{35CF92BE-2C4A-4782-864A-72FECF910AD0}" dt="2020-12-13T07:16:05.165" v="257"/>
+        <pc:sldMkLst>
+          <pc:docMk/>
+          <pc:sldMk cId="3937094534" sldId="262"/>
+        </pc:sldMkLst>
+        <pc:spChg chg="add mod">
+          <ac:chgData name="Kim Bogeun" userId="64659f48a4888a53" providerId="LiveId" clId="{35CF92BE-2C4A-4782-864A-72FECF910AD0}" dt="2020-12-13T07:16:05.165" v="257"/>
+          <ac:spMkLst>
+            <pc:docMk/>
+            <pc:sldMk cId="3937094534" sldId="262"/>
+            <ac:spMk id="3" creationId="{AE07250D-5D46-4466-A642-6EDAF90436D3}"/>
+          </ac:spMkLst>
+        </pc:spChg>
+      </pc:sldChg>
+      <pc:sldChg chg="addSp delSp modSp mod">
+        <pc:chgData name="Kim Bogeun" userId="64659f48a4888a53" providerId="LiveId" clId="{35CF92BE-2C4A-4782-864A-72FECF910AD0}" dt="2020-12-13T07:50:46.540" v="654" actId="478"/>
+        <pc:sldMkLst>
+          <pc:docMk/>
+          <pc:sldMk cId="1851633369" sldId="263"/>
+        </pc:sldMkLst>
+        <pc:spChg chg="add del mod">
+          <ac:chgData name="Kim Bogeun" userId="64659f48a4888a53" providerId="LiveId" clId="{35CF92BE-2C4A-4782-864A-72FECF910AD0}" dt="2020-12-13T07:50:46.540" v="654" actId="478"/>
+          <ac:spMkLst>
+            <pc:docMk/>
+            <pc:sldMk cId="1851633369" sldId="263"/>
+            <ac:spMk id="2" creationId="{F7F08E6D-596D-48D7-8F1C-7946908A8F8D}"/>
+          </ac:spMkLst>
+        </pc:spChg>
+        <pc:spChg chg="mod">
+          <ac:chgData name="Kim Bogeun" userId="64659f48a4888a53" providerId="LiveId" clId="{35CF92BE-2C4A-4782-864A-72FECF910AD0}" dt="2020-12-13T06:57:10.382" v="2" actId="2711"/>
+          <ac:spMkLst>
+            <pc:docMk/>
+            <pc:sldMk cId="1851633369" sldId="263"/>
+            <ac:spMk id="4" creationId="{57230121-99AB-4F3F-AFE9-817D4A82D948}"/>
+          </ac:spMkLst>
+        </pc:spChg>
+      </pc:sldChg>
+      <pc:sldChg chg="addSp delSp modSp mod">
+        <pc:chgData name="Kim Bogeun" userId="64659f48a4888a53" providerId="LiveId" clId="{35CF92BE-2C4A-4782-864A-72FECF910AD0}" dt="2020-12-13T07:47:42.630" v="650" actId="1076"/>
+        <pc:sldMkLst>
+          <pc:docMk/>
+          <pc:sldMk cId="883221839" sldId="264"/>
+        </pc:sldMkLst>
+        <pc:spChg chg="mod">
+          <ac:chgData name="Kim Bogeun" userId="64659f48a4888a53" providerId="LiveId" clId="{35CF92BE-2C4A-4782-864A-72FECF910AD0}" dt="2020-12-13T06:57:20.106" v="3" actId="2711"/>
+          <ac:spMkLst>
+            <pc:docMk/>
+            <pc:sldMk cId="883221839" sldId="264"/>
+            <ac:spMk id="10" creationId="{84D607B9-CECA-449A-82F2-D3C731CC9658}"/>
+          </ac:spMkLst>
+        </pc:spChg>
+        <pc:spChg chg="mod">
+          <ac:chgData name="Kim Bogeun" userId="64659f48a4888a53" providerId="LiveId" clId="{35CF92BE-2C4A-4782-864A-72FECF910AD0}" dt="2020-12-13T07:23:58.125" v="266" actId="1076"/>
+          <ac:spMkLst>
+            <pc:docMk/>
+            <pc:sldMk cId="883221839" sldId="264"/>
+            <ac:spMk id="12" creationId="{A6481C3F-4A4E-48D9-91A1-845FBD61D71F}"/>
+          </ac:spMkLst>
+        </pc:spChg>
+        <pc:spChg chg="add mod">
+          <ac:chgData name="Kim Bogeun" userId="64659f48a4888a53" providerId="LiveId" clId="{35CF92BE-2C4A-4782-864A-72FECF910AD0}" dt="2020-12-13T07:47:42.630" v="650" actId="1076"/>
+          <ac:spMkLst>
+            <pc:docMk/>
+            <pc:sldMk cId="883221839" sldId="264"/>
+            <ac:spMk id="14" creationId="{B6A53E8E-09F7-4D3D-A189-3C51C501855E}"/>
+          </ac:spMkLst>
+        </pc:spChg>
+        <pc:picChg chg="del">
+          <ac:chgData name="Kim Bogeun" userId="64659f48a4888a53" providerId="LiveId" clId="{35CF92BE-2C4A-4782-864A-72FECF910AD0}" dt="2020-12-13T07:23:06.686" v="259" actId="478"/>
+          <ac:picMkLst>
+            <pc:docMk/>
+            <pc:sldMk cId="883221839" sldId="264"/>
+            <ac:picMk id="3" creationId="{EFA58558-A022-4B9A-B328-F6DBDFBF3BD4}"/>
+          </ac:picMkLst>
+        </pc:picChg>
+        <pc:picChg chg="add del ord">
+          <ac:chgData name="Kim Bogeun" userId="64659f48a4888a53" providerId="LiveId" clId="{35CF92BE-2C4A-4782-864A-72FECF910AD0}" dt="2020-12-13T07:23:17.155" v="262" actId="478"/>
+          <ac:picMkLst>
+            <pc:docMk/>
+            <pc:sldMk cId="883221839" sldId="264"/>
+            <ac:picMk id="4" creationId="{F86E7C91-B74A-4843-8B09-2D8ED11B0446}"/>
+          </ac:picMkLst>
+        </pc:picChg>
+        <pc:picChg chg="mod">
+          <ac:chgData name="Kim Bogeun" userId="64659f48a4888a53" providerId="LiveId" clId="{35CF92BE-2C4A-4782-864A-72FECF910AD0}" dt="2020-12-13T07:24:40.807" v="273" actId="1076"/>
+          <ac:picMkLst>
+            <pc:docMk/>
+            <pc:sldMk cId="883221839" sldId="264"/>
+            <ac:picMk id="7" creationId="{E47826BC-8EEB-4D57-A5E1-185C69D432F7}"/>
+          </ac:picMkLst>
+        </pc:picChg>
+        <pc:picChg chg="add mod ord">
+          <ac:chgData name="Kim Bogeun" userId="64659f48a4888a53" providerId="LiveId" clId="{35CF92BE-2C4A-4782-864A-72FECF910AD0}" dt="2020-12-13T07:45:48.403" v="428" actId="1076"/>
+          <ac:picMkLst>
+            <pc:docMk/>
+            <pc:sldMk cId="883221839" sldId="264"/>
+            <ac:picMk id="8" creationId="{B46FDDDA-D205-407D-ADA6-146489344FB5}"/>
+          </ac:picMkLst>
+        </pc:picChg>
+        <pc:picChg chg="mod">
+          <ac:chgData name="Kim Bogeun" userId="64659f48a4888a53" providerId="LiveId" clId="{35CF92BE-2C4A-4782-864A-72FECF910AD0}" dt="2020-12-13T07:23:54.846" v="265" actId="1076"/>
+          <ac:picMkLst>
+            <pc:docMk/>
+            <pc:sldMk cId="883221839" sldId="264"/>
+            <ac:picMk id="11" creationId="{6751EBC1-94AC-4AFC-B0B2-F4ED01D35467}"/>
+          </ac:picMkLst>
+        </pc:picChg>
+        <pc:picChg chg="add mod">
+          <ac:chgData name="Kim Bogeun" userId="64659f48a4888a53" providerId="LiveId" clId="{35CF92BE-2C4A-4782-864A-72FECF910AD0}" dt="2020-12-13T07:24:57.975" v="275" actId="1076"/>
+          <ac:picMkLst>
+            <pc:docMk/>
+            <pc:sldMk cId="883221839" sldId="264"/>
+            <ac:picMk id="13" creationId="{A8F238ED-8914-43A5-9E5F-342214746F12}"/>
+          </ac:picMkLst>
+        </pc:picChg>
+        <pc:cxnChg chg="mod">
+          <ac:chgData name="Kim Bogeun" userId="64659f48a4888a53" providerId="LiveId" clId="{35CF92BE-2C4A-4782-864A-72FECF910AD0}" dt="2020-12-13T07:24:22.374" v="270" actId="14100"/>
+          <ac:cxnSpMkLst>
+            <pc:docMk/>
+            <pc:sldMk cId="883221839" sldId="264"/>
+            <ac:cxnSpMk id="5" creationId="{F14E4C2D-0638-4BDF-88A6-BBAD31641A52}"/>
+          </ac:cxnSpMkLst>
+        </pc:cxnChg>
+      </pc:sldChg>
+      <pc:sldChg chg="modSp del mod">
+        <pc:chgData name="Kim Bogeun" userId="64659f48a4888a53" providerId="LiveId" clId="{35CF92BE-2C4A-4782-864A-72FECF910AD0}" dt="2020-12-13T07:25:36.895" v="281" actId="2696"/>
+        <pc:sldMkLst>
+          <pc:docMk/>
+          <pc:sldMk cId="3611583201" sldId="265"/>
+        </pc:sldMkLst>
+        <pc:spChg chg="mod">
+          <ac:chgData name="Kim Bogeun" userId="64659f48a4888a53" providerId="LiveId" clId="{35CF92BE-2C4A-4782-864A-72FECF910AD0}" dt="2020-12-13T06:57:26.128" v="4" actId="2711"/>
+          <ac:spMkLst>
+            <pc:docMk/>
+            <pc:sldMk cId="3611583201" sldId="265"/>
+            <ac:spMk id="10" creationId="{84D607B9-CECA-449A-82F2-D3C731CC9658}"/>
+          </ac:spMkLst>
+        </pc:spChg>
+      </pc:sldChg>
+      <pc:sldChg chg="addSp delSp modSp mod">
+        <pc:chgData name="Kim Bogeun" userId="64659f48a4888a53" providerId="LiveId" clId="{35CF92BE-2C4A-4782-864A-72FECF910AD0}" dt="2020-12-13T07:31:00.088" v="320" actId="167"/>
+        <pc:sldMkLst>
+          <pc:docMk/>
+          <pc:sldMk cId="1547961401" sldId="266"/>
+        </pc:sldMkLst>
+        <pc:spChg chg="add mod">
+          <ac:chgData name="Kim Bogeun" userId="64659f48a4888a53" providerId="LiveId" clId="{35CF92BE-2C4A-4782-864A-72FECF910AD0}" dt="2020-12-13T07:16:08.864" v="258"/>
+          <ac:spMkLst>
+            <pc:docMk/>
+            <pc:sldMk cId="1547961401" sldId="266"/>
+            <ac:spMk id="4" creationId="{68E787C7-A4CF-4AE9-AA94-97067F0F441E}"/>
+          </ac:spMkLst>
+        </pc:spChg>
+        <pc:picChg chg="del">
+          <ac:chgData name="Kim Bogeun" userId="64659f48a4888a53" providerId="LiveId" clId="{35CF92BE-2C4A-4782-864A-72FECF910AD0}" dt="2020-12-13T07:30:43.011" v="316" actId="478"/>
+          <ac:picMkLst>
+            <pc:docMk/>
+            <pc:sldMk cId="1547961401" sldId="266"/>
+            <ac:picMk id="3" creationId="{7AAD66EF-F460-4806-946A-6C5EEE100CE9}"/>
+          </ac:picMkLst>
+        </pc:picChg>
+        <pc:picChg chg="add mod ord">
+          <ac:chgData name="Kim Bogeun" userId="64659f48a4888a53" providerId="LiveId" clId="{35CF92BE-2C4A-4782-864A-72FECF910AD0}" dt="2020-12-13T07:31:00.088" v="320" actId="167"/>
+          <ac:picMkLst>
+            <pc:docMk/>
+            <pc:sldMk cId="1547961401" sldId="266"/>
+            <ac:picMk id="5" creationId="{11C7BB8C-E08D-43BC-A5A6-5CF9913EFC27}"/>
+          </ac:picMkLst>
+        </pc:picChg>
+      </pc:sldChg>
+      <pc:sldChg chg="addSp delSp modSp mod">
+        <pc:chgData name="Kim Bogeun" userId="64659f48a4888a53" providerId="LiveId" clId="{35CF92BE-2C4A-4782-864A-72FECF910AD0}" dt="2020-12-13T07:35:06.336" v="349" actId="1076"/>
+        <pc:sldMkLst>
+          <pc:docMk/>
+          <pc:sldMk cId="2604023354" sldId="267"/>
+        </pc:sldMkLst>
+        <pc:spChg chg="add mod topLvl">
+          <ac:chgData name="Kim Bogeun" userId="64659f48a4888a53" providerId="LiveId" clId="{35CF92BE-2C4A-4782-864A-72FECF910AD0}" dt="2020-12-13T07:34:39.431" v="345" actId="164"/>
+          <ac:spMkLst>
+            <pc:docMk/>
+            <pc:sldMk cId="2604023354" sldId="267"/>
+            <ac:spMk id="2" creationId="{0B99D7B8-D84E-4E23-B3B2-F1BF9D632A32}"/>
+          </ac:spMkLst>
+        </pc:spChg>
+        <pc:spChg chg="add del mod topLvl">
+          <ac:chgData name="Kim Bogeun" userId="64659f48a4888a53" providerId="LiveId" clId="{35CF92BE-2C4A-4782-864A-72FECF910AD0}" dt="2020-12-13T07:34:20.931" v="340" actId="478"/>
+          <ac:spMkLst>
+            <pc:docMk/>
+            <pc:sldMk cId="2604023354" sldId="267"/>
+            <ac:spMk id="4" creationId="{B4C41D28-D6DC-481B-883D-22D4B9EC36FA}"/>
+          </ac:spMkLst>
+        </pc:spChg>
+        <pc:spChg chg="add mod">
+          <ac:chgData name="Kim Bogeun" userId="64659f48a4888a53" providerId="LiveId" clId="{35CF92BE-2C4A-4782-864A-72FECF910AD0}" dt="2020-12-13T07:34:39.431" v="345" actId="164"/>
+          <ac:spMkLst>
+            <pc:docMk/>
+            <pc:sldMk cId="2604023354" sldId="267"/>
+            <ac:spMk id="10" creationId="{728292F2-2BFE-4D4E-A97A-BB0A6A54A4EF}"/>
+          </ac:spMkLst>
+        </pc:spChg>
+        <pc:grpChg chg="add del mod">
+          <ac:chgData name="Kim Bogeun" userId="64659f48a4888a53" providerId="LiveId" clId="{35CF92BE-2C4A-4782-864A-72FECF910AD0}" dt="2020-12-13T07:33:07.298" v="321" actId="165"/>
+          <ac:grpSpMkLst>
+            <pc:docMk/>
+            <pc:sldMk cId="2604023354" sldId="267"/>
+            <ac:grpSpMk id="5" creationId="{37C091F6-0ECA-4F5E-8013-D885FF449655}"/>
+          </ac:grpSpMkLst>
+        </pc:grpChg>
+        <pc:grpChg chg="add mod">
+          <ac:chgData name="Kim Bogeun" userId="64659f48a4888a53" providerId="LiveId" clId="{35CF92BE-2C4A-4782-864A-72FECF910AD0}" dt="2020-12-13T07:35:06.336" v="349" actId="1076"/>
+          <ac:grpSpMkLst>
+            <pc:docMk/>
+            <pc:sldMk cId="2604023354" sldId="267"/>
+            <ac:grpSpMk id="11" creationId="{D700E421-3864-410D-B55A-F2BC11315006}"/>
+          </ac:grpSpMkLst>
+        </pc:grpChg>
+        <pc:picChg chg="add del mod topLvl">
+          <ac:chgData name="Kim Bogeun" userId="64659f48a4888a53" providerId="LiveId" clId="{35CF92BE-2C4A-4782-864A-72FECF910AD0}" dt="2020-12-13T07:34:03.701" v="332" actId="478"/>
+          <ac:picMkLst>
+            <pc:docMk/>
+            <pc:sldMk cId="2604023354" sldId="267"/>
+            <ac:picMk id="3" creationId="{AFAD90B9-BE77-4309-8143-D8616CAD0DCF}"/>
+          </ac:picMkLst>
+        </pc:picChg>
+        <pc:picChg chg="add del">
+          <ac:chgData name="Kim Bogeun" userId="64659f48a4888a53" providerId="LiveId" clId="{35CF92BE-2C4A-4782-864A-72FECF910AD0}" dt="2020-12-13T07:33:11.463" v="324" actId="22"/>
+          <ac:picMkLst>
+            <pc:docMk/>
+            <pc:sldMk cId="2604023354" sldId="267"/>
+            <ac:picMk id="7" creationId="{C2610371-20F1-4333-AE8C-129D33BA40C2}"/>
+          </ac:picMkLst>
+        </pc:picChg>
+        <pc:picChg chg="add mod ord">
+          <ac:chgData name="Kim Bogeun" userId="64659f48a4888a53" providerId="LiveId" clId="{35CF92BE-2C4A-4782-864A-72FECF910AD0}" dt="2020-12-13T07:34:39.431" v="345" actId="164"/>
+          <ac:picMkLst>
+            <pc:docMk/>
+            <pc:sldMk cId="2604023354" sldId="267"/>
+            <ac:picMk id="9" creationId="{8B29E9F6-1D2A-408A-9638-D113AA0CA8D5}"/>
+          </ac:picMkLst>
+        </pc:picChg>
+      </pc:sldChg>
+      <pc:sldChg chg="addSp delSp modSp add mod modTransition delAnim">
+        <pc:chgData name="Kim Bogeun" userId="64659f48a4888a53" providerId="LiveId" clId="{35CF92BE-2C4A-4782-864A-72FECF910AD0}" dt="2020-12-13T07:42:23.771" v="423"/>
+        <pc:sldMkLst>
+          <pc:docMk/>
+          <pc:sldMk cId="4165657259" sldId="268"/>
+        </pc:sldMkLst>
+        <pc:spChg chg="add mod">
+          <ac:chgData name="Kim Bogeun" userId="64659f48a4888a53" providerId="LiveId" clId="{35CF92BE-2C4A-4782-864A-72FECF910AD0}" dt="2020-12-13T07:39:42.665" v="389"/>
+          <ac:spMkLst>
+            <pc:docMk/>
+            <pc:sldMk cId="4165657259" sldId="268"/>
+            <ac:spMk id="10" creationId="{8CA27BA5-BB2E-4283-A5B0-34C65FA46BCB}"/>
+          </ac:spMkLst>
+        </pc:spChg>
+        <pc:spChg chg="add mod">
+          <ac:chgData name="Kim Bogeun" userId="64659f48a4888a53" providerId="LiveId" clId="{35CF92BE-2C4A-4782-864A-72FECF910AD0}" dt="2020-12-13T07:42:23.771" v="423"/>
+          <ac:spMkLst>
+            <pc:docMk/>
+            <pc:sldMk cId="4165657259" sldId="268"/>
+            <ac:spMk id="12" creationId="{C33E356E-2355-4342-A1F7-99F2257978D1}"/>
+          </ac:spMkLst>
+        </pc:spChg>
+        <pc:spChg chg="del mod">
+          <ac:chgData name="Kim Bogeun" userId="64659f48a4888a53" providerId="LiveId" clId="{35CF92BE-2C4A-4782-864A-72FECF910AD0}" dt="2020-12-13T07:42:19.006" v="422" actId="478"/>
+          <ac:spMkLst>
+            <pc:docMk/>
+            <pc:sldMk cId="4165657259" sldId="268"/>
+            <ac:spMk id="28" creationId="{0FC87471-9E3A-4E01-A445-42684922FC09}"/>
+          </ac:spMkLst>
+        </pc:spChg>
+        <pc:picChg chg="del">
+          <ac:chgData name="Kim Bogeun" userId="64659f48a4888a53" providerId="LiveId" clId="{35CF92BE-2C4A-4782-864A-72FECF910AD0}" dt="2020-12-13T07:14:07.967" v="240" actId="478"/>
+          <ac:picMkLst>
+            <pc:docMk/>
+            <pc:sldMk cId="4165657259" sldId="268"/>
+            <ac:picMk id="5" creationId="{322C142B-581B-42EC-9029-1DEC61F43050}"/>
+          </ac:picMkLst>
+        </pc:picChg>
+        <pc:picChg chg="mod">
+          <ac:chgData name="Kim Bogeun" userId="64659f48a4888a53" providerId="LiveId" clId="{35CF92BE-2C4A-4782-864A-72FECF910AD0}" dt="2020-12-13T07:14:51.430" v="242" actId="196"/>
+          <ac:picMkLst>
+            <pc:docMk/>
+            <pc:sldMk cId="4165657259" sldId="268"/>
+            <ac:picMk id="30" creationId="{1E8FDE98-4DD6-4226-8E58-42BC1487C8B1}"/>
+          </ac:picMkLst>
+        </pc:picChg>
+      </pc:sldChg>
+      <pc:sldChg chg="addSp modSp add mod modTransition">
+        <pc:chgData name="Kim Bogeun" userId="64659f48a4888a53" providerId="LiveId" clId="{35CF92BE-2C4A-4782-864A-72FECF910AD0}" dt="2020-12-13T07:39:43.213" v="390"/>
+        <pc:sldMkLst>
+          <pc:docMk/>
+          <pc:sldMk cId="3853240123" sldId="269"/>
+        </pc:sldMkLst>
+        <pc:spChg chg="add mod">
+          <ac:chgData name="Kim Bogeun" userId="64659f48a4888a53" providerId="LiveId" clId="{35CF92BE-2C4A-4782-864A-72FECF910AD0}" dt="2020-12-13T07:39:43.213" v="390"/>
+          <ac:spMkLst>
+            <pc:docMk/>
+            <pc:sldMk cId="3853240123" sldId="269"/>
+            <ac:spMk id="9" creationId="{030DB831-3FC5-4E9A-96B1-A97B13527238}"/>
+          </ac:spMkLst>
+        </pc:spChg>
+        <pc:spChg chg="mod">
+          <ac:chgData name="Kim Bogeun" userId="64659f48a4888a53" providerId="LiveId" clId="{35CF92BE-2C4A-4782-864A-72FECF910AD0}" dt="2020-12-13T07:15:32.634" v="249" actId="688"/>
+          <ac:spMkLst>
+            <pc:docMk/>
+            <pc:sldMk cId="3853240123" sldId="269"/>
+            <ac:spMk id="28" creationId="{0FC87471-9E3A-4E01-A445-42684922FC09}"/>
+          </ac:spMkLst>
+        </pc:spChg>
+        <pc:picChg chg="mod">
+          <ac:chgData name="Kim Bogeun" userId="64659f48a4888a53" providerId="LiveId" clId="{35CF92BE-2C4A-4782-864A-72FECF910AD0}" dt="2020-12-13T07:15:00.750" v="244" actId="1076"/>
+          <ac:picMkLst>
+            <pc:docMk/>
+            <pc:sldMk cId="3853240123" sldId="269"/>
+            <ac:picMk id="30" creationId="{1E8FDE98-4DD6-4226-8E58-42BC1487C8B1}"/>
+          </ac:picMkLst>
+        </pc:picChg>
+      </pc:sldChg>
+      <pc:sldChg chg="addSp modSp add mod modAnim">
+        <pc:chgData name="Kim Bogeun" userId="64659f48a4888a53" providerId="LiveId" clId="{35CF92BE-2C4A-4782-864A-72FECF910AD0}" dt="2020-12-13T07:25:30.911" v="280" actId="1076"/>
+        <pc:sldMkLst>
+          <pc:docMk/>
+          <pc:sldMk cId="2184212802" sldId="270"/>
+        </pc:sldMkLst>
+        <pc:picChg chg="mod">
+          <ac:chgData name="Kim Bogeun" userId="64659f48a4888a53" providerId="LiveId" clId="{35CF92BE-2C4A-4782-864A-72FECF910AD0}" dt="2020-12-13T07:25:15.287" v="277" actId="1076"/>
+          <ac:picMkLst>
+            <pc:docMk/>
+            <pc:sldMk cId="2184212802" sldId="270"/>
+            <ac:picMk id="7" creationId="{E47826BC-8EEB-4D57-A5E1-185C69D432F7}"/>
+          </ac:picMkLst>
+        </pc:picChg>
+        <pc:picChg chg="add mod">
+          <ac:chgData name="Kim Bogeun" userId="64659f48a4888a53" providerId="LiveId" clId="{35CF92BE-2C4A-4782-864A-72FECF910AD0}" dt="2020-12-13T07:25:30.911" v="280" actId="1076"/>
+          <ac:picMkLst>
+            <pc:docMk/>
+            <pc:sldMk cId="2184212802" sldId="270"/>
+            <ac:picMk id="9" creationId="{D8962218-B959-48A5-B6F3-BD2ACC0A622C}"/>
+          </ac:picMkLst>
+        </pc:picChg>
+      </pc:sldChg>
+      <pc:sldChg chg="addSp delSp modSp add mod modTransition delAnim modAnim">
+        <pc:chgData name="Kim Bogeun" userId="64659f48a4888a53" providerId="LiveId" clId="{35CF92BE-2C4A-4782-864A-72FECF910AD0}" dt="2020-12-13T07:41:38.814" v="419" actId="1076"/>
+        <pc:sldMkLst>
+          <pc:docMk/>
+          <pc:sldMk cId="475830481" sldId="271"/>
+        </pc:sldMkLst>
+        <pc:spChg chg="del">
+          <ac:chgData name="Kim Bogeun" userId="64659f48a4888a53" providerId="LiveId" clId="{35CF92BE-2C4A-4782-864A-72FECF910AD0}" dt="2020-12-13T07:39:24.720" v="385" actId="478"/>
+          <ac:spMkLst>
+            <pc:docMk/>
+            <pc:sldMk cId="475830481" sldId="271"/>
+            <ac:spMk id="10" creationId="{84D607B9-CECA-449A-82F2-D3C731CC9658}"/>
+          </ac:spMkLst>
+        </pc:spChg>
+        <pc:spChg chg="add del mod">
+          <ac:chgData name="Kim Bogeun" userId="64659f48a4888a53" providerId="LiveId" clId="{35CF92BE-2C4A-4782-864A-72FECF910AD0}" dt="2020-12-13T07:39:52.576" v="391" actId="478"/>
+          <ac:spMkLst>
+            <pc:docMk/>
+            <pc:sldMk cId="475830481" sldId="271"/>
+            <ac:spMk id="14" creationId="{0C70057E-7876-4750-88B7-257FBCA7F739}"/>
+          </ac:spMkLst>
+        </pc:spChg>
+        <pc:spChg chg="add mod">
+          <ac:chgData name="Kim Bogeun" userId="64659f48a4888a53" providerId="LiveId" clId="{35CF92BE-2C4A-4782-864A-72FECF910AD0}" dt="2020-12-13T07:40:01.346" v="403"/>
+          <ac:spMkLst>
+            <pc:docMk/>
+            <pc:sldMk cId="475830481" sldId="271"/>
+            <ac:spMk id="15" creationId="{CBF7546E-1C74-4CDA-BB6E-D96F34216EA0}"/>
+          </ac:spMkLst>
+        </pc:spChg>
+        <pc:grpChg chg="add mod">
+          <ac:chgData name="Kim Bogeun" userId="64659f48a4888a53" providerId="LiveId" clId="{35CF92BE-2C4A-4782-864A-72FECF910AD0}" dt="2020-12-13T07:41:38.814" v="419" actId="1076"/>
+          <ac:grpSpMkLst>
+            <pc:docMk/>
+            <pc:sldMk cId="475830481" sldId="271"/>
+            <ac:grpSpMk id="17" creationId="{76FFCAF3-77D7-4D70-B1D8-03FC99EC91FD}"/>
+          </ac:grpSpMkLst>
+        </pc:grpChg>
+        <pc:picChg chg="del mod">
+          <ac:chgData name="Kim Bogeun" userId="64659f48a4888a53" providerId="LiveId" clId="{35CF92BE-2C4A-4782-864A-72FECF910AD0}" dt="2020-12-13T07:41:16.477" v="415" actId="478"/>
+          <ac:picMkLst>
+            <pc:docMk/>
+            <pc:sldMk cId="475830481" sldId="271"/>
+            <ac:picMk id="7" creationId="{E47826BC-8EEB-4D57-A5E1-185C69D432F7}"/>
+          </ac:picMkLst>
+        </pc:picChg>
+        <pc:picChg chg="del">
+          <ac:chgData name="Kim Bogeun" userId="64659f48a4888a53" providerId="LiveId" clId="{35CF92BE-2C4A-4782-864A-72FECF910AD0}" dt="2020-12-13T07:35:53.962" v="361" actId="478"/>
+          <ac:picMkLst>
+            <pc:docMk/>
+            <pc:sldMk cId="475830481" sldId="271"/>
+            <ac:picMk id="9" creationId="{D8962218-B959-48A5-B6F3-BD2ACC0A622C}"/>
+          </ac:picMkLst>
+        </pc:picChg>
+        <pc:picChg chg="add del mod">
+          <ac:chgData name="Kim Bogeun" userId="64659f48a4888a53" providerId="LiveId" clId="{35CF92BE-2C4A-4782-864A-72FECF910AD0}" dt="2020-12-13T07:41:16.477" v="415" actId="478"/>
+          <ac:picMkLst>
+            <pc:docMk/>
+            <pc:sldMk cId="475830481" sldId="271"/>
+            <ac:picMk id="16" creationId="{03D8B9B1-A437-49D6-A9D8-9838CABD09EC}"/>
+          </ac:picMkLst>
+        </pc:picChg>
+        <pc:picChg chg="mod">
+          <ac:chgData name="Kim Bogeun" userId="64659f48a4888a53" providerId="LiveId" clId="{35CF92BE-2C4A-4782-864A-72FECF910AD0}" dt="2020-12-13T07:41:25.792" v="417"/>
+          <ac:picMkLst>
+            <pc:docMk/>
+            <pc:sldMk cId="475830481" sldId="271"/>
+            <ac:picMk id="18" creationId="{1B1E1C19-9DF4-4D15-8D6D-A20271B6DC42}"/>
+          </ac:picMkLst>
+        </pc:picChg>
+        <pc:picChg chg="mod">
+          <ac:chgData name="Kim Bogeun" userId="64659f48a4888a53" providerId="LiveId" clId="{35CF92BE-2C4A-4782-864A-72FECF910AD0}" dt="2020-12-13T07:41:25.792" v="417"/>
+          <ac:picMkLst>
+            <pc:docMk/>
+            <pc:sldMk cId="475830481" sldId="271"/>
+            <ac:picMk id="19" creationId="{D70CE81E-1F80-4AE3-9F61-8936E41050BF}"/>
+          </ac:picMkLst>
+        </pc:picChg>
+        <pc:cxnChg chg="mod">
+          <ac:chgData name="Kim Bogeun" userId="64659f48a4888a53" providerId="LiveId" clId="{35CF92BE-2C4A-4782-864A-72FECF910AD0}" dt="2020-12-13T07:36:06.431" v="364" actId="197"/>
+          <ac:cxnSpMkLst>
+            <pc:docMk/>
+            <pc:sldMk cId="475830481" sldId="271"/>
+            <ac:cxnSpMk id="5" creationId="{F14E4C2D-0638-4BDF-88A6-BBAD31641A52}"/>
+          </ac:cxnSpMkLst>
+        </pc:cxnChg>
+      </pc:sldChg>
+      <pc:sldChg chg="modSp add del mod">
+        <pc:chgData name="Kim Bogeun" userId="64659f48a4888a53" providerId="LiveId" clId="{35CF92BE-2C4A-4782-864A-72FECF910AD0}" dt="2020-12-13T07:35:49.991" v="359" actId="2696"/>
+        <pc:sldMkLst>
+          <pc:docMk/>
+          <pc:sldMk cId="3420057748" sldId="271"/>
+        </pc:sldMkLst>
+        <pc:picChg chg="mod">
+          <ac:chgData name="Kim Bogeun" userId="64659f48a4888a53" providerId="LiveId" clId="{35CF92BE-2C4A-4782-864A-72FECF910AD0}" dt="2020-12-13T07:35:45.700" v="358" actId="1076"/>
+          <ac:picMkLst>
+            <pc:docMk/>
+            <pc:sldMk cId="3420057748" sldId="271"/>
+            <ac:picMk id="7" creationId="{E47826BC-8EEB-4D57-A5E1-185C69D432F7}"/>
+          </ac:picMkLst>
+        </pc:picChg>
+        <pc:cxnChg chg="mod">
+          <ac:chgData name="Kim Bogeun" userId="64659f48a4888a53" providerId="LiveId" clId="{35CF92BE-2C4A-4782-864A-72FECF910AD0}" dt="2020-12-13T07:35:32.581" v="352" actId="197"/>
+          <ac:cxnSpMkLst>
+            <pc:docMk/>
+            <pc:sldMk cId="3420057748" sldId="271"/>
+            <ac:cxnSpMk id="5" creationId="{F14E4C2D-0638-4BDF-88A6-BBAD31641A52}"/>
+          </ac:cxnSpMkLst>
+        </pc:cxnChg>
+      </pc:sldChg>
+      <pc:sldChg chg="addSp delSp modSp add mod modAnim">
+        <pc:chgData name="Kim Bogeun" userId="64659f48a4888a53" providerId="LiveId" clId="{35CF92BE-2C4A-4782-864A-72FECF910AD0}" dt="2020-12-13T07:41:23.883" v="416" actId="164"/>
+        <pc:sldMkLst>
+          <pc:docMk/>
+          <pc:sldMk cId="2641902059" sldId="272"/>
+        </pc:sldMkLst>
+        <pc:spChg chg="del">
+          <ac:chgData name="Kim Bogeun" userId="64659f48a4888a53" providerId="LiveId" clId="{35CF92BE-2C4A-4782-864A-72FECF910AD0}" dt="2020-12-13T07:39:27.557" v="386" actId="478"/>
+          <ac:spMkLst>
+            <pc:docMk/>
+            <pc:sldMk cId="2641902059" sldId="272"/>
+            <ac:spMk id="10" creationId="{84D607B9-CECA-449A-82F2-D3C731CC9658}"/>
+          </ac:spMkLst>
+        </pc:spChg>
+        <pc:spChg chg="add del mod">
+          <ac:chgData name="Kim Bogeun" userId="64659f48a4888a53" providerId="LiveId" clId="{35CF92BE-2C4A-4782-864A-72FECF910AD0}" dt="2020-12-13T07:39:54.172" v="392" actId="478"/>
+          <ac:spMkLst>
+            <pc:docMk/>
+            <pc:sldMk cId="2641902059" sldId="272"/>
+            <ac:spMk id="14" creationId="{EB330711-CAC1-4160-8E57-4ADCB8F74BFC}"/>
+          </ac:spMkLst>
+        </pc:spChg>
+        <pc:spChg chg="add mod">
+          <ac:chgData name="Kim Bogeun" userId="64659f48a4888a53" providerId="LiveId" clId="{35CF92BE-2C4A-4782-864A-72FECF910AD0}" dt="2020-12-13T07:40:05.375" v="410"/>
+          <ac:spMkLst>
+            <pc:docMk/>
+            <pc:sldMk cId="2641902059" sldId="272"/>
+            <ac:spMk id="15" creationId="{F465955A-7F47-477A-BB6E-57633B47DC67}"/>
+          </ac:spMkLst>
+        </pc:spChg>
+        <pc:grpChg chg="add mod">
+          <ac:chgData name="Kim Bogeun" userId="64659f48a4888a53" providerId="LiveId" clId="{35CF92BE-2C4A-4782-864A-72FECF910AD0}" dt="2020-12-13T07:41:23.883" v="416" actId="164"/>
+          <ac:grpSpMkLst>
+            <pc:docMk/>
+            <pc:sldMk cId="2641902059" sldId="272"/>
+            <ac:grpSpMk id="4" creationId="{70DDCE2C-1A12-4471-9061-A1ABEC24B7AE}"/>
+          </ac:grpSpMkLst>
+        </pc:grpChg>
+        <pc:picChg chg="add mod">
+          <ac:chgData name="Kim Bogeun" userId="64659f48a4888a53" providerId="LiveId" clId="{35CF92BE-2C4A-4782-864A-72FECF910AD0}" dt="2020-12-13T07:41:23.883" v="416" actId="164"/>
+          <ac:picMkLst>
+            <pc:docMk/>
+            <pc:sldMk cId="2641902059" sldId="272"/>
+            <ac:picMk id="3" creationId="{0BD18521-C929-408E-97A0-F1FFEA7814DD}"/>
+          </ac:picMkLst>
+        </pc:picChg>
+        <pc:picChg chg="mod">
+          <ac:chgData name="Kim Bogeun" userId="64659f48a4888a53" providerId="LiveId" clId="{35CF92BE-2C4A-4782-864A-72FECF910AD0}" dt="2020-12-13T07:41:23.883" v="416" actId="164"/>
+          <ac:picMkLst>
+            <pc:docMk/>
+            <pc:sldMk cId="2641902059" sldId="272"/>
+            <ac:picMk id="7" creationId="{E47826BC-8EEB-4D57-A5E1-185C69D432F7}"/>
+          </ac:picMkLst>
+        </pc:picChg>
+      </pc:sldChg>
+      <pc:sldChg chg="addSp delSp modSp add mod">
+        <pc:chgData name="Kim Bogeun" userId="64659f48a4888a53" providerId="LiveId" clId="{35CF92BE-2C4A-4782-864A-72FECF910AD0}" dt="2020-12-13T07:51:50.286" v="661" actId="167"/>
+        <pc:sldMkLst>
+          <pc:docMk/>
+          <pc:sldMk cId="3963787031" sldId="273"/>
+        </pc:sldMkLst>
+        <pc:picChg chg="add mod ord">
+          <ac:chgData name="Kim Bogeun" userId="64659f48a4888a53" providerId="LiveId" clId="{35CF92BE-2C4A-4782-864A-72FECF910AD0}" dt="2020-12-13T07:51:50.286" v="661" actId="167"/>
+          <ac:picMkLst>
+            <pc:docMk/>
+            <pc:sldMk cId="3963787031" sldId="273"/>
+            <ac:picMk id="3" creationId="{273AA66E-2F46-4302-8660-B2903E3C0CD2}"/>
+          </ac:picMkLst>
+        </pc:picChg>
+        <pc:picChg chg="del">
+          <ac:chgData name="Kim Bogeun" userId="64659f48a4888a53" providerId="LiveId" clId="{35CF92BE-2C4A-4782-864A-72FECF910AD0}" dt="2020-12-13T07:50:59.728" v="656" actId="478"/>
+          <ac:picMkLst>
+            <pc:docMk/>
+            <pc:sldMk cId="3963787031" sldId="273"/>
+            <ac:picMk id="5" creationId="{C2C60055-A1D9-461F-BB0F-FE2E469B1A0E}"/>
+          </ac:picMkLst>
+        </pc:picChg>
+      </pc:sldChg>
+      <pc:sldChg chg="delSp add mod modTransition">
+        <pc:chgData name="Kim Bogeun" userId="64659f48a4888a53" providerId="LiveId" clId="{35CF92BE-2C4A-4782-864A-72FECF910AD0}" dt="2020-12-13T07:52:45.607" v="664"/>
+        <pc:sldMkLst>
+          <pc:docMk/>
+          <pc:sldMk cId="3037231291" sldId="274"/>
+        </pc:sldMkLst>
+        <pc:spChg chg="del">
+          <ac:chgData name="Kim Bogeun" userId="64659f48a4888a53" providerId="LiveId" clId="{35CF92BE-2C4A-4782-864A-72FECF910AD0}" dt="2020-12-13T07:52:00.402" v="663" actId="478"/>
+          <ac:spMkLst>
+            <pc:docMk/>
+            <pc:sldMk cId="3037231291" sldId="274"/>
+            <ac:spMk id="14" creationId="{B6A53E8E-09F7-4D3D-A189-3C51C501855E}"/>
+          </ac:spMkLst>
+        </pc:spChg>
+      </pc:sldChg>
+    </pc:docChg>
+  </pc:docChgLst>
+</pc:chgInfo>
 </file>
 
 <file path=ppt/slideLayouts/slideLayout1.xml><?xml version="1.0" encoding="utf-8"?>
@@ -276,7 +1032,7 @@
           <a:p>
             <a:fld id="{432818E5-E33F-4F16-A625-F1CAA37992D4}" type="datetimeFigureOut">
               <a:rPr lang="ko-KR" altLang="en-US" smtClean="0"/>
-              <a:t>2020-12-12</a:t>
+              <a:t>2020-12-13</a:t>
             </a:fld>
             <a:endParaRPr lang="ko-KR" altLang="en-US"/>
           </a:p>
@@ -474,7 +1230,7 @@
           <a:p>
             <a:fld id="{432818E5-E33F-4F16-A625-F1CAA37992D4}" type="datetimeFigureOut">
               <a:rPr lang="ko-KR" altLang="en-US" smtClean="0"/>
-              <a:t>2020-12-12</a:t>
+              <a:t>2020-12-13</a:t>
             </a:fld>
             <a:endParaRPr lang="ko-KR" altLang="en-US"/>
           </a:p>
@@ -682,7 +1438,7 @@
           <a:p>
             <a:fld id="{432818E5-E33F-4F16-A625-F1CAA37992D4}" type="datetimeFigureOut">
               <a:rPr lang="ko-KR" altLang="en-US" smtClean="0"/>
-              <a:t>2020-12-12</a:t>
+              <a:t>2020-12-13</a:t>
             </a:fld>
             <a:endParaRPr lang="ko-KR" altLang="en-US"/>
           </a:p>
@@ -880,7 +1636,7 @@
           <a:p>
             <a:fld id="{432818E5-E33F-4F16-A625-F1CAA37992D4}" type="datetimeFigureOut">
               <a:rPr lang="ko-KR" altLang="en-US" smtClean="0"/>
-              <a:t>2020-12-12</a:t>
+              <a:t>2020-12-13</a:t>
             </a:fld>
             <a:endParaRPr lang="ko-KR" altLang="en-US"/>
           </a:p>
@@ -1155,7 +1911,7 @@
           <a:p>
             <a:fld id="{432818E5-E33F-4F16-A625-F1CAA37992D4}" type="datetimeFigureOut">
               <a:rPr lang="ko-KR" altLang="en-US" smtClean="0"/>
-              <a:t>2020-12-12</a:t>
+              <a:t>2020-12-13</a:t>
             </a:fld>
             <a:endParaRPr lang="ko-KR" altLang="en-US"/>
           </a:p>
@@ -1420,7 +2176,7 @@
           <a:p>
             <a:fld id="{432818E5-E33F-4F16-A625-F1CAA37992D4}" type="datetimeFigureOut">
               <a:rPr lang="ko-KR" altLang="en-US" smtClean="0"/>
-              <a:t>2020-12-12</a:t>
+              <a:t>2020-12-13</a:t>
             </a:fld>
             <a:endParaRPr lang="ko-KR" altLang="en-US"/>
           </a:p>
@@ -1832,7 +2588,7 @@
           <a:p>
             <a:fld id="{432818E5-E33F-4F16-A625-F1CAA37992D4}" type="datetimeFigureOut">
               <a:rPr lang="ko-KR" altLang="en-US" smtClean="0"/>
-              <a:t>2020-12-12</a:t>
+              <a:t>2020-12-13</a:t>
             </a:fld>
             <a:endParaRPr lang="ko-KR" altLang="en-US"/>
           </a:p>
@@ -1973,7 +2729,7 @@
           <a:p>
             <a:fld id="{432818E5-E33F-4F16-A625-F1CAA37992D4}" type="datetimeFigureOut">
               <a:rPr lang="ko-KR" altLang="en-US" smtClean="0"/>
-              <a:t>2020-12-12</a:t>
+              <a:t>2020-12-13</a:t>
             </a:fld>
             <a:endParaRPr lang="ko-KR" altLang="en-US"/>
           </a:p>
@@ -2086,7 +2842,7 @@
           <a:p>
             <a:fld id="{432818E5-E33F-4F16-A625-F1CAA37992D4}" type="datetimeFigureOut">
               <a:rPr lang="ko-KR" altLang="en-US" smtClean="0"/>
-              <a:t>2020-12-12</a:t>
+              <a:t>2020-12-13</a:t>
             </a:fld>
             <a:endParaRPr lang="ko-KR" altLang="en-US"/>
           </a:p>
@@ -2397,7 +3153,7 @@
           <a:p>
             <a:fld id="{432818E5-E33F-4F16-A625-F1CAA37992D4}" type="datetimeFigureOut">
               <a:rPr lang="ko-KR" altLang="en-US" smtClean="0"/>
-              <a:t>2020-12-12</a:t>
+              <a:t>2020-12-13</a:t>
             </a:fld>
             <a:endParaRPr lang="ko-KR" altLang="en-US"/>
           </a:p>
@@ -2685,7 +3441,7 @@
           <a:p>
             <a:fld id="{432818E5-E33F-4F16-A625-F1CAA37992D4}" type="datetimeFigureOut">
               <a:rPr lang="ko-KR" altLang="en-US" smtClean="0"/>
-              <a:t>2020-12-12</a:t>
+              <a:t>2020-12-13</a:t>
             </a:fld>
             <a:endParaRPr lang="ko-KR" altLang="en-US"/>
           </a:p>
@@ -2926,7 +3682,7 @@
           <a:p>
             <a:fld id="{432818E5-E33F-4F16-A625-F1CAA37992D4}" type="datetimeFigureOut">
               <a:rPr lang="ko-KR" altLang="en-US" smtClean="0"/>
-              <a:t>2020-12-12</a:t>
+              <a:t>2020-12-13</a:t>
             </a:fld>
             <a:endParaRPr lang="ko-KR" altLang="en-US"/>
           </a:p>
@@ -3343,36 +4099,161 @@
           <a:chExt cx="0" cy="0"/>
         </a:xfrm>
       </p:grpSpPr>
-      <p:pic>
-        <p:nvPicPr>
-          <p:cNvPr id="3" name="그림 2">
-            <a:extLst>
-              <a:ext uri="{FF2B5EF4-FFF2-40B4-BE49-F238E27FC236}">
-                <a16:creationId xmlns:a16="http://schemas.microsoft.com/office/drawing/2014/main" id="{AFAD90B9-BE77-4309-8143-D8616CAD0DCF}"/>
-              </a:ext>
-            </a:extLst>
-          </p:cNvPr>
-          <p:cNvPicPr>
-            <a:picLocks noChangeAspect="1"/>
-          </p:cNvPicPr>
+      <p:grpSp>
+        <p:nvGrpSpPr>
+          <p:cNvPr id="11" name="그룹 10">
+            <a:extLst>
+              <a:ext uri="{FF2B5EF4-FFF2-40B4-BE49-F238E27FC236}">
+                <a16:creationId xmlns:a16="http://schemas.microsoft.com/office/drawing/2014/main" id="{D700E421-3864-410D-B55A-F2BC11315006}"/>
+              </a:ext>
+            </a:extLst>
+          </p:cNvPr>
+          <p:cNvGrpSpPr/>
           <p:nvPr/>
-        </p:nvPicPr>
-        <p:blipFill>
-          <a:blip r:embed="rId2"/>
-          <a:stretch>
-            <a:fillRect/>
-          </a:stretch>
-        </p:blipFill>
-        <p:spPr>
+        </p:nvGrpSpPr>
+        <p:grpSpPr>
           <a:xfrm>
-            <a:off x="1295400" y="557212"/>
-            <a:ext cx="9601200" cy="5743575"/>
+            <a:off x="1552806" y="348062"/>
+            <a:ext cx="9086388" cy="5360746"/>
+            <a:chOff x="1707466" y="412957"/>
+            <a:chExt cx="8777070" cy="5102358"/>
           </a:xfrm>
-          <a:prstGeom prst="rect">
-            <a:avLst/>
-          </a:prstGeom>
-        </p:spPr>
-      </p:pic>
+        </p:grpSpPr>
+        <p:pic>
+          <p:nvPicPr>
+            <p:cNvPr id="9" name="그림 8">
+              <a:extLst>
+                <a:ext uri="{FF2B5EF4-FFF2-40B4-BE49-F238E27FC236}">
+                  <a16:creationId xmlns:a16="http://schemas.microsoft.com/office/drawing/2014/main" id="{8B29E9F6-1D2A-408A-9638-D113AA0CA8D5}"/>
+                </a:ext>
+              </a:extLst>
+            </p:cNvPr>
+            <p:cNvPicPr>
+              <a:picLocks noChangeAspect="1"/>
+            </p:cNvPicPr>
+            <p:nvPr/>
+          </p:nvPicPr>
+          <p:blipFill>
+            <a:blip r:embed="rId2"/>
+            <a:stretch>
+              <a:fillRect/>
+            </a:stretch>
+          </p:blipFill>
+          <p:spPr>
+            <a:xfrm>
+              <a:off x="1707466" y="412957"/>
+              <a:ext cx="8777070" cy="5102358"/>
+            </a:xfrm>
+            <a:prstGeom prst="rect">
+              <a:avLst/>
+            </a:prstGeom>
+          </p:spPr>
+        </p:pic>
+        <p:sp>
+          <p:nvSpPr>
+            <p:cNvPr id="2" name="직사각형 1">
+              <a:extLst>
+                <a:ext uri="{FF2B5EF4-FFF2-40B4-BE49-F238E27FC236}">
+                  <a16:creationId xmlns:a16="http://schemas.microsoft.com/office/drawing/2014/main" id="{0B99D7B8-D84E-4E23-B3B2-F1BF9D632A32}"/>
+                </a:ext>
+              </a:extLst>
+            </p:cNvPr>
+            <p:cNvSpPr/>
+            <p:nvPr/>
+          </p:nvSpPr>
+          <p:spPr>
+            <a:xfrm>
+              <a:off x="1980932" y="904181"/>
+              <a:ext cx="8455028" cy="241944"/>
+            </a:xfrm>
+            <a:prstGeom prst="rect">
+              <a:avLst/>
+            </a:prstGeom>
+            <a:noFill/>
+            <a:ln w="38100">
+              <a:solidFill>
+                <a:srgbClr val="FF0000"/>
+              </a:solidFill>
+            </a:ln>
+          </p:spPr>
+          <p:style>
+            <a:lnRef idx="2">
+              <a:schemeClr val="accent1">
+                <a:shade val="50000"/>
+              </a:schemeClr>
+            </a:lnRef>
+            <a:fillRef idx="1">
+              <a:schemeClr val="accent1"/>
+            </a:fillRef>
+            <a:effectRef idx="0">
+              <a:schemeClr val="accent1"/>
+            </a:effectRef>
+            <a:fontRef idx="minor">
+              <a:schemeClr val="lt1"/>
+            </a:fontRef>
+          </p:style>
+          <p:txBody>
+            <a:bodyPr rtlCol="0" anchor="ctr"/>
+            <a:lstStyle/>
+            <a:p>
+              <a:pPr algn="ctr"/>
+              <a:endParaRPr lang="ko-KR" altLang="en-US"/>
+            </a:p>
+          </p:txBody>
+        </p:sp>
+        <p:sp>
+          <p:nvSpPr>
+            <p:cNvPr id="10" name="직사각형 9">
+              <a:extLst>
+                <a:ext uri="{FF2B5EF4-FFF2-40B4-BE49-F238E27FC236}">
+                  <a16:creationId xmlns:a16="http://schemas.microsoft.com/office/drawing/2014/main" id="{728292F2-2BFE-4D4E-A97A-BB0A6A54A4EF}"/>
+                </a:ext>
+              </a:extLst>
+            </p:cNvPr>
+            <p:cNvSpPr/>
+            <p:nvPr/>
+          </p:nvSpPr>
+          <p:spPr>
+            <a:xfrm>
+              <a:off x="1980932" y="1575725"/>
+              <a:ext cx="8455028" cy="241944"/>
+            </a:xfrm>
+            <a:prstGeom prst="rect">
+              <a:avLst/>
+            </a:prstGeom>
+            <a:noFill/>
+            <a:ln w="38100">
+              <a:solidFill>
+                <a:srgbClr val="FF0000"/>
+              </a:solidFill>
+            </a:ln>
+          </p:spPr>
+          <p:style>
+            <a:lnRef idx="2">
+              <a:schemeClr val="accent1">
+                <a:shade val="50000"/>
+              </a:schemeClr>
+            </a:lnRef>
+            <a:fillRef idx="1">
+              <a:schemeClr val="accent1"/>
+            </a:fillRef>
+            <a:effectRef idx="0">
+              <a:schemeClr val="accent1"/>
+            </a:effectRef>
+            <a:fontRef idx="minor">
+              <a:schemeClr val="lt1"/>
+            </a:fontRef>
+          </p:style>
+          <p:txBody>
+            <a:bodyPr rtlCol="0" anchor="ctr"/>
+            <a:lstStyle/>
+            <a:p>
+              <a:pPr algn="ctr"/>
+              <a:endParaRPr lang="ko-KR" altLang="en-US"/>
+            </a:p>
+          </p:txBody>
+        </p:sp>
+      </p:grpSp>
     </p:spTree>
     <p:extLst>
       <p:ext uri="{BB962C8B-B14F-4D97-AF65-F5344CB8AC3E}">
@@ -3403,12 +4284,100 @@
           <a:chExt cx="0" cy="0"/>
         </a:xfrm>
       </p:grpSpPr>
+      <p:sp>
+        <p:nvSpPr>
+          <p:cNvPr id="4" name="TextBox 3">
+            <a:extLst>
+              <a:ext uri="{FF2B5EF4-FFF2-40B4-BE49-F238E27FC236}">
+                <a16:creationId xmlns:a16="http://schemas.microsoft.com/office/drawing/2014/main" id="{57230121-99AB-4F3F-AFE9-817D4A82D948}"/>
+              </a:ext>
+            </a:extLst>
+          </p:cNvPr>
+          <p:cNvSpPr txBox="1"/>
+          <p:nvPr/>
+        </p:nvSpPr>
+        <p:spPr>
+          <a:xfrm>
+            <a:off x="2772335" y="2644170"/>
+            <a:ext cx="6647330" cy="1569660"/>
+          </a:xfrm>
+          <a:prstGeom prst="rect">
+            <a:avLst/>
+          </a:prstGeom>
+          <a:solidFill>
+            <a:schemeClr val="accent4">
+              <a:lumMod val="40000"/>
+              <a:lumOff val="60000"/>
+            </a:schemeClr>
+          </a:solidFill>
+        </p:spPr>
+        <p:txBody>
+          <a:bodyPr wrap="square" rtlCol="0">
+            <a:spAutoFit/>
+          </a:bodyPr>
+          <a:lstStyle/>
+          <a:p>
+            <a:pPr algn="ctr"/>
+            <a:r>
+              <a:rPr lang="ko-KR" altLang="en-US" sz="9600" dirty="0">
+                <a:latin typeface="나눔스퀘어OTF Bold" panose="020B0600000101010101" pitchFamily="34" charset="-127"/>
+                <a:ea typeface="나눔스퀘어OTF Bold" panose="020B0600000101010101" pitchFamily="34" charset="-127"/>
+              </a:rPr>
+              <a:t>지역</a:t>
+            </a:r>
+            <a:r>
+              <a:rPr lang="en-US" altLang="ko-KR" sz="9600" dirty="0">
+                <a:latin typeface="나눔스퀘어OTF Bold" panose="020B0600000101010101" pitchFamily="34" charset="-127"/>
+                <a:ea typeface="나눔스퀘어OTF Bold" panose="020B0600000101010101" pitchFamily="34" charset="-127"/>
+              </a:rPr>
+              <a:t>: </a:t>
+            </a:r>
+            <a:r>
+              <a:rPr lang="ko-KR" altLang="en-US" sz="9600" dirty="0">
+                <a:latin typeface="나눔스퀘어OTF Bold" panose="020B0600000101010101" pitchFamily="34" charset="-127"/>
+                <a:ea typeface="나눔스퀘어OTF Bold" panose="020B0600000101010101" pitchFamily="34" charset="-127"/>
+              </a:rPr>
+              <a:t>서울</a:t>
+            </a:r>
+          </a:p>
+        </p:txBody>
+      </p:sp>
+    </p:spTree>
+    <p:extLst>
+      <p:ext uri="{BB962C8B-B14F-4D97-AF65-F5344CB8AC3E}">
+        <p14:creationId xmlns:p14="http://schemas.microsoft.com/office/powerpoint/2010/main" val="1851633369"/>
+      </p:ext>
+    </p:extLst>
+  </p:cSld>
+  <p:clrMapOvr>
+    <a:masterClrMapping/>
+  </p:clrMapOvr>
+</p:sld>
+</file>
+
+<file path=ppt/slides/slide11.xml><?xml version="1.0" encoding="utf-8"?>
+<p:sld xmlns:a="http://schemas.openxmlformats.org/drawingml/2006/main" xmlns:r="http://schemas.openxmlformats.org/officeDocument/2006/relationships" xmlns:p="http://schemas.openxmlformats.org/presentationml/2006/main">
+  <p:cSld>
+    <p:spTree>
+      <p:nvGrpSpPr>
+        <p:cNvPr id="1" name=""/>
+        <p:cNvGrpSpPr/>
+        <p:nvPr/>
+      </p:nvGrpSpPr>
+      <p:grpSpPr>
+        <a:xfrm>
+          <a:off x="0" y="0"/>
+          <a:ext cx="0" cy="0"/>
+          <a:chOff x="0" y="0"/>
+          <a:chExt cx="0" cy="0"/>
+        </a:xfrm>
+      </p:grpSpPr>
       <p:pic>
         <p:nvPicPr>
-          <p:cNvPr id="3" name="그림 2">
-            <a:extLst>
-              <a:ext uri="{FF2B5EF4-FFF2-40B4-BE49-F238E27FC236}">
-                <a16:creationId xmlns:a16="http://schemas.microsoft.com/office/drawing/2014/main" id="{EFA58558-A022-4B9A-B328-F6DBDFBF3BD4}"/>
+          <p:cNvPr id="8" name="그림 7">
+            <a:extLst>
+              <a:ext uri="{FF2B5EF4-FFF2-40B4-BE49-F238E27FC236}">
+                <a16:creationId xmlns:a16="http://schemas.microsoft.com/office/drawing/2014/main" id="{B46FDDDA-D205-407D-ADA6-146489344FB5}"/>
               </a:ext>
             </a:extLst>
           </p:cNvPr>
@@ -3425,8 +4394,8 @@
         </p:blipFill>
         <p:spPr>
           <a:xfrm>
-            <a:off x="0" y="77324"/>
-            <a:ext cx="12192000" cy="6703351"/>
+            <a:off x="269965" y="0"/>
+            <a:ext cx="11652069" cy="6858000"/>
           </a:xfrm>
           <a:prstGeom prst="rect">
             <a:avLst/>
@@ -3442,13 +4411,15 @@
               </a:ext>
             </a:extLst>
           </p:cNvPr>
-          <p:cNvCxnSpPr/>
+          <p:cNvCxnSpPr>
+            <a:cxnSpLocks/>
+          </p:cNvCxnSpPr>
           <p:nvPr/>
         </p:nvCxnSpPr>
         <p:spPr>
-          <a:xfrm flipV="1">
-            <a:off x="4831976" y="4213412"/>
-            <a:ext cx="1819836" cy="1461247"/>
+          <a:xfrm flipH="1" flipV="1">
+            <a:off x="5427811" y="1329569"/>
+            <a:ext cx="3804679" cy="4239422"/>
           </a:xfrm>
           <a:prstGeom prst="straightConnector1">
             <a:avLst/>
@@ -3502,8 +4473,8 @@
           </a:stretch>
         </p:blipFill>
         <p:spPr>
-          <a:xfrm>
-            <a:off x="5685393" y="3576918"/>
+          <a:xfrm flipH="1">
+            <a:off x="8724029" y="4596986"/>
             <a:ext cx="821214" cy="821214"/>
           </a:xfrm>
           <a:prstGeom prst="rect">
@@ -3547,22 +4518,22 @@
             <a:pPr algn="ctr"/>
             <a:r>
               <a:rPr lang="ko-KR" altLang="en-US" sz="4000" dirty="0">
-                <a:latin typeface="나눔스퀘어 ExtraBold" panose="020B0600000101010101" pitchFamily="50" charset="-127"/>
-                <a:ea typeface="나눔스퀘어 ExtraBold" panose="020B0600000101010101" pitchFamily="50" charset="-127"/>
+                <a:latin typeface="나눔스퀘어OTF Bold" panose="020B0600000101010101" pitchFamily="34" charset="-127"/>
+                <a:ea typeface="나눔스퀘어OTF Bold" panose="020B0600000101010101" pitchFamily="34" charset="-127"/>
               </a:rPr>
               <a:t>지역</a:t>
             </a:r>
             <a:r>
               <a:rPr lang="en-US" altLang="ko-KR" sz="4000" dirty="0">
-                <a:latin typeface="나눔스퀘어 ExtraBold" panose="020B0600000101010101" pitchFamily="50" charset="-127"/>
-                <a:ea typeface="나눔스퀘어 ExtraBold" panose="020B0600000101010101" pitchFamily="50" charset="-127"/>
+                <a:latin typeface="나눔스퀘어OTF Bold" panose="020B0600000101010101" pitchFamily="34" charset="-127"/>
+                <a:ea typeface="나눔스퀘어OTF Bold" panose="020B0600000101010101" pitchFamily="34" charset="-127"/>
               </a:rPr>
               <a:t>: </a:t>
             </a:r>
             <a:r>
               <a:rPr lang="ko-KR" altLang="en-US" sz="4000" dirty="0">
-                <a:latin typeface="나눔스퀘어 ExtraBold" panose="020B0600000101010101" pitchFamily="50" charset="-127"/>
-                <a:ea typeface="나눔스퀘어 ExtraBold" panose="020B0600000101010101" pitchFamily="50" charset="-127"/>
+                <a:latin typeface="나눔스퀘어OTF Bold" panose="020B0600000101010101" pitchFamily="34" charset="-127"/>
+                <a:ea typeface="나눔스퀘어OTF Bold" panose="020B0600000101010101" pitchFamily="34" charset="-127"/>
               </a:rPr>
               <a:t>서울</a:t>
             </a:r>
@@ -3571,10 +4542,10 @@
       </p:sp>
       <p:pic>
         <p:nvPicPr>
-          <p:cNvPr id="6" name="그림 5">
-            <a:extLst>
-              <a:ext uri="{FF2B5EF4-FFF2-40B4-BE49-F238E27FC236}">
-                <a16:creationId xmlns:a16="http://schemas.microsoft.com/office/drawing/2014/main" id="{73CCC91B-1D7F-4B9E-B29B-41D677C68559}"/>
+          <p:cNvPr id="11" name="그림 10">
+            <a:extLst>
+              <a:ext uri="{FF2B5EF4-FFF2-40B4-BE49-F238E27FC236}">
+                <a16:creationId xmlns:a16="http://schemas.microsoft.com/office/drawing/2014/main" id="{6751EBC1-94AC-4AFC-B0B2-F4ED01D35467}"/>
               </a:ext>
             </a:extLst>
           </p:cNvPr>
@@ -3596,44 +4567,8 @@
           </a:stretch>
         </p:blipFill>
         <p:spPr>
-          <a:xfrm flipH="1">
-            <a:off x="5163197" y="3052008"/>
-            <a:ext cx="753981" cy="753981"/>
-          </a:xfrm>
-          <a:prstGeom prst="rect">
-            <a:avLst/>
-          </a:prstGeom>
-        </p:spPr>
-      </p:pic>
-      <p:pic>
-        <p:nvPicPr>
-          <p:cNvPr id="8" name="그림 7">
-            <a:extLst>
-              <a:ext uri="{FF2B5EF4-FFF2-40B4-BE49-F238E27FC236}">
-                <a16:creationId xmlns:a16="http://schemas.microsoft.com/office/drawing/2014/main" id="{3B20AC53-A521-4613-894C-56C476DF6166}"/>
-              </a:ext>
-            </a:extLst>
-          </p:cNvPr>
-          <p:cNvPicPr>
-            <a:picLocks noChangeAspect="1"/>
-          </p:cNvPicPr>
-          <p:nvPr/>
-        </p:nvPicPr>
-        <p:blipFill>
-          <a:blip r:embed="rId5">
-            <a:extLst>
-              <a:ext uri="{28A0092B-C50C-407E-A947-70E740481C1C}">
-                <a14:useLocalDpi xmlns:a14="http://schemas.microsoft.com/office/drawing/2010/main" val="0"/>
-              </a:ext>
-            </a:extLst>
-          </a:blip>
-          <a:stretch>
-            <a:fillRect/>
-          </a:stretch>
-        </p:blipFill>
-        <p:spPr>
           <a:xfrm>
-            <a:off x="6524887" y="3107396"/>
+            <a:off x="4955658" y="169518"/>
             <a:ext cx="619985" cy="619985"/>
           </a:xfrm>
           <a:prstGeom prst="rect">
@@ -3643,10 +4578,10 @@
       </p:pic>
       <p:sp>
         <p:nvSpPr>
-          <p:cNvPr id="9" name="곱하기 기호 8">
-            <a:extLst>
-              <a:ext uri="{FF2B5EF4-FFF2-40B4-BE49-F238E27FC236}">
-                <a16:creationId xmlns:a16="http://schemas.microsoft.com/office/drawing/2014/main" id="{C9A9934E-6634-4D51-991E-A2C8625A3B7D}"/>
+          <p:cNvPr id="12" name="곱하기 기호 11">
+            <a:extLst>
+              <a:ext uri="{FF2B5EF4-FFF2-40B4-BE49-F238E27FC236}">
+                <a16:creationId xmlns:a16="http://schemas.microsoft.com/office/drawing/2014/main" id="{A6481C3F-4A4E-48D9-91A1-845FBD61D71F}"/>
               </a:ext>
             </a:extLst>
           </p:cNvPr>
@@ -3655,7 +4590,7 @@
         </p:nvSpPr>
         <p:spPr>
           <a:xfrm>
-            <a:off x="8344719" y="2303579"/>
+            <a:off x="4792244" y="994338"/>
             <a:ext cx="699247" cy="670461"/>
           </a:xfrm>
           <a:prstGeom prst="mathMultiply">
@@ -3696,23 +4631,987 @@
           </a:p>
         </p:txBody>
       </p:sp>
+      <p:pic>
+        <p:nvPicPr>
+          <p:cNvPr id="13" name="그림 12">
+            <a:extLst>
+              <a:ext uri="{FF2B5EF4-FFF2-40B4-BE49-F238E27FC236}">
+                <a16:creationId xmlns:a16="http://schemas.microsoft.com/office/drawing/2014/main" id="{A8F238ED-8914-43A5-9E5F-342214746F12}"/>
+              </a:ext>
+            </a:extLst>
+          </p:cNvPr>
+          <p:cNvPicPr>
+            <a:picLocks noChangeAspect="1"/>
+          </p:cNvPicPr>
+          <p:nvPr/>
+        </p:nvPicPr>
+        <p:blipFill>
+          <a:blip r:embed="rId5">
+            <a:extLst>
+              <a:ext uri="{28A0092B-C50C-407E-A947-70E740481C1C}">
+                <a14:useLocalDpi xmlns:a14="http://schemas.microsoft.com/office/drawing/2010/main" val="0"/>
+              </a:ext>
+            </a:extLst>
+          </a:blip>
+          <a:stretch>
+            <a:fillRect/>
+          </a:stretch>
+        </p:blipFill>
+        <p:spPr>
+          <a:xfrm>
+            <a:off x="9421272" y="4982110"/>
+            <a:ext cx="770660" cy="770660"/>
+          </a:xfrm>
+          <a:prstGeom prst="rect">
+            <a:avLst/>
+          </a:prstGeom>
+          <a:ln w="38100">
+            <a:noFill/>
+          </a:ln>
+        </p:spPr>
+      </p:pic>
+      <p:sp>
+        <p:nvSpPr>
+          <p:cNvPr id="14" name="TextBox 13">
+            <a:extLst>
+              <a:ext uri="{FF2B5EF4-FFF2-40B4-BE49-F238E27FC236}">
+                <a16:creationId xmlns:a16="http://schemas.microsoft.com/office/drawing/2014/main" id="{B6A53E8E-09F7-4D3D-A189-3C51C501855E}"/>
+              </a:ext>
+            </a:extLst>
+          </p:cNvPr>
+          <p:cNvSpPr txBox="1"/>
+          <p:nvPr/>
+        </p:nvSpPr>
+        <p:spPr>
+          <a:xfrm>
+            <a:off x="8391723" y="3919634"/>
+            <a:ext cx="2628272" cy="584775"/>
+          </a:xfrm>
+          <a:prstGeom prst="rect">
+            <a:avLst/>
+          </a:prstGeom>
+          <a:solidFill>
+            <a:schemeClr val="accent4">
+              <a:lumMod val="40000"/>
+              <a:lumOff val="60000"/>
+            </a:schemeClr>
+          </a:solidFill>
+          <a:ln w="28575">
+            <a:solidFill>
+              <a:schemeClr val="tx1"/>
+            </a:solidFill>
+          </a:ln>
+        </p:spPr>
+        <p:txBody>
+          <a:bodyPr wrap="square" rtlCol="0">
+            <a:spAutoFit/>
+          </a:bodyPr>
+          <a:lstStyle/>
+          <a:p>
+            <a:r>
+              <a:rPr lang="ko-KR" altLang="en-US" sz="1600" dirty="0" err="1">
+                <a:latin typeface="나눔스퀘어OTF Bold" panose="020B0600000101010101" pitchFamily="34" charset="-127"/>
+                <a:ea typeface="나눔스퀘어OTF Bold" panose="020B0600000101010101" pitchFamily="34" charset="-127"/>
+              </a:rPr>
+              <a:t>박감자</a:t>
+            </a:r>
+            <a:r>
+              <a:rPr lang="ko-KR" altLang="en-US" sz="1600" dirty="0">
+                <a:latin typeface="나눔스퀘어OTF Bold" panose="020B0600000101010101" pitchFamily="34" charset="-127"/>
+                <a:ea typeface="나눔스퀘어OTF Bold" panose="020B0600000101010101" pitchFamily="34" charset="-127"/>
+              </a:rPr>
+              <a:t> </a:t>
+            </a:r>
+            <a:r>
+              <a:rPr lang="en-US" altLang="ko-KR" sz="1600" dirty="0">
+                <a:latin typeface="나눔스퀘어OTF Bold" panose="020B0600000101010101" pitchFamily="34" charset="-127"/>
+                <a:ea typeface="나눔스퀘어OTF Bold" panose="020B0600000101010101" pitchFamily="34" charset="-127"/>
+              </a:rPr>
+              <a:t>/ 25</a:t>
+            </a:r>
+            <a:r>
+              <a:rPr lang="ko-KR" altLang="en-US" sz="1600" dirty="0">
+                <a:latin typeface="나눔스퀘어OTF Bold" panose="020B0600000101010101" pitchFamily="34" charset="-127"/>
+                <a:ea typeface="나눔스퀘어OTF Bold" panose="020B0600000101010101" pitchFamily="34" charset="-127"/>
+              </a:rPr>
+              <a:t>세</a:t>
+            </a:r>
+            <a:r>
+              <a:rPr lang="en-US" altLang="ko-KR" sz="1600" dirty="0">
+                <a:latin typeface="나눔스퀘어OTF Bold" panose="020B0600000101010101" pitchFamily="34" charset="-127"/>
+                <a:ea typeface="나눔스퀘어OTF Bold" panose="020B0600000101010101" pitchFamily="34" charset="-127"/>
+              </a:rPr>
+              <a:t>, </a:t>
+            </a:r>
+            <a:r>
+              <a:rPr lang="ko-KR" altLang="en-US" sz="1600" dirty="0">
+                <a:latin typeface="나눔스퀘어OTF Bold" panose="020B0600000101010101" pitchFamily="34" charset="-127"/>
+                <a:ea typeface="나눔스퀘어OTF Bold" panose="020B0600000101010101" pitchFamily="34" charset="-127"/>
+              </a:rPr>
+              <a:t>신입사원</a:t>
+            </a:r>
+            <a:endParaRPr lang="en-US" altLang="ko-KR" sz="1600" dirty="0">
+              <a:latin typeface="나눔스퀘어OTF Bold" panose="020B0600000101010101" pitchFamily="34" charset="-127"/>
+              <a:ea typeface="나눔스퀘어OTF Bold" panose="020B0600000101010101" pitchFamily="34" charset="-127"/>
+            </a:endParaRPr>
+          </a:p>
+          <a:p>
+            <a:r>
+              <a:rPr lang="ko-KR" altLang="en-US" sz="1600" dirty="0">
+                <a:latin typeface="나눔스퀘어OTF Bold" panose="020B0600000101010101" pitchFamily="34" charset="-127"/>
+                <a:ea typeface="나눔스퀘어OTF Bold" panose="020B0600000101010101" pitchFamily="34" charset="-127"/>
+              </a:rPr>
+              <a:t>특징</a:t>
+            </a:r>
+            <a:r>
+              <a:rPr lang="en-US" altLang="ko-KR" sz="1600" dirty="0">
+                <a:latin typeface="나눔스퀘어OTF Bold" panose="020B0600000101010101" pitchFamily="34" charset="-127"/>
+                <a:ea typeface="나눔스퀘어OTF Bold" panose="020B0600000101010101" pitchFamily="34" charset="-127"/>
+              </a:rPr>
+              <a:t>: </a:t>
+            </a:r>
+            <a:r>
+              <a:rPr lang="ko-KR" altLang="en-US" sz="1600" dirty="0" err="1">
+                <a:latin typeface="나눔스퀘어OTF Bold" panose="020B0600000101010101" pitchFamily="34" charset="-127"/>
+                <a:ea typeface="나눔스퀘어OTF Bold" panose="020B0600000101010101" pitchFamily="34" charset="-127"/>
+              </a:rPr>
+              <a:t>내집마련</a:t>
+            </a:r>
+            <a:r>
+              <a:rPr lang="ko-KR" altLang="en-US" sz="1600" dirty="0">
+                <a:latin typeface="나눔스퀘어OTF Bold" panose="020B0600000101010101" pitchFamily="34" charset="-127"/>
+                <a:ea typeface="나눔스퀘어OTF Bold" panose="020B0600000101010101" pitchFamily="34" charset="-127"/>
+              </a:rPr>
+              <a:t> 성공한 금수저</a:t>
+            </a:r>
+          </a:p>
+        </p:txBody>
+      </p:sp>
     </p:spTree>
     <p:extLst>
       <p:ext uri="{BB962C8B-B14F-4D97-AF65-F5344CB8AC3E}">
-        <p14:creationId xmlns:p14="http://schemas.microsoft.com/office/powerpoint/2010/main" val="3611583201"/>
+        <p14:creationId xmlns:p14="http://schemas.microsoft.com/office/powerpoint/2010/main" val="883221839"/>
       </p:ext>
     </p:extLst>
   </p:cSld>
   <p:clrMapOvr>
     <a:masterClrMapping/>
   </p:clrMapOvr>
-  <mc:AlternateContent xmlns:mc="http://schemas.openxmlformats.org/markup-compatibility/2006">
-    <mc:Choice xmlns:p159="http://schemas.microsoft.com/office/powerpoint/2015/09/main" Requires="p159">
+  <mc:AlternateContent xmlns:mc="http://schemas.openxmlformats.org/markup-compatibility/2006" xmlns:p159="http://schemas.microsoft.com/office/powerpoint/2015/09/main">
+    <mc:Choice Requires="p159">
       <p:transition xmlns:p14="http://schemas.microsoft.com/office/powerpoint/2010/main" spd="slow" p14:dur="2000">
         <p159:morph option="byObject"/>
       </p:transition>
     </mc:Choice>
-    <mc:Fallback>
+    <mc:Fallback xmlns="">
+      <p:transition spd="slow">
+        <p:fade/>
+      </p:transition>
+    </mc:Fallback>
+  </mc:AlternateContent>
+</p:sld>
+</file>
+
+<file path=ppt/slides/slide12.xml><?xml version="1.0" encoding="utf-8"?>
+<p:sld xmlns:a="http://schemas.openxmlformats.org/drawingml/2006/main" xmlns:r="http://schemas.openxmlformats.org/officeDocument/2006/relationships" xmlns:p="http://schemas.openxmlformats.org/presentationml/2006/main">
+  <p:cSld>
+    <p:spTree>
+      <p:nvGrpSpPr>
+        <p:cNvPr id="1" name=""/>
+        <p:cNvGrpSpPr/>
+        <p:nvPr/>
+      </p:nvGrpSpPr>
+      <p:grpSpPr>
+        <a:xfrm>
+          <a:off x="0" y="0"/>
+          <a:ext cx="0" cy="0"/>
+          <a:chOff x="0" y="0"/>
+          <a:chExt cx="0" cy="0"/>
+        </a:xfrm>
+      </p:grpSpPr>
+      <p:pic>
+        <p:nvPicPr>
+          <p:cNvPr id="3" name="그림 2">
+            <a:extLst>
+              <a:ext uri="{FF2B5EF4-FFF2-40B4-BE49-F238E27FC236}">
+                <a16:creationId xmlns:a16="http://schemas.microsoft.com/office/drawing/2014/main" id="{273AA66E-2F46-4302-8660-B2903E3C0CD2}"/>
+              </a:ext>
+            </a:extLst>
+          </p:cNvPr>
+          <p:cNvPicPr>
+            <a:picLocks noChangeAspect="1"/>
+          </p:cNvPicPr>
+          <p:nvPr/>
+        </p:nvPicPr>
+        <p:blipFill>
+          <a:blip r:embed="rId2"/>
+          <a:stretch>
+            <a:fillRect/>
+          </a:stretch>
+        </p:blipFill>
+        <p:spPr>
+          <a:xfrm>
+            <a:off x="3069515" y="243000"/>
+            <a:ext cx="6052969" cy="6372000"/>
+          </a:xfrm>
+          <a:prstGeom prst="rect">
+            <a:avLst/>
+          </a:prstGeom>
+        </p:spPr>
+      </p:pic>
+      <p:sp>
+        <p:nvSpPr>
+          <p:cNvPr id="4" name="TextBox 3">
+            <a:extLst>
+              <a:ext uri="{FF2B5EF4-FFF2-40B4-BE49-F238E27FC236}">
+                <a16:creationId xmlns:a16="http://schemas.microsoft.com/office/drawing/2014/main" id="{08D3E4BE-3934-43BD-9E04-B79249055CD7}"/>
+              </a:ext>
+            </a:extLst>
+          </p:cNvPr>
+          <p:cNvSpPr txBox="1"/>
+          <p:nvPr/>
+        </p:nvSpPr>
+        <p:spPr>
+          <a:xfrm>
+            <a:off x="701488" y="286452"/>
+            <a:ext cx="2911289" cy="707886"/>
+          </a:xfrm>
+          <a:prstGeom prst="rect">
+            <a:avLst/>
+          </a:prstGeom>
+          <a:solidFill>
+            <a:schemeClr val="accent4">
+              <a:lumMod val="40000"/>
+              <a:lumOff val="60000"/>
+            </a:schemeClr>
+          </a:solidFill>
+        </p:spPr>
+        <p:txBody>
+          <a:bodyPr wrap="square" rtlCol="0">
+            <a:spAutoFit/>
+          </a:bodyPr>
+          <a:lstStyle/>
+          <a:p>
+            <a:pPr algn="ctr"/>
+            <a:r>
+              <a:rPr lang="ko-KR" altLang="en-US" sz="4000" dirty="0">
+                <a:latin typeface="나눔스퀘어OTF Bold" panose="020B0600000101010101" pitchFamily="34" charset="-127"/>
+                <a:ea typeface="나눔스퀘어OTF Bold" panose="020B0600000101010101" pitchFamily="34" charset="-127"/>
+              </a:rPr>
+              <a:t>평소 화면</a:t>
+            </a:r>
+          </a:p>
+        </p:txBody>
+      </p:sp>
+    </p:spTree>
+    <p:extLst>
+      <p:ext uri="{BB962C8B-B14F-4D97-AF65-F5344CB8AC3E}">
+        <p14:creationId xmlns:p14="http://schemas.microsoft.com/office/powerpoint/2010/main" val="3963787031"/>
+      </p:ext>
+    </p:extLst>
+  </p:cSld>
+  <p:clrMapOvr>
+    <a:masterClrMapping/>
+  </p:clrMapOvr>
+</p:sld>
+</file>
+
+<file path=ppt/slides/slide13.xml><?xml version="1.0" encoding="utf-8"?>
+<p:sld xmlns:a="http://schemas.openxmlformats.org/drawingml/2006/main" xmlns:r="http://schemas.openxmlformats.org/officeDocument/2006/relationships" xmlns:p="http://schemas.openxmlformats.org/presentationml/2006/main">
+  <p:cSld>
+    <p:spTree>
+      <p:nvGrpSpPr>
+        <p:cNvPr id="1" name=""/>
+        <p:cNvGrpSpPr/>
+        <p:nvPr/>
+      </p:nvGrpSpPr>
+      <p:grpSpPr>
+        <a:xfrm>
+          <a:off x="0" y="0"/>
+          <a:ext cx="0" cy="0"/>
+          <a:chOff x="0" y="0"/>
+          <a:chExt cx="0" cy="0"/>
+        </a:xfrm>
+      </p:grpSpPr>
+      <p:pic>
+        <p:nvPicPr>
+          <p:cNvPr id="8" name="그림 7">
+            <a:extLst>
+              <a:ext uri="{FF2B5EF4-FFF2-40B4-BE49-F238E27FC236}">
+                <a16:creationId xmlns:a16="http://schemas.microsoft.com/office/drawing/2014/main" id="{B46FDDDA-D205-407D-ADA6-146489344FB5}"/>
+              </a:ext>
+            </a:extLst>
+          </p:cNvPr>
+          <p:cNvPicPr>
+            <a:picLocks noChangeAspect="1"/>
+          </p:cNvPicPr>
+          <p:nvPr/>
+        </p:nvPicPr>
+        <p:blipFill>
+          <a:blip r:embed="rId2"/>
+          <a:stretch>
+            <a:fillRect/>
+          </a:stretch>
+        </p:blipFill>
+        <p:spPr>
+          <a:xfrm>
+            <a:off x="269965" y="0"/>
+            <a:ext cx="11652069" cy="6858000"/>
+          </a:xfrm>
+          <a:prstGeom prst="rect">
+            <a:avLst/>
+          </a:prstGeom>
+        </p:spPr>
+      </p:pic>
+      <p:cxnSp>
+        <p:nvCxnSpPr>
+          <p:cNvPr id="5" name="직선 화살표 연결선 4">
+            <a:extLst>
+              <a:ext uri="{FF2B5EF4-FFF2-40B4-BE49-F238E27FC236}">
+                <a16:creationId xmlns:a16="http://schemas.microsoft.com/office/drawing/2014/main" id="{F14E4C2D-0638-4BDF-88A6-BBAD31641A52}"/>
+              </a:ext>
+            </a:extLst>
+          </p:cNvPr>
+          <p:cNvCxnSpPr>
+            <a:cxnSpLocks/>
+          </p:cNvCxnSpPr>
+          <p:nvPr/>
+        </p:nvCxnSpPr>
+        <p:spPr>
+          <a:xfrm flipH="1" flipV="1">
+            <a:off x="5427811" y="1329569"/>
+            <a:ext cx="3804679" cy="4239422"/>
+          </a:xfrm>
+          <a:prstGeom prst="straightConnector1">
+            <a:avLst/>
+          </a:prstGeom>
+          <a:ln w="76200">
+            <a:solidFill>
+              <a:schemeClr val="tx1"/>
+            </a:solidFill>
+            <a:tailEnd type="triangle"/>
+          </a:ln>
+        </p:spPr>
+        <p:style>
+          <a:lnRef idx="1">
+            <a:schemeClr val="accent1"/>
+          </a:lnRef>
+          <a:fillRef idx="0">
+            <a:schemeClr val="accent1"/>
+          </a:fillRef>
+          <a:effectRef idx="0">
+            <a:schemeClr val="accent1"/>
+          </a:effectRef>
+          <a:fontRef idx="minor">
+            <a:schemeClr val="tx1"/>
+          </a:fontRef>
+        </p:style>
+      </p:cxnSp>
+      <p:pic>
+        <p:nvPicPr>
+          <p:cNvPr id="7" name="그림 6">
+            <a:extLst>
+              <a:ext uri="{FF2B5EF4-FFF2-40B4-BE49-F238E27FC236}">
+                <a16:creationId xmlns:a16="http://schemas.microsoft.com/office/drawing/2014/main" id="{E47826BC-8EEB-4D57-A5E1-185C69D432F7}"/>
+              </a:ext>
+            </a:extLst>
+          </p:cNvPr>
+          <p:cNvPicPr>
+            <a:picLocks noChangeAspect="1"/>
+          </p:cNvPicPr>
+          <p:nvPr/>
+        </p:nvPicPr>
+        <p:blipFill>
+          <a:blip r:embed="rId3">
+            <a:extLst>
+              <a:ext uri="{28A0092B-C50C-407E-A947-70E740481C1C}">
+                <a14:useLocalDpi xmlns:a14="http://schemas.microsoft.com/office/drawing/2010/main" val="0"/>
+              </a:ext>
+            </a:extLst>
+          </a:blip>
+          <a:stretch>
+            <a:fillRect/>
+          </a:stretch>
+        </p:blipFill>
+        <p:spPr>
+          <a:xfrm flipH="1">
+            <a:off x="8724029" y="4596986"/>
+            <a:ext cx="821214" cy="821214"/>
+          </a:xfrm>
+          <a:prstGeom prst="rect">
+            <a:avLst/>
+          </a:prstGeom>
+        </p:spPr>
+      </p:pic>
+      <p:sp>
+        <p:nvSpPr>
+          <p:cNvPr id="10" name="TextBox 9">
+            <a:extLst>
+              <a:ext uri="{FF2B5EF4-FFF2-40B4-BE49-F238E27FC236}">
+                <a16:creationId xmlns:a16="http://schemas.microsoft.com/office/drawing/2014/main" id="{84D607B9-CECA-449A-82F2-D3C731CC9658}"/>
+              </a:ext>
+            </a:extLst>
+          </p:cNvPr>
+          <p:cNvSpPr txBox="1"/>
+          <p:nvPr/>
+        </p:nvSpPr>
+        <p:spPr>
+          <a:xfrm>
+            <a:off x="701488" y="286452"/>
+            <a:ext cx="2911289" cy="707886"/>
+          </a:xfrm>
+          <a:prstGeom prst="rect">
+            <a:avLst/>
+          </a:prstGeom>
+          <a:solidFill>
+            <a:schemeClr val="accent4">
+              <a:lumMod val="40000"/>
+              <a:lumOff val="60000"/>
+            </a:schemeClr>
+          </a:solidFill>
+        </p:spPr>
+        <p:txBody>
+          <a:bodyPr wrap="square" rtlCol="0">
+            <a:spAutoFit/>
+          </a:bodyPr>
+          <a:lstStyle/>
+          <a:p>
+            <a:pPr algn="ctr"/>
+            <a:r>
+              <a:rPr lang="ko-KR" altLang="en-US" sz="4000" dirty="0">
+                <a:latin typeface="나눔스퀘어OTF Bold" panose="020B0600000101010101" pitchFamily="34" charset="-127"/>
+                <a:ea typeface="나눔스퀘어OTF Bold" panose="020B0600000101010101" pitchFamily="34" charset="-127"/>
+              </a:rPr>
+              <a:t>지역</a:t>
+            </a:r>
+            <a:r>
+              <a:rPr lang="en-US" altLang="ko-KR" sz="4000" dirty="0">
+                <a:latin typeface="나눔스퀘어OTF Bold" panose="020B0600000101010101" pitchFamily="34" charset="-127"/>
+                <a:ea typeface="나눔스퀘어OTF Bold" panose="020B0600000101010101" pitchFamily="34" charset="-127"/>
+              </a:rPr>
+              <a:t>: </a:t>
+            </a:r>
+            <a:r>
+              <a:rPr lang="ko-KR" altLang="en-US" sz="4000" dirty="0">
+                <a:latin typeface="나눔스퀘어OTF Bold" panose="020B0600000101010101" pitchFamily="34" charset="-127"/>
+                <a:ea typeface="나눔스퀘어OTF Bold" panose="020B0600000101010101" pitchFamily="34" charset="-127"/>
+              </a:rPr>
+              <a:t>서울</a:t>
+            </a:r>
+          </a:p>
+        </p:txBody>
+      </p:sp>
+      <p:pic>
+        <p:nvPicPr>
+          <p:cNvPr id="11" name="그림 10">
+            <a:extLst>
+              <a:ext uri="{FF2B5EF4-FFF2-40B4-BE49-F238E27FC236}">
+                <a16:creationId xmlns:a16="http://schemas.microsoft.com/office/drawing/2014/main" id="{6751EBC1-94AC-4AFC-B0B2-F4ED01D35467}"/>
+              </a:ext>
+            </a:extLst>
+          </p:cNvPr>
+          <p:cNvPicPr>
+            <a:picLocks noChangeAspect="1"/>
+          </p:cNvPicPr>
+          <p:nvPr/>
+        </p:nvPicPr>
+        <p:blipFill>
+          <a:blip r:embed="rId4">
+            <a:extLst>
+              <a:ext uri="{28A0092B-C50C-407E-A947-70E740481C1C}">
+                <a14:useLocalDpi xmlns:a14="http://schemas.microsoft.com/office/drawing/2010/main" val="0"/>
+              </a:ext>
+            </a:extLst>
+          </a:blip>
+          <a:stretch>
+            <a:fillRect/>
+          </a:stretch>
+        </p:blipFill>
+        <p:spPr>
+          <a:xfrm>
+            <a:off x="4955658" y="169518"/>
+            <a:ext cx="619985" cy="619985"/>
+          </a:xfrm>
+          <a:prstGeom prst="rect">
+            <a:avLst/>
+          </a:prstGeom>
+        </p:spPr>
+      </p:pic>
+      <p:sp>
+        <p:nvSpPr>
+          <p:cNvPr id="12" name="곱하기 기호 11">
+            <a:extLst>
+              <a:ext uri="{FF2B5EF4-FFF2-40B4-BE49-F238E27FC236}">
+                <a16:creationId xmlns:a16="http://schemas.microsoft.com/office/drawing/2014/main" id="{A6481C3F-4A4E-48D9-91A1-845FBD61D71F}"/>
+              </a:ext>
+            </a:extLst>
+          </p:cNvPr>
+          <p:cNvSpPr/>
+          <p:nvPr/>
+        </p:nvSpPr>
+        <p:spPr>
+          <a:xfrm>
+            <a:off x="4792244" y="994338"/>
+            <a:ext cx="699247" cy="670461"/>
+          </a:xfrm>
+          <a:prstGeom prst="mathMultiply">
+            <a:avLst/>
+          </a:prstGeom>
+          <a:solidFill>
+            <a:srgbClr val="FF0000"/>
+          </a:solidFill>
+          <a:ln w="38100">
+            <a:solidFill>
+              <a:schemeClr val="tx1"/>
+            </a:solidFill>
+            <a:prstDash val="sysDash"/>
+          </a:ln>
+        </p:spPr>
+        <p:style>
+          <a:lnRef idx="2">
+            <a:schemeClr val="accent1">
+              <a:shade val="50000"/>
+            </a:schemeClr>
+          </a:lnRef>
+          <a:fillRef idx="1">
+            <a:schemeClr val="accent1"/>
+          </a:fillRef>
+          <a:effectRef idx="0">
+            <a:schemeClr val="accent1"/>
+          </a:effectRef>
+          <a:fontRef idx="minor">
+            <a:schemeClr val="lt1"/>
+          </a:fontRef>
+        </p:style>
+        <p:txBody>
+          <a:bodyPr rtlCol="0" anchor="ctr"/>
+          <a:lstStyle/>
+          <a:p>
+            <a:pPr algn="ctr"/>
+            <a:endParaRPr lang="ko-KR" altLang="en-US"/>
+          </a:p>
+        </p:txBody>
+      </p:sp>
+      <p:pic>
+        <p:nvPicPr>
+          <p:cNvPr id="13" name="그림 12">
+            <a:extLst>
+              <a:ext uri="{FF2B5EF4-FFF2-40B4-BE49-F238E27FC236}">
+                <a16:creationId xmlns:a16="http://schemas.microsoft.com/office/drawing/2014/main" id="{A8F238ED-8914-43A5-9E5F-342214746F12}"/>
+              </a:ext>
+            </a:extLst>
+          </p:cNvPr>
+          <p:cNvPicPr>
+            <a:picLocks noChangeAspect="1"/>
+          </p:cNvPicPr>
+          <p:nvPr/>
+        </p:nvPicPr>
+        <p:blipFill>
+          <a:blip r:embed="rId5">
+            <a:extLst>
+              <a:ext uri="{28A0092B-C50C-407E-A947-70E740481C1C}">
+                <a14:useLocalDpi xmlns:a14="http://schemas.microsoft.com/office/drawing/2010/main" val="0"/>
+              </a:ext>
+            </a:extLst>
+          </a:blip>
+          <a:stretch>
+            <a:fillRect/>
+          </a:stretch>
+        </p:blipFill>
+        <p:spPr>
+          <a:xfrm>
+            <a:off x="9421272" y="4982110"/>
+            <a:ext cx="770660" cy="770660"/>
+          </a:xfrm>
+          <a:prstGeom prst="rect">
+            <a:avLst/>
+          </a:prstGeom>
+          <a:ln w="38100">
+            <a:noFill/>
+          </a:ln>
+        </p:spPr>
+      </p:pic>
+    </p:spTree>
+    <p:extLst>
+      <p:ext uri="{BB962C8B-B14F-4D97-AF65-F5344CB8AC3E}">
+        <p14:creationId xmlns:p14="http://schemas.microsoft.com/office/powerpoint/2010/main" val="3037231291"/>
+      </p:ext>
+    </p:extLst>
+  </p:cSld>
+  <p:clrMapOvr>
+    <a:masterClrMapping/>
+  </p:clrMapOvr>
+</p:sld>
+</file>
+
+<file path=ppt/slides/slide14.xml><?xml version="1.0" encoding="utf-8"?>
+<p:sld xmlns:a="http://schemas.openxmlformats.org/drawingml/2006/main" xmlns:r="http://schemas.openxmlformats.org/officeDocument/2006/relationships" xmlns:p="http://schemas.openxmlformats.org/presentationml/2006/main">
+  <p:cSld>
+    <p:spTree>
+      <p:nvGrpSpPr>
+        <p:cNvPr id="1" name=""/>
+        <p:cNvGrpSpPr/>
+        <p:nvPr/>
+      </p:nvGrpSpPr>
+      <p:grpSpPr>
+        <a:xfrm>
+          <a:off x="0" y="0"/>
+          <a:ext cx="0" cy="0"/>
+          <a:chOff x="0" y="0"/>
+          <a:chExt cx="0" cy="0"/>
+        </a:xfrm>
+      </p:grpSpPr>
+      <p:pic>
+        <p:nvPicPr>
+          <p:cNvPr id="8" name="그림 7">
+            <a:extLst>
+              <a:ext uri="{FF2B5EF4-FFF2-40B4-BE49-F238E27FC236}">
+                <a16:creationId xmlns:a16="http://schemas.microsoft.com/office/drawing/2014/main" id="{B46FDDDA-D205-407D-ADA6-146489344FB5}"/>
+              </a:ext>
+            </a:extLst>
+          </p:cNvPr>
+          <p:cNvPicPr>
+            <a:picLocks noChangeAspect="1"/>
+          </p:cNvPicPr>
+          <p:nvPr/>
+        </p:nvPicPr>
+        <p:blipFill>
+          <a:blip r:embed="rId2"/>
+          <a:stretch>
+            <a:fillRect/>
+          </a:stretch>
+        </p:blipFill>
+        <p:spPr>
+          <a:xfrm>
+            <a:off x="269965" y="0"/>
+            <a:ext cx="11652069" cy="6858000"/>
+          </a:xfrm>
+          <a:prstGeom prst="rect">
+            <a:avLst/>
+          </a:prstGeom>
+        </p:spPr>
+      </p:pic>
+      <p:cxnSp>
+        <p:nvCxnSpPr>
+          <p:cNvPr id="5" name="직선 화살표 연결선 4">
+            <a:extLst>
+              <a:ext uri="{FF2B5EF4-FFF2-40B4-BE49-F238E27FC236}">
+                <a16:creationId xmlns:a16="http://schemas.microsoft.com/office/drawing/2014/main" id="{F14E4C2D-0638-4BDF-88A6-BBAD31641A52}"/>
+              </a:ext>
+            </a:extLst>
+          </p:cNvPr>
+          <p:cNvCxnSpPr>
+            <a:cxnSpLocks/>
+          </p:cNvCxnSpPr>
+          <p:nvPr/>
+        </p:nvCxnSpPr>
+        <p:spPr>
+          <a:xfrm flipH="1" flipV="1">
+            <a:off x="5427811" y="1329569"/>
+            <a:ext cx="3804679" cy="4239422"/>
+          </a:xfrm>
+          <a:prstGeom prst="straightConnector1">
+            <a:avLst/>
+          </a:prstGeom>
+          <a:ln w="76200">
+            <a:solidFill>
+              <a:schemeClr val="tx1"/>
+            </a:solidFill>
+            <a:tailEnd type="triangle"/>
+          </a:ln>
+        </p:spPr>
+        <p:style>
+          <a:lnRef idx="1">
+            <a:schemeClr val="accent1"/>
+          </a:lnRef>
+          <a:fillRef idx="0">
+            <a:schemeClr val="accent1"/>
+          </a:fillRef>
+          <a:effectRef idx="0">
+            <a:schemeClr val="accent1"/>
+          </a:effectRef>
+          <a:fontRef idx="minor">
+            <a:schemeClr val="tx1"/>
+          </a:fontRef>
+        </p:style>
+      </p:cxnSp>
+      <p:pic>
+        <p:nvPicPr>
+          <p:cNvPr id="7" name="그림 6">
+            <a:extLst>
+              <a:ext uri="{FF2B5EF4-FFF2-40B4-BE49-F238E27FC236}">
+                <a16:creationId xmlns:a16="http://schemas.microsoft.com/office/drawing/2014/main" id="{E47826BC-8EEB-4D57-A5E1-185C69D432F7}"/>
+              </a:ext>
+            </a:extLst>
+          </p:cNvPr>
+          <p:cNvPicPr>
+            <a:picLocks noChangeAspect="1"/>
+          </p:cNvPicPr>
+          <p:nvPr/>
+        </p:nvPicPr>
+        <p:blipFill>
+          <a:blip r:embed="rId3">
+            <a:extLst>
+              <a:ext uri="{28A0092B-C50C-407E-A947-70E740481C1C}">
+                <a14:useLocalDpi xmlns:a14="http://schemas.microsoft.com/office/drawing/2010/main" val="0"/>
+              </a:ext>
+            </a:extLst>
+          </a:blip>
+          <a:stretch>
+            <a:fillRect/>
+          </a:stretch>
+        </p:blipFill>
+        <p:spPr>
+          <a:xfrm flipH="1">
+            <a:off x="5685392" y="918961"/>
+            <a:ext cx="821214" cy="821214"/>
+          </a:xfrm>
+          <a:prstGeom prst="rect">
+            <a:avLst/>
+          </a:prstGeom>
+        </p:spPr>
+      </p:pic>
+      <p:sp>
+        <p:nvSpPr>
+          <p:cNvPr id="10" name="TextBox 9">
+            <a:extLst>
+              <a:ext uri="{FF2B5EF4-FFF2-40B4-BE49-F238E27FC236}">
+                <a16:creationId xmlns:a16="http://schemas.microsoft.com/office/drawing/2014/main" id="{84D607B9-CECA-449A-82F2-D3C731CC9658}"/>
+              </a:ext>
+            </a:extLst>
+          </p:cNvPr>
+          <p:cNvSpPr txBox="1"/>
+          <p:nvPr/>
+        </p:nvSpPr>
+        <p:spPr>
+          <a:xfrm>
+            <a:off x="701488" y="286452"/>
+            <a:ext cx="2911289" cy="707886"/>
+          </a:xfrm>
+          <a:prstGeom prst="rect">
+            <a:avLst/>
+          </a:prstGeom>
+          <a:solidFill>
+            <a:schemeClr val="accent4">
+              <a:lumMod val="40000"/>
+              <a:lumOff val="60000"/>
+            </a:schemeClr>
+          </a:solidFill>
+        </p:spPr>
+        <p:txBody>
+          <a:bodyPr wrap="square" rtlCol="0">
+            <a:spAutoFit/>
+          </a:bodyPr>
+          <a:lstStyle/>
+          <a:p>
+            <a:pPr algn="ctr"/>
+            <a:r>
+              <a:rPr lang="ko-KR" altLang="en-US" sz="4000" dirty="0">
+                <a:latin typeface="나눔스퀘어OTF Bold" panose="020B0600000101010101" pitchFamily="34" charset="-127"/>
+                <a:ea typeface="나눔스퀘어OTF Bold" panose="020B0600000101010101" pitchFamily="34" charset="-127"/>
+              </a:rPr>
+              <a:t>지역</a:t>
+            </a:r>
+            <a:r>
+              <a:rPr lang="en-US" altLang="ko-KR" sz="4000" dirty="0">
+                <a:latin typeface="나눔스퀘어OTF Bold" panose="020B0600000101010101" pitchFamily="34" charset="-127"/>
+                <a:ea typeface="나눔스퀘어OTF Bold" panose="020B0600000101010101" pitchFamily="34" charset="-127"/>
+              </a:rPr>
+              <a:t>: </a:t>
+            </a:r>
+            <a:r>
+              <a:rPr lang="ko-KR" altLang="en-US" sz="4000" dirty="0">
+                <a:latin typeface="나눔스퀘어OTF Bold" panose="020B0600000101010101" pitchFamily="34" charset="-127"/>
+                <a:ea typeface="나눔스퀘어OTF Bold" panose="020B0600000101010101" pitchFamily="34" charset="-127"/>
+              </a:rPr>
+              <a:t>서울</a:t>
+            </a:r>
+          </a:p>
+        </p:txBody>
+      </p:sp>
+      <p:pic>
+        <p:nvPicPr>
+          <p:cNvPr id="11" name="그림 10">
+            <a:extLst>
+              <a:ext uri="{FF2B5EF4-FFF2-40B4-BE49-F238E27FC236}">
+                <a16:creationId xmlns:a16="http://schemas.microsoft.com/office/drawing/2014/main" id="{6751EBC1-94AC-4AFC-B0B2-F4ED01D35467}"/>
+              </a:ext>
+            </a:extLst>
+          </p:cNvPr>
+          <p:cNvPicPr>
+            <a:picLocks noChangeAspect="1"/>
+          </p:cNvPicPr>
+          <p:nvPr/>
+        </p:nvPicPr>
+        <p:blipFill>
+          <a:blip r:embed="rId4">
+            <a:extLst>
+              <a:ext uri="{28A0092B-C50C-407E-A947-70E740481C1C}">
+                <a14:useLocalDpi xmlns:a14="http://schemas.microsoft.com/office/drawing/2010/main" val="0"/>
+              </a:ext>
+            </a:extLst>
+          </a:blip>
+          <a:stretch>
+            <a:fillRect/>
+          </a:stretch>
+        </p:blipFill>
+        <p:spPr>
+          <a:xfrm>
+            <a:off x="4955658" y="169518"/>
+            <a:ext cx="619985" cy="619985"/>
+          </a:xfrm>
+          <a:prstGeom prst="rect">
+            <a:avLst/>
+          </a:prstGeom>
+        </p:spPr>
+      </p:pic>
+      <p:sp>
+        <p:nvSpPr>
+          <p:cNvPr id="12" name="곱하기 기호 11">
+            <a:extLst>
+              <a:ext uri="{FF2B5EF4-FFF2-40B4-BE49-F238E27FC236}">
+                <a16:creationId xmlns:a16="http://schemas.microsoft.com/office/drawing/2014/main" id="{A6481C3F-4A4E-48D9-91A1-845FBD61D71F}"/>
+              </a:ext>
+            </a:extLst>
+          </p:cNvPr>
+          <p:cNvSpPr/>
+          <p:nvPr/>
+        </p:nvSpPr>
+        <p:spPr>
+          <a:xfrm>
+            <a:off x="4792244" y="994338"/>
+            <a:ext cx="699247" cy="670461"/>
+          </a:xfrm>
+          <a:prstGeom prst="mathMultiply">
+            <a:avLst/>
+          </a:prstGeom>
+          <a:solidFill>
+            <a:srgbClr val="FF0000"/>
+          </a:solidFill>
+          <a:ln w="38100">
+            <a:solidFill>
+              <a:schemeClr val="tx1"/>
+            </a:solidFill>
+            <a:prstDash val="sysDash"/>
+          </a:ln>
+        </p:spPr>
+        <p:style>
+          <a:lnRef idx="2">
+            <a:schemeClr val="accent1">
+              <a:shade val="50000"/>
+            </a:schemeClr>
+          </a:lnRef>
+          <a:fillRef idx="1">
+            <a:schemeClr val="accent1"/>
+          </a:fillRef>
+          <a:effectRef idx="0">
+            <a:schemeClr val="accent1"/>
+          </a:effectRef>
+          <a:fontRef idx="minor">
+            <a:schemeClr val="lt1"/>
+          </a:fontRef>
+        </p:style>
+        <p:txBody>
+          <a:bodyPr rtlCol="0" anchor="ctr"/>
+          <a:lstStyle/>
+          <a:p>
+            <a:pPr algn="ctr"/>
+            <a:endParaRPr lang="ko-KR" altLang="en-US"/>
+          </a:p>
+        </p:txBody>
+      </p:sp>
+      <p:pic>
+        <p:nvPicPr>
+          <p:cNvPr id="13" name="그림 12">
+            <a:extLst>
+              <a:ext uri="{FF2B5EF4-FFF2-40B4-BE49-F238E27FC236}">
+                <a16:creationId xmlns:a16="http://schemas.microsoft.com/office/drawing/2014/main" id="{A8F238ED-8914-43A5-9E5F-342214746F12}"/>
+              </a:ext>
+            </a:extLst>
+          </p:cNvPr>
+          <p:cNvPicPr>
+            <a:picLocks noChangeAspect="1"/>
+          </p:cNvPicPr>
+          <p:nvPr/>
+        </p:nvPicPr>
+        <p:blipFill>
+          <a:blip r:embed="rId5">
+            <a:extLst>
+              <a:ext uri="{28A0092B-C50C-407E-A947-70E740481C1C}">
+                <a14:useLocalDpi xmlns:a14="http://schemas.microsoft.com/office/drawing/2010/main" val="0"/>
+              </a:ext>
+            </a:extLst>
+          </a:blip>
+          <a:stretch>
+            <a:fillRect/>
+          </a:stretch>
+        </p:blipFill>
+        <p:spPr>
+          <a:xfrm>
+            <a:off x="9421272" y="4982110"/>
+            <a:ext cx="770660" cy="770660"/>
+          </a:xfrm>
+          <a:prstGeom prst="rect">
+            <a:avLst/>
+          </a:prstGeom>
+          <a:ln w="38100">
+            <a:noFill/>
+          </a:ln>
+        </p:spPr>
+      </p:pic>
+      <p:pic>
+        <p:nvPicPr>
+          <p:cNvPr id="9" name="그림 8">
+            <a:extLst>
+              <a:ext uri="{FF2B5EF4-FFF2-40B4-BE49-F238E27FC236}">
+                <a16:creationId xmlns:a16="http://schemas.microsoft.com/office/drawing/2014/main" id="{D8962218-B959-48A5-B6F3-BD2ACC0A622C}"/>
+              </a:ext>
+            </a:extLst>
+          </p:cNvPr>
+          <p:cNvPicPr>
+            <a:picLocks noChangeAspect="1"/>
+          </p:cNvPicPr>
+          <p:nvPr/>
+        </p:nvPicPr>
+        <p:blipFill>
+          <a:blip r:embed="rId6">
+            <a:extLst>
+              <a:ext uri="{28A0092B-C50C-407E-A947-70E740481C1C}">
+                <a14:useLocalDpi xmlns:a14="http://schemas.microsoft.com/office/drawing/2010/main" val="0"/>
+              </a:ext>
+            </a:extLst>
+          </a:blip>
+          <a:stretch>
+            <a:fillRect/>
+          </a:stretch>
+        </p:blipFill>
+        <p:spPr>
+          <a:xfrm>
+            <a:off x="6323516" y="370284"/>
+            <a:ext cx="753981" cy="753981"/>
+          </a:xfrm>
+          <a:prstGeom prst="rect">
+            <a:avLst/>
+          </a:prstGeom>
+        </p:spPr>
+      </p:pic>
+    </p:spTree>
+    <p:extLst>
+      <p:ext uri="{BB962C8B-B14F-4D97-AF65-F5344CB8AC3E}">
+        <p14:creationId xmlns:p14="http://schemas.microsoft.com/office/powerpoint/2010/main" val="2184212802"/>
+      </p:ext>
+    </p:extLst>
+  </p:cSld>
+  <p:clrMapOvr>
+    <a:masterClrMapping/>
+  </p:clrMapOvr>
+  <mc:AlternateContent xmlns:mc="http://schemas.openxmlformats.org/markup-compatibility/2006" xmlns:p159="http://schemas.microsoft.com/office/powerpoint/2015/09/main">
+    <mc:Choice Requires="p159">
+      <p:transition xmlns:p14="http://schemas.microsoft.com/office/powerpoint/2010/main" spd="slow" p14:dur="2000">
+        <p159:morph option="byObject"/>
+      </p:transition>
+    </mc:Choice>
+    <mc:Fallback xmlns="">
       <p:transition spd="slow">
         <p:fade/>
       </p:transition>
@@ -3752,7 +5651,7 @@
                                           </p:stCondLst>
                                         </p:cTn>
                                         <p:tgtEl>
-                                          <p:spTgt spid="6"/>
+                                          <p:spTgt spid="9"/>
                                         </p:tgtEl>
                                         <p:attrNameLst>
                                           <p:attrName>style.visibility</p:attrName>
@@ -3796,7 +5695,7 @@
 </p:sld>
 </file>
 
-<file path=ppt/slides/slide11.xml><?xml version="1.0" encoding="utf-8"?>
+<file path=ppt/slides/slide15.xml><?xml version="1.0" encoding="utf-8"?>
 <p:sld xmlns:a="http://schemas.openxmlformats.org/drawingml/2006/main" xmlns:r="http://schemas.openxmlformats.org/officeDocument/2006/relationships" xmlns:p="http://schemas.openxmlformats.org/presentationml/2006/main">
   <p:cSld>
     <p:spTree>
@@ -3815,10 +5714,10 @@
       </p:grpSpPr>
       <p:pic>
         <p:nvPicPr>
-          <p:cNvPr id="3" name="그림 2">
-            <a:extLst>
-              <a:ext uri="{FF2B5EF4-FFF2-40B4-BE49-F238E27FC236}">
-                <a16:creationId xmlns:a16="http://schemas.microsoft.com/office/drawing/2014/main" id="{7AAD66EF-F460-4806-946A-6C5EEE100CE9}"/>
+          <p:cNvPr id="5" name="그림 4">
+            <a:extLst>
+              <a:ext uri="{FF2B5EF4-FFF2-40B4-BE49-F238E27FC236}">
+                <a16:creationId xmlns:a16="http://schemas.microsoft.com/office/drawing/2014/main" id="{11C7BB8C-E08D-43BC-A5A6-5CF9913EFC27}"/>
               </a:ext>
             </a:extLst>
           </p:cNvPr>
@@ -3843,6 +5742,50 @@
           </a:prstGeom>
         </p:spPr>
       </p:pic>
+      <p:sp>
+        <p:nvSpPr>
+          <p:cNvPr id="4" name="TextBox 3">
+            <a:extLst>
+              <a:ext uri="{FF2B5EF4-FFF2-40B4-BE49-F238E27FC236}">
+                <a16:creationId xmlns:a16="http://schemas.microsoft.com/office/drawing/2014/main" id="{68E787C7-A4CF-4AE9-AA94-97067F0F441E}"/>
+              </a:ext>
+            </a:extLst>
+          </p:cNvPr>
+          <p:cNvSpPr txBox="1"/>
+          <p:nvPr/>
+        </p:nvSpPr>
+        <p:spPr>
+          <a:xfrm>
+            <a:off x="701488" y="286452"/>
+            <a:ext cx="2911289" cy="707886"/>
+          </a:xfrm>
+          <a:prstGeom prst="rect">
+            <a:avLst/>
+          </a:prstGeom>
+          <a:solidFill>
+            <a:schemeClr val="accent4">
+              <a:lumMod val="40000"/>
+              <a:lumOff val="60000"/>
+            </a:schemeClr>
+          </a:solidFill>
+        </p:spPr>
+        <p:txBody>
+          <a:bodyPr wrap="square" rtlCol="0">
+            <a:spAutoFit/>
+          </a:bodyPr>
+          <a:lstStyle/>
+          <a:p>
+            <a:pPr algn="ctr"/>
+            <a:r>
+              <a:rPr lang="ko-KR" altLang="en-US" sz="4000" dirty="0">
+                <a:latin typeface="나눔스퀘어OTF Bold" panose="020B0600000101010101" pitchFamily="34" charset="-127"/>
+                <a:ea typeface="나눔스퀘어OTF Bold" panose="020B0600000101010101" pitchFamily="34" charset="-127"/>
+              </a:rPr>
+              <a:t>알림 화면</a:t>
+            </a:r>
+          </a:p>
+        </p:txBody>
+      </p:sp>
     </p:spTree>
     <p:extLst>
       <p:ext uri="{BB962C8B-B14F-4D97-AF65-F5344CB8AC3E}">
@@ -3853,13 +5796,13 @@
   <p:clrMapOvr>
     <a:masterClrMapping/>
   </p:clrMapOvr>
-  <mc:AlternateContent xmlns:mc="http://schemas.openxmlformats.org/markup-compatibility/2006">
-    <mc:Choice xmlns:p14="http://schemas.microsoft.com/office/powerpoint/2010/main" Requires="p14">
+  <mc:AlternateContent xmlns:mc="http://schemas.openxmlformats.org/markup-compatibility/2006" xmlns:p14="http://schemas.microsoft.com/office/powerpoint/2010/main">
+    <mc:Choice Requires="p14">
       <p:transition spd="med" p14:dur="700">
         <p:fade/>
       </p:transition>
     </mc:Choice>
-    <mc:Fallback>
+    <mc:Fallback xmlns="">
       <p:transition spd="med">
         <p:fade/>
       </p:transition>
@@ -3868,7 +5811,7 @@
 </p:sld>
 </file>
 
-<file path=ppt/slides/slide12.xml><?xml version="1.0" encoding="utf-8"?>
+<file path=ppt/slides/slide16.xml><?xml version="1.0" encoding="utf-8"?>
 <p:sld xmlns:a="http://schemas.openxmlformats.org/drawingml/2006/main" xmlns:r="http://schemas.openxmlformats.org/officeDocument/2006/relationships" xmlns:p="http://schemas.openxmlformats.org/presentationml/2006/main">
   <p:cSld>
     <p:spTree>
@@ -3885,12 +5828,216 @@
           <a:chExt cx="0" cy="0"/>
         </a:xfrm>
       </p:grpSpPr>
+      <p:pic>
+        <p:nvPicPr>
+          <p:cNvPr id="8" name="그림 7">
+            <a:extLst>
+              <a:ext uri="{FF2B5EF4-FFF2-40B4-BE49-F238E27FC236}">
+                <a16:creationId xmlns:a16="http://schemas.microsoft.com/office/drawing/2014/main" id="{B46FDDDA-D205-407D-ADA6-146489344FB5}"/>
+              </a:ext>
+            </a:extLst>
+          </p:cNvPr>
+          <p:cNvPicPr>
+            <a:picLocks noChangeAspect="1"/>
+          </p:cNvPicPr>
+          <p:nvPr/>
+        </p:nvPicPr>
+        <p:blipFill>
+          <a:blip r:embed="rId2"/>
+          <a:stretch>
+            <a:fillRect/>
+          </a:stretch>
+        </p:blipFill>
+        <p:spPr>
+          <a:xfrm>
+            <a:off x="269965" y="0"/>
+            <a:ext cx="11652069" cy="6858000"/>
+          </a:xfrm>
+          <a:prstGeom prst="rect">
+            <a:avLst/>
+          </a:prstGeom>
+        </p:spPr>
+      </p:pic>
+      <p:cxnSp>
+        <p:nvCxnSpPr>
+          <p:cNvPr id="5" name="직선 화살표 연결선 4">
+            <a:extLst>
+              <a:ext uri="{FF2B5EF4-FFF2-40B4-BE49-F238E27FC236}">
+                <a16:creationId xmlns:a16="http://schemas.microsoft.com/office/drawing/2014/main" id="{F14E4C2D-0638-4BDF-88A6-BBAD31641A52}"/>
+              </a:ext>
+            </a:extLst>
+          </p:cNvPr>
+          <p:cNvCxnSpPr>
+            <a:cxnSpLocks/>
+          </p:cNvCxnSpPr>
+          <p:nvPr/>
+        </p:nvCxnSpPr>
+        <p:spPr>
+          <a:xfrm>
+            <a:off x="5427811" y="1329569"/>
+            <a:ext cx="3804679" cy="4239422"/>
+          </a:xfrm>
+          <a:prstGeom prst="straightConnector1">
+            <a:avLst/>
+          </a:prstGeom>
+          <a:ln w="76200">
+            <a:solidFill>
+              <a:schemeClr val="tx1"/>
+            </a:solidFill>
+            <a:tailEnd type="triangle"/>
+          </a:ln>
+        </p:spPr>
+        <p:style>
+          <a:lnRef idx="1">
+            <a:schemeClr val="accent1"/>
+          </a:lnRef>
+          <a:fillRef idx="0">
+            <a:schemeClr val="accent1"/>
+          </a:fillRef>
+          <a:effectRef idx="0">
+            <a:schemeClr val="accent1"/>
+          </a:effectRef>
+          <a:fontRef idx="minor">
+            <a:schemeClr val="tx1"/>
+          </a:fontRef>
+        </p:style>
+      </p:cxnSp>
+      <p:pic>
+        <p:nvPicPr>
+          <p:cNvPr id="11" name="그림 10">
+            <a:extLst>
+              <a:ext uri="{FF2B5EF4-FFF2-40B4-BE49-F238E27FC236}">
+                <a16:creationId xmlns:a16="http://schemas.microsoft.com/office/drawing/2014/main" id="{6751EBC1-94AC-4AFC-B0B2-F4ED01D35467}"/>
+              </a:ext>
+            </a:extLst>
+          </p:cNvPr>
+          <p:cNvPicPr>
+            <a:picLocks noChangeAspect="1"/>
+          </p:cNvPicPr>
+          <p:nvPr/>
+        </p:nvPicPr>
+        <p:blipFill>
+          <a:blip r:embed="rId3">
+            <a:extLst>
+              <a:ext uri="{28A0092B-C50C-407E-A947-70E740481C1C}">
+                <a14:useLocalDpi xmlns:a14="http://schemas.microsoft.com/office/drawing/2010/main" val="0"/>
+              </a:ext>
+            </a:extLst>
+          </a:blip>
+          <a:stretch>
+            <a:fillRect/>
+          </a:stretch>
+        </p:blipFill>
+        <p:spPr>
+          <a:xfrm>
+            <a:off x="4955658" y="169518"/>
+            <a:ext cx="619985" cy="619985"/>
+          </a:xfrm>
+          <a:prstGeom prst="rect">
+            <a:avLst/>
+          </a:prstGeom>
+        </p:spPr>
+      </p:pic>
       <p:sp>
         <p:nvSpPr>
-          <p:cNvPr id="4" name="TextBox 3">
-            <a:extLst>
-              <a:ext uri="{FF2B5EF4-FFF2-40B4-BE49-F238E27FC236}">
-                <a16:creationId xmlns:a16="http://schemas.microsoft.com/office/drawing/2014/main" id="{CE544105-AF84-4F9F-AE40-6CC22F7ED3A5}"/>
+          <p:cNvPr id="12" name="곱하기 기호 11">
+            <a:extLst>
+              <a:ext uri="{FF2B5EF4-FFF2-40B4-BE49-F238E27FC236}">
+                <a16:creationId xmlns:a16="http://schemas.microsoft.com/office/drawing/2014/main" id="{A6481C3F-4A4E-48D9-91A1-845FBD61D71F}"/>
+              </a:ext>
+            </a:extLst>
+          </p:cNvPr>
+          <p:cNvSpPr/>
+          <p:nvPr/>
+        </p:nvSpPr>
+        <p:spPr>
+          <a:xfrm>
+            <a:off x="4792244" y="994338"/>
+            <a:ext cx="699247" cy="670461"/>
+          </a:xfrm>
+          <a:prstGeom prst="mathMultiply">
+            <a:avLst/>
+          </a:prstGeom>
+          <a:solidFill>
+            <a:srgbClr val="FF0000"/>
+          </a:solidFill>
+          <a:ln w="38100">
+            <a:solidFill>
+              <a:schemeClr val="tx1"/>
+            </a:solidFill>
+            <a:prstDash val="sysDash"/>
+          </a:ln>
+        </p:spPr>
+        <p:style>
+          <a:lnRef idx="2">
+            <a:schemeClr val="accent1">
+              <a:shade val="50000"/>
+            </a:schemeClr>
+          </a:lnRef>
+          <a:fillRef idx="1">
+            <a:schemeClr val="accent1"/>
+          </a:fillRef>
+          <a:effectRef idx="0">
+            <a:schemeClr val="accent1"/>
+          </a:effectRef>
+          <a:fontRef idx="minor">
+            <a:schemeClr val="lt1"/>
+          </a:fontRef>
+        </p:style>
+        <p:txBody>
+          <a:bodyPr rtlCol="0" anchor="ctr"/>
+          <a:lstStyle/>
+          <a:p>
+            <a:pPr algn="ctr"/>
+            <a:endParaRPr lang="ko-KR" altLang="en-US"/>
+          </a:p>
+        </p:txBody>
+      </p:sp>
+      <p:pic>
+        <p:nvPicPr>
+          <p:cNvPr id="13" name="그림 12">
+            <a:extLst>
+              <a:ext uri="{FF2B5EF4-FFF2-40B4-BE49-F238E27FC236}">
+                <a16:creationId xmlns:a16="http://schemas.microsoft.com/office/drawing/2014/main" id="{A8F238ED-8914-43A5-9E5F-342214746F12}"/>
+              </a:ext>
+            </a:extLst>
+          </p:cNvPr>
+          <p:cNvPicPr>
+            <a:picLocks noChangeAspect="1"/>
+          </p:cNvPicPr>
+          <p:nvPr/>
+        </p:nvPicPr>
+        <p:blipFill>
+          <a:blip r:embed="rId4">
+            <a:extLst>
+              <a:ext uri="{28A0092B-C50C-407E-A947-70E740481C1C}">
+                <a14:useLocalDpi xmlns:a14="http://schemas.microsoft.com/office/drawing/2010/main" val="0"/>
+              </a:ext>
+            </a:extLst>
+          </a:blip>
+          <a:stretch>
+            <a:fillRect/>
+          </a:stretch>
+        </p:blipFill>
+        <p:spPr>
+          <a:xfrm>
+            <a:off x="9421272" y="4982110"/>
+            <a:ext cx="770660" cy="770660"/>
+          </a:xfrm>
+          <a:prstGeom prst="rect">
+            <a:avLst/>
+          </a:prstGeom>
+          <a:ln w="38100">
+            <a:noFill/>
+          </a:ln>
+        </p:spPr>
+      </p:pic>
+      <p:sp>
+        <p:nvSpPr>
+          <p:cNvPr id="15" name="TextBox 14">
+            <a:extLst>
+              <a:ext uri="{FF2B5EF4-FFF2-40B4-BE49-F238E27FC236}">
+                <a16:creationId xmlns:a16="http://schemas.microsoft.com/office/drawing/2014/main" id="{CBF7546E-1C74-4CDA-BB6E-D96F34216EA0}"/>
               </a:ext>
             </a:extLst>
           </p:cNvPr>
@@ -3899,13 +6046,18 @@
         </p:nvSpPr>
         <p:spPr>
           <a:xfrm>
-            <a:off x="2214282" y="2133600"/>
-            <a:ext cx="2321859" cy="1200329"/>
+            <a:off x="701488" y="286452"/>
+            <a:ext cx="2911289" cy="707886"/>
           </a:xfrm>
           <a:prstGeom prst="rect">
             <a:avLst/>
           </a:prstGeom>
-          <a:noFill/>
+          <a:solidFill>
+            <a:schemeClr val="accent4">
+              <a:lumMod val="40000"/>
+              <a:lumOff val="60000"/>
+            </a:schemeClr>
+          </a:solidFill>
         </p:spPr>
         <p:txBody>
           <a:bodyPr wrap="square" rtlCol="0">
@@ -3913,48 +6065,531 @@
           </a:bodyPr>
           <a:lstStyle/>
           <a:p>
+            <a:pPr algn="ctr"/>
             <a:r>
-              <a:rPr lang="en-US" altLang="ko-KR" dirty="0"/>
-              <a:t>2</a:t>
+              <a:rPr lang="ko-KR" altLang="en-US" sz="4000" dirty="0">
+                <a:latin typeface="나눔스퀘어OTF Bold" panose="020B0600000101010101" pitchFamily="34" charset="-127"/>
+                <a:ea typeface="나눔스퀘어OTF Bold" panose="020B0600000101010101" pitchFamily="34" charset="-127"/>
+              </a:rPr>
+              <a:t>지역</a:t>
             </a:r>
             <a:r>
-              <a:rPr lang="ko-KR" altLang="en-US" dirty="0"/>
-              <a:t>호관</a:t>
+              <a:rPr lang="en-US" altLang="ko-KR" sz="4000" dirty="0">
+                <a:latin typeface="나눔스퀘어OTF Bold" panose="020B0600000101010101" pitchFamily="34" charset="-127"/>
+                <a:ea typeface="나눔스퀘어OTF Bold" panose="020B0600000101010101" pitchFamily="34" charset="-127"/>
+              </a:rPr>
+              <a:t>: </a:t>
             </a:r>
-            <a:endParaRPr lang="en-US" altLang="ko-KR" dirty="0"/>
-          </a:p>
-          <a:p>
             <a:r>
-              <a:rPr lang="en-US" altLang="ko-KR" dirty="0"/>
-              <a:t>35.88746 128.61163</a:t>
+              <a:rPr lang="ko-KR" altLang="en-US" sz="4000" dirty="0">
+                <a:latin typeface="나눔스퀘어OTF Bold" panose="020B0600000101010101" pitchFamily="34" charset="-127"/>
+                <a:ea typeface="나눔스퀘어OTF Bold" panose="020B0600000101010101" pitchFamily="34" charset="-127"/>
+              </a:rPr>
+              <a:t>서울</a:t>
             </a:r>
           </a:p>
+        </p:txBody>
+      </p:sp>
+      <p:grpSp>
+        <p:nvGrpSpPr>
+          <p:cNvPr id="17" name="그룹 16">
+            <a:extLst>
+              <a:ext uri="{FF2B5EF4-FFF2-40B4-BE49-F238E27FC236}">
+                <a16:creationId xmlns:a16="http://schemas.microsoft.com/office/drawing/2014/main" id="{76FFCAF3-77D7-4D70-B1D8-03FC99EC91FD}"/>
+              </a:ext>
+            </a:extLst>
+          </p:cNvPr>
+          <p:cNvGrpSpPr/>
+          <p:nvPr/>
+        </p:nvGrpSpPr>
+        <p:grpSpPr>
+          <a:xfrm>
+            <a:off x="5427811" y="205494"/>
+            <a:ext cx="1061910" cy="1242457"/>
+            <a:chOff x="8765633" y="3962283"/>
+            <a:chExt cx="1061910" cy="1242457"/>
+          </a:xfrm>
+        </p:grpSpPr>
+        <p:pic>
+          <p:nvPicPr>
+            <p:cNvPr id="18" name="그림 17">
+              <a:extLst>
+                <a:ext uri="{FF2B5EF4-FFF2-40B4-BE49-F238E27FC236}">
+                  <a16:creationId xmlns:a16="http://schemas.microsoft.com/office/drawing/2014/main" id="{1B1E1C19-9DF4-4D15-8D6D-A20271B6DC42}"/>
+                </a:ext>
+              </a:extLst>
+            </p:cNvPr>
+            <p:cNvPicPr>
+              <a:picLocks noChangeAspect="1"/>
+            </p:cNvPicPr>
+            <p:nvPr/>
+          </p:nvPicPr>
+          <p:blipFill>
+            <a:blip r:embed="rId5">
+              <a:extLst>
+                <a:ext uri="{28A0092B-C50C-407E-A947-70E740481C1C}">
+                  <a14:useLocalDpi xmlns:a14="http://schemas.microsoft.com/office/drawing/2010/main" val="0"/>
+                </a:ext>
+              </a:extLst>
+            </a:blip>
+            <a:stretch>
+              <a:fillRect/>
+            </a:stretch>
+          </p:blipFill>
+          <p:spPr>
+            <a:xfrm>
+              <a:off x="8765633" y="4383526"/>
+              <a:ext cx="821214" cy="821214"/>
+            </a:xfrm>
+            <a:prstGeom prst="rect">
+              <a:avLst/>
+            </a:prstGeom>
+          </p:spPr>
+        </p:pic>
+        <p:pic>
+          <p:nvPicPr>
+            <p:cNvPr id="19" name="그림 18">
+              <a:extLst>
+                <a:ext uri="{FF2B5EF4-FFF2-40B4-BE49-F238E27FC236}">
+                  <a16:creationId xmlns:a16="http://schemas.microsoft.com/office/drawing/2014/main" id="{D70CE81E-1F80-4AE3-9F61-8936E41050BF}"/>
+                </a:ext>
+              </a:extLst>
+            </p:cNvPr>
+            <p:cNvPicPr>
+              <a:picLocks noChangeAspect="1"/>
+            </p:cNvPicPr>
+            <p:nvPr/>
+          </p:nvPicPr>
+          <p:blipFill>
+            <a:blip r:embed="rId6">
+              <a:extLst>
+                <a:ext uri="{28A0092B-C50C-407E-A947-70E740481C1C}">
+                  <a14:useLocalDpi xmlns:a14="http://schemas.microsoft.com/office/drawing/2010/main" val="0"/>
+                </a:ext>
+              </a:extLst>
+            </a:blip>
+            <a:stretch>
+              <a:fillRect/>
+            </a:stretch>
+          </p:blipFill>
+          <p:spPr>
+            <a:xfrm>
+              <a:off x="9297371" y="3962283"/>
+              <a:ext cx="530172" cy="530172"/>
+            </a:xfrm>
+            <a:prstGeom prst="rect">
+              <a:avLst/>
+            </a:prstGeom>
+          </p:spPr>
+        </p:pic>
+      </p:grpSp>
+    </p:spTree>
+    <p:extLst>
+      <p:ext uri="{BB962C8B-B14F-4D97-AF65-F5344CB8AC3E}">
+        <p14:creationId xmlns:p14="http://schemas.microsoft.com/office/powerpoint/2010/main" val="475830481"/>
+      </p:ext>
+    </p:extLst>
+  </p:cSld>
+  <p:clrMapOvr>
+    <a:masterClrMapping/>
+  </p:clrMapOvr>
+</p:sld>
+</file>
+
+<file path=ppt/slides/slide17.xml><?xml version="1.0" encoding="utf-8"?>
+<p:sld xmlns:a="http://schemas.openxmlformats.org/drawingml/2006/main" xmlns:r="http://schemas.openxmlformats.org/officeDocument/2006/relationships" xmlns:p="http://schemas.openxmlformats.org/presentationml/2006/main">
+  <p:cSld>
+    <p:spTree>
+      <p:nvGrpSpPr>
+        <p:cNvPr id="1" name=""/>
+        <p:cNvGrpSpPr/>
+        <p:nvPr/>
+      </p:nvGrpSpPr>
+      <p:grpSpPr>
+        <a:xfrm>
+          <a:off x="0" y="0"/>
+          <a:ext cx="0" cy="0"/>
+          <a:chOff x="0" y="0"/>
+          <a:chExt cx="0" cy="0"/>
+        </a:xfrm>
+      </p:grpSpPr>
+      <p:pic>
+        <p:nvPicPr>
+          <p:cNvPr id="8" name="그림 7">
+            <a:extLst>
+              <a:ext uri="{FF2B5EF4-FFF2-40B4-BE49-F238E27FC236}">
+                <a16:creationId xmlns:a16="http://schemas.microsoft.com/office/drawing/2014/main" id="{B46FDDDA-D205-407D-ADA6-146489344FB5}"/>
+              </a:ext>
+            </a:extLst>
+          </p:cNvPr>
+          <p:cNvPicPr>
+            <a:picLocks noChangeAspect="1"/>
+          </p:cNvPicPr>
+          <p:nvPr/>
+        </p:nvPicPr>
+        <p:blipFill>
+          <a:blip r:embed="rId2"/>
+          <a:stretch>
+            <a:fillRect/>
+          </a:stretch>
+        </p:blipFill>
+        <p:spPr>
+          <a:xfrm>
+            <a:off x="269965" y="0"/>
+            <a:ext cx="11652069" cy="6858000"/>
+          </a:xfrm>
+          <a:prstGeom prst="rect">
+            <a:avLst/>
+          </a:prstGeom>
+        </p:spPr>
+      </p:pic>
+      <p:cxnSp>
+        <p:nvCxnSpPr>
+          <p:cNvPr id="5" name="직선 화살표 연결선 4">
+            <a:extLst>
+              <a:ext uri="{FF2B5EF4-FFF2-40B4-BE49-F238E27FC236}">
+                <a16:creationId xmlns:a16="http://schemas.microsoft.com/office/drawing/2014/main" id="{F14E4C2D-0638-4BDF-88A6-BBAD31641A52}"/>
+              </a:ext>
+            </a:extLst>
+          </p:cNvPr>
+          <p:cNvCxnSpPr>
+            <a:cxnSpLocks/>
+          </p:cNvCxnSpPr>
+          <p:nvPr/>
+        </p:nvCxnSpPr>
+        <p:spPr>
+          <a:xfrm>
+            <a:off x="5427811" y="1329569"/>
+            <a:ext cx="3804679" cy="4239422"/>
+          </a:xfrm>
+          <a:prstGeom prst="straightConnector1">
+            <a:avLst/>
+          </a:prstGeom>
+          <a:ln w="76200">
+            <a:solidFill>
+              <a:schemeClr val="tx1"/>
+            </a:solidFill>
+            <a:tailEnd type="triangle"/>
+          </a:ln>
+        </p:spPr>
+        <p:style>
+          <a:lnRef idx="1">
+            <a:schemeClr val="accent1"/>
+          </a:lnRef>
+          <a:fillRef idx="0">
+            <a:schemeClr val="accent1"/>
+          </a:fillRef>
+          <a:effectRef idx="0">
+            <a:schemeClr val="accent1"/>
+          </a:effectRef>
+          <a:fontRef idx="minor">
+            <a:schemeClr val="tx1"/>
+          </a:fontRef>
+        </p:style>
+      </p:cxnSp>
+      <p:pic>
+        <p:nvPicPr>
+          <p:cNvPr id="11" name="그림 10">
+            <a:extLst>
+              <a:ext uri="{FF2B5EF4-FFF2-40B4-BE49-F238E27FC236}">
+                <a16:creationId xmlns:a16="http://schemas.microsoft.com/office/drawing/2014/main" id="{6751EBC1-94AC-4AFC-B0B2-F4ED01D35467}"/>
+              </a:ext>
+            </a:extLst>
+          </p:cNvPr>
+          <p:cNvPicPr>
+            <a:picLocks noChangeAspect="1"/>
+          </p:cNvPicPr>
+          <p:nvPr/>
+        </p:nvPicPr>
+        <p:blipFill>
+          <a:blip r:embed="rId3">
+            <a:extLst>
+              <a:ext uri="{28A0092B-C50C-407E-A947-70E740481C1C}">
+                <a14:useLocalDpi xmlns:a14="http://schemas.microsoft.com/office/drawing/2010/main" val="0"/>
+              </a:ext>
+            </a:extLst>
+          </a:blip>
+          <a:stretch>
+            <a:fillRect/>
+          </a:stretch>
+        </p:blipFill>
+        <p:spPr>
+          <a:xfrm>
+            <a:off x="4955658" y="169518"/>
+            <a:ext cx="619985" cy="619985"/>
+          </a:xfrm>
+          <a:prstGeom prst="rect">
+            <a:avLst/>
+          </a:prstGeom>
+        </p:spPr>
+      </p:pic>
+      <p:sp>
+        <p:nvSpPr>
+          <p:cNvPr id="12" name="곱하기 기호 11">
+            <a:extLst>
+              <a:ext uri="{FF2B5EF4-FFF2-40B4-BE49-F238E27FC236}">
+                <a16:creationId xmlns:a16="http://schemas.microsoft.com/office/drawing/2014/main" id="{A6481C3F-4A4E-48D9-91A1-845FBD61D71F}"/>
+              </a:ext>
+            </a:extLst>
+          </p:cNvPr>
+          <p:cNvSpPr/>
+          <p:nvPr/>
+        </p:nvSpPr>
+        <p:spPr>
+          <a:xfrm>
+            <a:off x="4792244" y="994338"/>
+            <a:ext cx="699247" cy="670461"/>
+          </a:xfrm>
+          <a:prstGeom prst="mathMultiply">
+            <a:avLst/>
+          </a:prstGeom>
+          <a:solidFill>
+            <a:srgbClr val="FF0000"/>
+          </a:solidFill>
+          <a:ln w="38100">
+            <a:solidFill>
+              <a:schemeClr val="tx1"/>
+            </a:solidFill>
+            <a:prstDash val="sysDash"/>
+          </a:ln>
+        </p:spPr>
+        <p:style>
+          <a:lnRef idx="2">
+            <a:schemeClr val="accent1">
+              <a:shade val="50000"/>
+            </a:schemeClr>
+          </a:lnRef>
+          <a:fillRef idx="1">
+            <a:schemeClr val="accent1"/>
+          </a:fillRef>
+          <a:effectRef idx="0">
+            <a:schemeClr val="accent1"/>
+          </a:effectRef>
+          <a:fontRef idx="minor">
+            <a:schemeClr val="lt1"/>
+          </a:fontRef>
+        </p:style>
+        <p:txBody>
+          <a:bodyPr rtlCol="0" anchor="ctr"/>
+          <a:lstStyle/>
           <a:p>
+            <a:pPr algn="ctr"/>
+            <a:endParaRPr lang="ko-KR" altLang="en-US"/>
+          </a:p>
+        </p:txBody>
+      </p:sp>
+      <p:pic>
+        <p:nvPicPr>
+          <p:cNvPr id="13" name="그림 12">
+            <a:extLst>
+              <a:ext uri="{FF2B5EF4-FFF2-40B4-BE49-F238E27FC236}">
+                <a16:creationId xmlns:a16="http://schemas.microsoft.com/office/drawing/2014/main" id="{A8F238ED-8914-43A5-9E5F-342214746F12}"/>
+              </a:ext>
+            </a:extLst>
+          </p:cNvPr>
+          <p:cNvPicPr>
+            <a:picLocks noChangeAspect="1"/>
+          </p:cNvPicPr>
+          <p:nvPr/>
+        </p:nvPicPr>
+        <p:blipFill>
+          <a:blip r:embed="rId4">
+            <a:extLst>
+              <a:ext uri="{28A0092B-C50C-407E-A947-70E740481C1C}">
+                <a14:useLocalDpi xmlns:a14="http://schemas.microsoft.com/office/drawing/2010/main" val="0"/>
+              </a:ext>
+            </a:extLst>
+          </a:blip>
+          <a:stretch>
+            <a:fillRect/>
+          </a:stretch>
+        </p:blipFill>
+        <p:spPr>
+          <a:xfrm>
+            <a:off x="9421272" y="4982110"/>
+            <a:ext cx="770660" cy="770660"/>
+          </a:xfrm>
+          <a:prstGeom prst="rect">
+            <a:avLst/>
+          </a:prstGeom>
+          <a:ln w="38100">
+            <a:noFill/>
+          </a:ln>
+        </p:spPr>
+      </p:pic>
+      <p:grpSp>
+        <p:nvGrpSpPr>
+          <p:cNvPr id="4" name="그룹 3">
+            <a:extLst>
+              <a:ext uri="{FF2B5EF4-FFF2-40B4-BE49-F238E27FC236}">
+                <a16:creationId xmlns:a16="http://schemas.microsoft.com/office/drawing/2014/main" id="{70DDCE2C-1A12-4471-9061-A1ABEC24B7AE}"/>
+              </a:ext>
+            </a:extLst>
+          </p:cNvPr>
+          <p:cNvGrpSpPr/>
+          <p:nvPr/>
+        </p:nvGrpSpPr>
+        <p:grpSpPr>
+          <a:xfrm>
+            <a:off x="8765633" y="3962283"/>
+            <a:ext cx="1061910" cy="1242457"/>
+            <a:chOff x="8765633" y="3962283"/>
+            <a:chExt cx="1061910" cy="1242457"/>
+          </a:xfrm>
+        </p:grpSpPr>
+        <p:pic>
+          <p:nvPicPr>
+            <p:cNvPr id="7" name="그림 6">
+              <a:extLst>
+                <a:ext uri="{FF2B5EF4-FFF2-40B4-BE49-F238E27FC236}">
+                  <a16:creationId xmlns:a16="http://schemas.microsoft.com/office/drawing/2014/main" id="{E47826BC-8EEB-4D57-A5E1-185C69D432F7}"/>
+                </a:ext>
+              </a:extLst>
+            </p:cNvPr>
+            <p:cNvPicPr>
+              <a:picLocks noChangeAspect="1"/>
+            </p:cNvPicPr>
+            <p:nvPr/>
+          </p:nvPicPr>
+          <p:blipFill>
+            <a:blip r:embed="rId5">
+              <a:extLst>
+                <a:ext uri="{28A0092B-C50C-407E-A947-70E740481C1C}">
+                  <a14:useLocalDpi xmlns:a14="http://schemas.microsoft.com/office/drawing/2010/main" val="0"/>
+                </a:ext>
+              </a:extLst>
+            </a:blip>
+            <a:stretch>
+              <a:fillRect/>
+            </a:stretch>
+          </p:blipFill>
+          <p:spPr>
+            <a:xfrm>
+              <a:off x="8765633" y="4383526"/>
+              <a:ext cx="821214" cy="821214"/>
+            </a:xfrm>
+            <a:prstGeom prst="rect">
+              <a:avLst/>
+            </a:prstGeom>
+          </p:spPr>
+        </p:pic>
+        <p:pic>
+          <p:nvPicPr>
+            <p:cNvPr id="3" name="그림 2">
+              <a:extLst>
+                <a:ext uri="{FF2B5EF4-FFF2-40B4-BE49-F238E27FC236}">
+                  <a16:creationId xmlns:a16="http://schemas.microsoft.com/office/drawing/2014/main" id="{0BD18521-C929-408E-97A0-F1FFEA7814DD}"/>
+                </a:ext>
+              </a:extLst>
+            </p:cNvPr>
+            <p:cNvPicPr>
+              <a:picLocks noChangeAspect="1"/>
+            </p:cNvPicPr>
+            <p:nvPr/>
+          </p:nvPicPr>
+          <p:blipFill>
+            <a:blip r:embed="rId6">
+              <a:extLst>
+                <a:ext uri="{28A0092B-C50C-407E-A947-70E740481C1C}">
+                  <a14:useLocalDpi xmlns:a14="http://schemas.microsoft.com/office/drawing/2010/main" val="0"/>
+                </a:ext>
+              </a:extLst>
+            </a:blip>
+            <a:stretch>
+              <a:fillRect/>
+            </a:stretch>
+          </p:blipFill>
+          <p:spPr>
+            <a:xfrm>
+              <a:off x="9297371" y="3962283"/>
+              <a:ext cx="530172" cy="530172"/>
+            </a:xfrm>
+            <a:prstGeom prst="rect">
+              <a:avLst/>
+            </a:prstGeom>
+          </p:spPr>
+        </p:pic>
+      </p:grpSp>
+      <p:sp>
+        <p:nvSpPr>
+          <p:cNvPr id="15" name="TextBox 14">
+            <a:extLst>
+              <a:ext uri="{FF2B5EF4-FFF2-40B4-BE49-F238E27FC236}">
+                <a16:creationId xmlns:a16="http://schemas.microsoft.com/office/drawing/2014/main" id="{F465955A-7F47-477A-BB6E-57633B47DC67}"/>
+              </a:ext>
+            </a:extLst>
+          </p:cNvPr>
+          <p:cNvSpPr txBox="1"/>
+          <p:nvPr/>
+        </p:nvSpPr>
+        <p:spPr>
+          <a:xfrm>
+            <a:off x="701488" y="286452"/>
+            <a:ext cx="2911289" cy="707886"/>
+          </a:xfrm>
+          <a:prstGeom prst="rect">
+            <a:avLst/>
+          </a:prstGeom>
+          <a:solidFill>
+            <a:schemeClr val="accent4">
+              <a:lumMod val="40000"/>
+              <a:lumOff val="60000"/>
+            </a:schemeClr>
+          </a:solidFill>
+        </p:spPr>
+        <p:txBody>
+          <a:bodyPr wrap="square" rtlCol="0">
+            <a:spAutoFit/>
+          </a:bodyPr>
+          <a:lstStyle/>
+          <a:p>
+            <a:pPr algn="ctr"/>
             <a:r>
-              <a:rPr lang="ko-KR" altLang="en-US" dirty="0"/>
-              <a:t>경복궁</a:t>
+              <a:rPr lang="ko-KR" altLang="en-US" sz="4000" dirty="0">
+                <a:latin typeface="나눔스퀘어OTF Bold" panose="020B0600000101010101" pitchFamily="34" charset="-127"/>
+                <a:ea typeface="나눔스퀘어OTF Bold" panose="020B0600000101010101" pitchFamily="34" charset="-127"/>
+              </a:rPr>
+              <a:t>지역</a:t>
             </a:r>
-            <a:endParaRPr lang="en-US" altLang="ko-KR" dirty="0"/>
-          </a:p>
-          <a:p>
             <a:r>
-              <a:rPr lang="en-US" altLang="ko-KR" dirty="0"/>
-              <a:t>37.57803 126.97688</a:t>
+              <a:rPr lang="en-US" altLang="ko-KR" sz="4000" dirty="0">
+                <a:latin typeface="나눔스퀘어OTF Bold" panose="020B0600000101010101" pitchFamily="34" charset="-127"/>
+                <a:ea typeface="나눔스퀘어OTF Bold" panose="020B0600000101010101" pitchFamily="34" charset="-127"/>
+              </a:rPr>
+              <a:t>: </a:t>
             </a:r>
-            <a:endParaRPr lang="ko-KR" altLang="en-US" dirty="0"/>
+            <a:r>
+              <a:rPr lang="ko-KR" altLang="en-US" sz="4000" dirty="0">
+                <a:latin typeface="나눔스퀘어OTF Bold" panose="020B0600000101010101" pitchFamily="34" charset="-127"/>
+                <a:ea typeface="나눔스퀘어OTF Bold" panose="020B0600000101010101" pitchFamily="34" charset="-127"/>
+              </a:rPr>
+              <a:t>서울</a:t>
+            </a:r>
           </a:p>
         </p:txBody>
       </p:sp>
     </p:spTree>
     <p:extLst>
       <p:ext uri="{BB962C8B-B14F-4D97-AF65-F5344CB8AC3E}">
-        <p14:creationId xmlns:p14="http://schemas.microsoft.com/office/powerpoint/2010/main" val="3139997452"/>
+        <p14:creationId xmlns:p14="http://schemas.microsoft.com/office/powerpoint/2010/main" val="2641902059"/>
       </p:ext>
     </p:extLst>
   </p:cSld>
   <p:clrMapOvr>
     <a:masterClrMapping/>
   </p:clrMapOvr>
+  <mc:AlternateContent xmlns:mc="http://schemas.openxmlformats.org/markup-compatibility/2006" xmlns:p159="http://schemas.microsoft.com/office/powerpoint/2015/09/main">
+    <mc:Choice Requires="p159">
+      <p:transition xmlns:p14="http://schemas.microsoft.com/office/powerpoint/2010/main" spd="slow" p14:dur="2000">
+        <p159:morph option="byObject"/>
+      </p:transition>
+    </mc:Choice>
+    <mc:Fallback xmlns="">
+      <p:transition spd="slow">
+        <p:fade/>
+      </p:transition>
+    </mc:Fallback>
+  </mc:AlternateContent>
 </p:sld>
 </file>
 
@@ -4011,22 +6646,22 @@
             <a:pPr algn="ctr"/>
             <a:r>
               <a:rPr lang="ko-KR" altLang="en-US" sz="9600" dirty="0">
-                <a:latin typeface="나눔스퀘어 ExtraBold" panose="020B0600000101010101" pitchFamily="50" charset="-127"/>
-                <a:ea typeface="나눔스퀘어 ExtraBold" panose="020B0600000101010101" pitchFamily="50" charset="-127"/>
+                <a:latin typeface="나눔스퀘어OTF Bold" panose="020B0600000101010101" pitchFamily="34" charset="-127"/>
+                <a:ea typeface="나눔스퀘어OTF Bold" panose="020B0600000101010101" pitchFamily="34" charset="-127"/>
               </a:rPr>
               <a:t>지역</a:t>
             </a:r>
             <a:r>
               <a:rPr lang="en-US" altLang="ko-KR" sz="9600" dirty="0">
-                <a:latin typeface="나눔스퀘어 ExtraBold" panose="020B0600000101010101" pitchFamily="50" charset="-127"/>
-                <a:ea typeface="나눔스퀘어 ExtraBold" panose="020B0600000101010101" pitchFamily="50" charset="-127"/>
+                <a:latin typeface="나눔스퀘어OTF Bold" panose="020B0600000101010101" pitchFamily="34" charset="-127"/>
+                <a:ea typeface="나눔스퀘어OTF Bold" panose="020B0600000101010101" pitchFamily="34" charset="-127"/>
               </a:rPr>
               <a:t>: </a:t>
             </a:r>
             <a:r>
               <a:rPr lang="ko-KR" altLang="en-US" sz="9600" dirty="0">
-                <a:latin typeface="나눔스퀘어 ExtraBold" panose="020B0600000101010101" pitchFamily="50" charset="-127"/>
-                <a:ea typeface="나눔스퀘어 ExtraBold" panose="020B0600000101010101" pitchFamily="50" charset="-127"/>
+                <a:latin typeface="나눔스퀘어OTF Bold" panose="020B0600000101010101" pitchFamily="34" charset="-127"/>
+                <a:ea typeface="나눔스퀘어OTF Bold" panose="020B0600000101010101" pitchFamily="34" charset="-127"/>
               </a:rPr>
               <a:t>대구</a:t>
             </a:r>
@@ -5441,25 +8076,146 @@
             <a:pPr algn="ctr"/>
             <a:r>
               <a:rPr lang="ko-KR" altLang="en-US" sz="4000" dirty="0">
-                <a:latin typeface="나눔스퀘어 ExtraBold" panose="020B0600000101010101" pitchFamily="50" charset="-127"/>
-                <a:ea typeface="나눔스퀘어 ExtraBold" panose="020B0600000101010101" pitchFamily="50" charset="-127"/>
+                <a:latin typeface="나눔스퀘어OTF Bold" panose="020B0600000101010101" pitchFamily="34" charset="-127"/>
+                <a:ea typeface="나눔스퀘어OTF Bold" panose="020B0600000101010101" pitchFamily="34" charset="-127"/>
               </a:rPr>
               <a:t>지역</a:t>
             </a:r>
             <a:r>
               <a:rPr lang="en-US" altLang="ko-KR" sz="4000" dirty="0">
-                <a:latin typeface="나눔스퀘어 ExtraBold" panose="020B0600000101010101" pitchFamily="50" charset="-127"/>
-                <a:ea typeface="나눔스퀘어 ExtraBold" panose="020B0600000101010101" pitchFamily="50" charset="-127"/>
+                <a:latin typeface="나눔스퀘어OTF Bold" panose="020B0600000101010101" pitchFamily="34" charset="-127"/>
+                <a:ea typeface="나눔스퀘어OTF Bold" panose="020B0600000101010101" pitchFamily="34" charset="-127"/>
               </a:rPr>
               <a:t>: </a:t>
             </a:r>
             <a:r>
               <a:rPr lang="ko-KR" altLang="en-US" sz="4000" dirty="0">
-                <a:latin typeface="나눔스퀘어 ExtraBold" panose="020B0600000101010101" pitchFamily="50" charset="-127"/>
-                <a:ea typeface="나눔스퀘어 ExtraBold" panose="020B0600000101010101" pitchFamily="50" charset="-127"/>
+                <a:latin typeface="나눔스퀘어OTF Bold" panose="020B0600000101010101" pitchFamily="34" charset="-127"/>
+                <a:ea typeface="나눔스퀘어OTF Bold" panose="020B0600000101010101" pitchFamily="34" charset="-127"/>
               </a:rPr>
               <a:t>대구</a:t>
             </a:r>
+          </a:p>
+        </p:txBody>
+      </p:sp>
+      <p:sp>
+        <p:nvSpPr>
+          <p:cNvPr id="2" name="TextBox 1">
+            <a:extLst>
+              <a:ext uri="{FF2B5EF4-FFF2-40B4-BE49-F238E27FC236}">
+                <a16:creationId xmlns:a16="http://schemas.microsoft.com/office/drawing/2014/main" id="{2861DBE8-6EC3-4EED-A28E-FACBAF279492}"/>
+              </a:ext>
+            </a:extLst>
+          </p:cNvPr>
+          <p:cNvSpPr txBox="1"/>
+          <p:nvPr/>
+        </p:nvSpPr>
+        <p:spPr>
+          <a:xfrm>
+            <a:off x="8333991" y="5325428"/>
+            <a:ext cx="2033004" cy="584775"/>
+          </a:xfrm>
+          <a:prstGeom prst="rect">
+            <a:avLst/>
+          </a:prstGeom>
+          <a:solidFill>
+            <a:schemeClr val="accent4">
+              <a:lumMod val="40000"/>
+              <a:lumOff val="60000"/>
+            </a:schemeClr>
+          </a:solidFill>
+          <a:ln w="28575">
+            <a:solidFill>
+              <a:schemeClr val="tx1"/>
+            </a:solidFill>
+          </a:ln>
+        </p:spPr>
+        <p:txBody>
+          <a:bodyPr wrap="square" rtlCol="0">
+            <a:spAutoFit/>
+          </a:bodyPr>
+          <a:lstStyle/>
+          <a:p>
+            <a:r>
+              <a:rPr lang="ko-KR" altLang="en-US" sz="1600" dirty="0" err="1">
+                <a:latin typeface="나눔스퀘어OTF Bold" panose="020B0600000101010101" pitchFamily="34" charset="-127"/>
+                <a:ea typeface="나눔스퀘어OTF Bold" panose="020B0600000101010101" pitchFamily="34" charset="-127"/>
+              </a:rPr>
+              <a:t>이감자</a:t>
+            </a:r>
+            <a:r>
+              <a:rPr lang="ko-KR" altLang="en-US" sz="1600" dirty="0">
+                <a:latin typeface="나눔스퀘어OTF Bold" panose="020B0600000101010101" pitchFamily="34" charset="-127"/>
+                <a:ea typeface="나눔스퀘어OTF Bold" panose="020B0600000101010101" pitchFamily="34" charset="-127"/>
+              </a:rPr>
+              <a:t> </a:t>
+            </a:r>
+            <a:r>
+              <a:rPr lang="en-US" altLang="ko-KR" sz="1600" dirty="0">
+                <a:latin typeface="나눔스퀘어OTF Bold" panose="020B0600000101010101" pitchFamily="34" charset="-127"/>
+                <a:ea typeface="나눔스퀘어OTF Bold" panose="020B0600000101010101" pitchFamily="34" charset="-127"/>
+              </a:rPr>
+              <a:t>/ 22</a:t>
+            </a:r>
+            <a:r>
+              <a:rPr lang="ko-KR" altLang="en-US" sz="1600" dirty="0">
+                <a:latin typeface="나눔스퀘어OTF Bold" panose="020B0600000101010101" pitchFamily="34" charset="-127"/>
+                <a:ea typeface="나눔스퀘어OTF Bold" panose="020B0600000101010101" pitchFamily="34" charset="-127"/>
+              </a:rPr>
+              <a:t>세</a:t>
+            </a:r>
+            <a:r>
+              <a:rPr lang="en-US" altLang="ko-KR" sz="1600" dirty="0">
+                <a:latin typeface="나눔스퀘어OTF Bold" panose="020B0600000101010101" pitchFamily="34" charset="-127"/>
+                <a:ea typeface="나눔스퀘어OTF Bold" panose="020B0600000101010101" pitchFamily="34" charset="-127"/>
+              </a:rPr>
+              <a:t>, </a:t>
+            </a:r>
+            <a:r>
+              <a:rPr lang="ko-KR" altLang="en-US" sz="1600" dirty="0">
+                <a:latin typeface="나눔스퀘어OTF Bold" panose="020B0600000101010101" pitchFamily="34" charset="-127"/>
+                <a:ea typeface="나눔스퀘어OTF Bold" panose="020B0600000101010101" pitchFamily="34" charset="-127"/>
+              </a:rPr>
+              <a:t>공대생</a:t>
+            </a:r>
+            <a:endParaRPr lang="en-US" altLang="ko-KR" sz="1600" dirty="0">
+              <a:latin typeface="나눔스퀘어OTF Bold" panose="020B0600000101010101" pitchFamily="34" charset="-127"/>
+              <a:ea typeface="나눔스퀘어OTF Bold" panose="020B0600000101010101" pitchFamily="34" charset="-127"/>
+            </a:endParaRPr>
+          </a:p>
+          <a:p>
+            <a:r>
+              <a:rPr lang="ko-KR" altLang="en-US" sz="1600" dirty="0">
+                <a:latin typeface="나눔스퀘어OTF Bold" panose="020B0600000101010101" pitchFamily="34" charset="-127"/>
+                <a:ea typeface="나눔스퀘어OTF Bold" panose="020B0600000101010101" pitchFamily="34" charset="-127"/>
+              </a:rPr>
+              <a:t>특징</a:t>
+            </a:r>
+            <a:r>
+              <a:rPr lang="en-US" altLang="ko-KR" sz="1600" dirty="0">
+                <a:latin typeface="나눔스퀘어OTF Bold" panose="020B0600000101010101" pitchFamily="34" charset="-127"/>
+                <a:ea typeface="나눔스퀘어OTF Bold" panose="020B0600000101010101" pitchFamily="34" charset="-127"/>
+              </a:rPr>
+              <a:t>: </a:t>
+            </a:r>
+            <a:r>
+              <a:rPr lang="ko-KR" altLang="en-US" sz="1600" dirty="0">
+                <a:latin typeface="나눔스퀘어OTF Bold" panose="020B0600000101010101" pitchFamily="34" charset="-127"/>
+                <a:ea typeface="나눔스퀘어OTF Bold" panose="020B0600000101010101" pitchFamily="34" charset="-127"/>
+              </a:rPr>
+              <a:t>동아리방 </a:t>
+            </a:r>
+            <a:r>
+              <a:rPr lang="ko-KR" altLang="en-US" sz="1600" dirty="0" err="1">
+                <a:latin typeface="나눔스퀘어OTF Bold" panose="020B0600000101010101" pitchFamily="34" charset="-127"/>
+                <a:ea typeface="나눔스퀘어OTF Bold" panose="020B0600000101010101" pitchFamily="34" charset="-127"/>
+              </a:rPr>
+              <a:t>지박령</a:t>
+            </a:r>
+            <a:endParaRPr lang="ko-KR" altLang="en-US" sz="1600" dirty="0">
+              <a:latin typeface="나눔스퀘어OTF Bold" panose="020B0600000101010101" pitchFamily="34" charset="-127"/>
+              <a:ea typeface="나눔스퀘어OTF Bold" panose="020B0600000101010101" pitchFamily="34" charset="-127"/>
+            </a:endParaRPr>
           </a:p>
         </p:txBody>
       </p:sp>
@@ -5535,6 +8291,50 @@
           </a:prstGeom>
         </p:spPr>
       </p:pic>
+      <p:sp>
+        <p:nvSpPr>
+          <p:cNvPr id="4" name="TextBox 3">
+            <a:extLst>
+              <a:ext uri="{FF2B5EF4-FFF2-40B4-BE49-F238E27FC236}">
+                <a16:creationId xmlns:a16="http://schemas.microsoft.com/office/drawing/2014/main" id="{08D3E4BE-3934-43BD-9E04-B79249055CD7}"/>
+              </a:ext>
+            </a:extLst>
+          </p:cNvPr>
+          <p:cNvSpPr txBox="1"/>
+          <p:nvPr/>
+        </p:nvSpPr>
+        <p:spPr>
+          <a:xfrm>
+            <a:off x="701488" y="286452"/>
+            <a:ext cx="2911289" cy="707886"/>
+          </a:xfrm>
+          <a:prstGeom prst="rect">
+            <a:avLst/>
+          </a:prstGeom>
+          <a:solidFill>
+            <a:schemeClr val="accent4">
+              <a:lumMod val="40000"/>
+              <a:lumOff val="60000"/>
+            </a:schemeClr>
+          </a:solidFill>
+        </p:spPr>
+        <p:txBody>
+          <a:bodyPr wrap="square" rtlCol="0">
+            <a:spAutoFit/>
+          </a:bodyPr>
+          <a:lstStyle/>
+          <a:p>
+            <a:pPr algn="ctr"/>
+            <a:r>
+              <a:rPr lang="ko-KR" altLang="en-US" sz="4000" dirty="0">
+                <a:latin typeface="나눔스퀘어OTF Bold" panose="020B0600000101010101" pitchFamily="34" charset="-127"/>
+                <a:ea typeface="나눔스퀘어OTF Bold" panose="020B0600000101010101" pitchFamily="34" charset="-127"/>
+              </a:rPr>
+              <a:t>평소 화면</a:t>
+            </a:r>
+          </a:p>
+        </p:txBody>
+      </p:sp>
     </p:spTree>
     <p:extLst>
       <p:ext uri="{BB962C8B-B14F-4D97-AF65-F5344CB8AC3E}">
@@ -5545,18 +8345,6 @@
   <p:clrMapOvr>
     <a:masterClrMapping/>
   </p:clrMapOvr>
-  <mc:AlternateContent xmlns:mc="http://schemas.openxmlformats.org/markup-compatibility/2006">
-    <mc:Choice xmlns:p159="http://schemas.microsoft.com/office/powerpoint/2015/09/main" Requires="p159">
-      <p:transition xmlns:p14="http://schemas.microsoft.com/office/powerpoint/2010/main" spd="slow" p14:dur="2000">
-        <p159:morph option="byObject"/>
-      </p:transition>
-    </mc:Choice>
-    <mc:Fallback>
-      <p:transition spd="slow">
-        <p:fade/>
-      </p:transition>
-    </mc:Fallback>
-  </mc:AlternateContent>
 </p:sld>
 </file>
 
@@ -6919,6 +9707,64 @@
           </a:p>
         </p:txBody>
       </p:sp>
+      <p:sp>
+        <p:nvSpPr>
+          <p:cNvPr id="9" name="TextBox 8">
+            <a:extLst>
+              <a:ext uri="{FF2B5EF4-FFF2-40B4-BE49-F238E27FC236}">
+                <a16:creationId xmlns:a16="http://schemas.microsoft.com/office/drawing/2014/main" id="{84444602-43F0-4236-B1B0-71995FAF509E}"/>
+              </a:ext>
+            </a:extLst>
+          </p:cNvPr>
+          <p:cNvSpPr txBox="1"/>
+          <p:nvPr/>
+        </p:nvSpPr>
+        <p:spPr>
+          <a:xfrm>
+            <a:off x="701488" y="286452"/>
+            <a:ext cx="2911289" cy="707886"/>
+          </a:xfrm>
+          <a:prstGeom prst="rect">
+            <a:avLst/>
+          </a:prstGeom>
+          <a:solidFill>
+            <a:schemeClr val="accent4">
+              <a:lumMod val="40000"/>
+              <a:lumOff val="60000"/>
+            </a:schemeClr>
+          </a:solidFill>
+        </p:spPr>
+        <p:txBody>
+          <a:bodyPr wrap="square" rtlCol="0">
+            <a:spAutoFit/>
+          </a:bodyPr>
+          <a:lstStyle/>
+          <a:p>
+            <a:pPr algn="ctr"/>
+            <a:r>
+              <a:rPr lang="ko-KR" altLang="en-US" sz="4000" dirty="0">
+                <a:latin typeface="나눔스퀘어OTF Bold" panose="020B0600000101010101" pitchFamily="34" charset="-127"/>
+                <a:ea typeface="나눔스퀘어OTF Bold" panose="020B0600000101010101" pitchFamily="34" charset="-127"/>
+              </a:rPr>
+              <a:t>지역</a:t>
+            </a:r>
+            <a:r>
+              <a:rPr lang="en-US" altLang="ko-KR" sz="4000" dirty="0">
+                <a:latin typeface="나눔스퀘어OTF Bold" panose="020B0600000101010101" pitchFamily="34" charset="-127"/>
+                <a:ea typeface="나눔스퀘어OTF Bold" panose="020B0600000101010101" pitchFamily="34" charset="-127"/>
+              </a:rPr>
+              <a:t>: </a:t>
+            </a:r>
+            <a:r>
+              <a:rPr lang="ko-KR" altLang="en-US" sz="4000" dirty="0">
+                <a:latin typeface="나눔스퀘어OTF Bold" panose="020B0600000101010101" pitchFamily="34" charset="-127"/>
+                <a:ea typeface="나눔스퀘어OTF Bold" panose="020B0600000101010101" pitchFamily="34" charset="-127"/>
+              </a:rPr>
+              <a:t>대구</a:t>
+            </a:r>
+          </a:p>
+        </p:txBody>
+      </p:sp>
     </p:spTree>
     <p:extLst>
       <p:ext uri="{BB962C8B-B14F-4D97-AF65-F5344CB8AC3E}">
@@ -6929,13 +9775,13 @@
   <p:clrMapOvr>
     <a:masterClrMapping/>
   </p:clrMapOvr>
-  <mc:AlternateContent xmlns:mc="http://schemas.openxmlformats.org/markup-compatibility/2006">
-    <mc:Choice xmlns:p14="http://schemas.microsoft.com/office/powerpoint/2010/main" Requires="p14">
+  <mc:AlternateContent xmlns:mc="http://schemas.openxmlformats.org/markup-compatibility/2006" xmlns:p14="http://schemas.microsoft.com/office/powerpoint/2010/main">
+    <mc:Choice Requires="p14">
       <p:transition spd="med" p14:dur="700">
         <p:fade/>
       </p:transition>
     </mc:Choice>
-    <mc:Fallback>
+    <mc:Fallback xmlns="">
       <p:transition spd="med">
         <p:fade/>
       </p:transition>
@@ -8339,6 +11185,64 @@
           </a:prstGeom>
         </p:spPr>
       </p:pic>
+      <p:sp>
+        <p:nvSpPr>
+          <p:cNvPr id="10" name="TextBox 9">
+            <a:extLst>
+              <a:ext uri="{FF2B5EF4-FFF2-40B4-BE49-F238E27FC236}">
+                <a16:creationId xmlns:a16="http://schemas.microsoft.com/office/drawing/2014/main" id="{4D98A5B2-2618-4A22-A46A-68F37193B3B3}"/>
+              </a:ext>
+            </a:extLst>
+          </p:cNvPr>
+          <p:cNvSpPr txBox="1"/>
+          <p:nvPr/>
+        </p:nvSpPr>
+        <p:spPr>
+          <a:xfrm>
+            <a:off x="701488" y="286452"/>
+            <a:ext cx="2911289" cy="707886"/>
+          </a:xfrm>
+          <a:prstGeom prst="rect">
+            <a:avLst/>
+          </a:prstGeom>
+          <a:solidFill>
+            <a:schemeClr val="accent4">
+              <a:lumMod val="40000"/>
+              <a:lumOff val="60000"/>
+            </a:schemeClr>
+          </a:solidFill>
+        </p:spPr>
+        <p:txBody>
+          <a:bodyPr wrap="square" rtlCol="0">
+            <a:spAutoFit/>
+          </a:bodyPr>
+          <a:lstStyle/>
+          <a:p>
+            <a:pPr algn="ctr"/>
+            <a:r>
+              <a:rPr lang="ko-KR" altLang="en-US" sz="4000" dirty="0">
+                <a:latin typeface="나눔스퀘어OTF Bold" panose="020B0600000101010101" pitchFamily="34" charset="-127"/>
+                <a:ea typeface="나눔스퀘어OTF Bold" panose="020B0600000101010101" pitchFamily="34" charset="-127"/>
+              </a:rPr>
+              <a:t>지역</a:t>
+            </a:r>
+            <a:r>
+              <a:rPr lang="en-US" altLang="ko-KR" sz="4000" dirty="0">
+                <a:latin typeface="나눔스퀘어OTF Bold" panose="020B0600000101010101" pitchFamily="34" charset="-127"/>
+                <a:ea typeface="나눔스퀘어OTF Bold" panose="020B0600000101010101" pitchFamily="34" charset="-127"/>
+              </a:rPr>
+              <a:t>: </a:t>
+            </a:r>
+            <a:r>
+              <a:rPr lang="ko-KR" altLang="en-US" sz="4000" dirty="0">
+                <a:latin typeface="나눔스퀘어OTF Bold" panose="020B0600000101010101" pitchFamily="34" charset="-127"/>
+                <a:ea typeface="나눔스퀘어OTF Bold" panose="020B0600000101010101" pitchFamily="34" charset="-127"/>
+              </a:rPr>
+              <a:t>대구</a:t>
+            </a:r>
+          </a:p>
+        </p:txBody>
+      </p:sp>
     </p:spTree>
     <p:extLst>
       <p:ext uri="{BB962C8B-B14F-4D97-AF65-F5344CB8AC3E}">
@@ -8349,13 +11253,13 @@
   <p:clrMapOvr>
     <a:masterClrMapping/>
   </p:clrMapOvr>
-  <mc:AlternateContent xmlns:mc="http://schemas.openxmlformats.org/markup-compatibility/2006">
-    <mc:Choice xmlns:p159="http://schemas.microsoft.com/office/powerpoint/2015/09/main" Requires="p159">
+  <mc:AlternateContent xmlns:mc="http://schemas.openxmlformats.org/markup-compatibility/2006" xmlns:p159="http://schemas.microsoft.com/office/powerpoint/2015/09/main">
+    <mc:Choice Requires="p159">
       <p:transition xmlns:p14="http://schemas.microsoft.com/office/powerpoint/2010/main" spd="slow" p14:dur="2000">
         <p159:morph option="byObject"/>
       </p:transition>
     </mc:Choice>
-    <mc:Fallback>
+    <mc:Fallback xmlns="">
       <p:transition spd="slow">
         <p:fade/>
       </p:transition>
@@ -8486,250 +11390,12 @@
           </a:prstGeom>
         </p:spPr>
       </p:pic>
-    </p:spTree>
-    <p:extLst>
-      <p:ext uri="{BB962C8B-B14F-4D97-AF65-F5344CB8AC3E}">
-        <p14:creationId xmlns:p14="http://schemas.microsoft.com/office/powerpoint/2010/main" val="3937094534"/>
-      </p:ext>
-    </p:extLst>
-  </p:cSld>
-  <p:clrMapOvr>
-    <a:masterClrMapping/>
-  </p:clrMapOvr>
-  <mc:AlternateContent xmlns:mc="http://schemas.openxmlformats.org/markup-compatibility/2006">
-    <mc:Choice xmlns:p14="http://schemas.microsoft.com/office/powerpoint/2010/main" Requires="p14">
-      <p:transition spd="med" p14:dur="700">
-        <p:fade/>
-      </p:transition>
-    </mc:Choice>
-    <mc:Fallback>
-      <p:transition spd="med">
-        <p:fade/>
-      </p:transition>
-    </mc:Fallback>
-  </mc:AlternateContent>
-</p:sld>
-</file>
-
-<file path=ppt/slides/slide8.xml><?xml version="1.0" encoding="utf-8"?>
-<p:sld xmlns:a="http://schemas.openxmlformats.org/drawingml/2006/main" xmlns:r="http://schemas.openxmlformats.org/officeDocument/2006/relationships" xmlns:p="http://schemas.openxmlformats.org/presentationml/2006/main">
-  <p:cSld>
-    <p:spTree>
-      <p:nvGrpSpPr>
-        <p:cNvPr id="1" name=""/>
-        <p:cNvGrpSpPr/>
-        <p:nvPr/>
-      </p:nvGrpSpPr>
-      <p:grpSpPr>
-        <a:xfrm>
-          <a:off x="0" y="0"/>
-          <a:ext cx="0" cy="0"/>
-          <a:chOff x="0" y="0"/>
-          <a:chExt cx="0" cy="0"/>
-        </a:xfrm>
-      </p:grpSpPr>
       <p:sp>
         <p:nvSpPr>
-          <p:cNvPr id="4" name="TextBox 3">
-            <a:extLst>
-              <a:ext uri="{FF2B5EF4-FFF2-40B4-BE49-F238E27FC236}">
-                <a16:creationId xmlns:a16="http://schemas.microsoft.com/office/drawing/2014/main" id="{57230121-99AB-4F3F-AFE9-817D4A82D948}"/>
-              </a:ext>
-            </a:extLst>
-          </p:cNvPr>
-          <p:cNvSpPr txBox="1"/>
-          <p:nvPr/>
-        </p:nvSpPr>
-        <p:spPr>
-          <a:xfrm>
-            <a:off x="2772335" y="2644170"/>
-            <a:ext cx="6647330" cy="1569660"/>
-          </a:xfrm>
-          <a:prstGeom prst="rect">
-            <a:avLst/>
-          </a:prstGeom>
-          <a:solidFill>
-            <a:schemeClr val="accent4">
-              <a:lumMod val="40000"/>
-              <a:lumOff val="60000"/>
-            </a:schemeClr>
-          </a:solidFill>
-        </p:spPr>
-        <p:txBody>
-          <a:bodyPr wrap="square" rtlCol="0">
-            <a:spAutoFit/>
-          </a:bodyPr>
-          <a:lstStyle/>
-          <a:p>
-            <a:pPr algn="ctr"/>
-            <a:r>
-              <a:rPr lang="ko-KR" altLang="en-US" sz="9600" dirty="0">
-                <a:latin typeface="나눔스퀘어 ExtraBold" panose="020B0600000101010101" pitchFamily="50" charset="-127"/>
-                <a:ea typeface="나눔스퀘어 ExtraBold" panose="020B0600000101010101" pitchFamily="50" charset="-127"/>
-              </a:rPr>
-              <a:t>지역</a:t>
-            </a:r>
-            <a:r>
-              <a:rPr lang="en-US" altLang="ko-KR" sz="9600" dirty="0">
-                <a:latin typeface="나눔스퀘어 ExtraBold" panose="020B0600000101010101" pitchFamily="50" charset="-127"/>
-                <a:ea typeface="나눔스퀘어 ExtraBold" panose="020B0600000101010101" pitchFamily="50" charset="-127"/>
-              </a:rPr>
-              <a:t>: </a:t>
-            </a:r>
-            <a:r>
-              <a:rPr lang="ko-KR" altLang="en-US" sz="9600" dirty="0">
-                <a:latin typeface="나눔스퀘어 ExtraBold" panose="020B0600000101010101" pitchFamily="50" charset="-127"/>
-                <a:ea typeface="나눔스퀘어 ExtraBold" panose="020B0600000101010101" pitchFamily="50" charset="-127"/>
-              </a:rPr>
-              <a:t>서울</a:t>
-            </a:r>
-          </a:p>
-        </p:txBody>
-      </p:sp>
-    </p:spTree>
-    <p:extLst>
-      <p:ext uri="{BB962C8B-B14F-4D97-AF65-F5344CB8AC3E}">
-        <p14:creationId xmlns:p14="http://schemas.microsoft.com/office/powerpoint/2010/main" val="1851633369"/>
-      </p:ext>
-    </p:extLst>
-  </p:cSld>
-  <p:clrMapOvr>
-    <a:masterClrMapping/>
-  </p:clrMapOvr>
-</p:sld>
-</file>
-
-<file path=ppt/slides/slide9.xml><?xml version="1.0" encoding="utf-8"?>
-<p:sld xmlns:a="http://schemas.openxmlformats.org/drawingml/2006/main" xmlns:r="http://schemas.openxmlformats.org/officeDocument/2006/relationships" xmlns:p="http://schemas.openxmlformats.org/presentationml/2006/main">
-  <p:cSld>
-    <p:spTree>
-      <p:nvGrpSpPr>
-        <p:cNvPr id="1" name=""/>
-        <p:cNvGrpSpPr/>
-        <p:nvPr/>
-      </p:nvGrpSpPr>
-      <p:grpSpPr>
-        <a:xfrm>
-          <a:off x="0" y="0"/>
-          <a:ext cx="0" cy="0"/>
-          <a:chOff x="0" y="0"/>
-          <a:chExt cx="0" cy="0"/>
-        </a:xfrm>
-      </p:grpSpPr>
-      <p:pic>
-        <p:nvPicPr>
-          <p:cNvPr id="3" name="그림 2">
-            <a:extLst>
-              <a:ext uri="{FF2B5EF4-FFF2-40B4-BE49-F238E27FC236}">
-                <a16:creationId xmlns:a16="http://schemas.microsoft.com/office/drawing/2014/main" id="{EFA58558-A022-4B9A-B328-F6DBDFBF3BD4}"/>
-              </a:ext>
-            </a:extLst>
-          </p:cNvPr>
-          <p:cNvPicPr>
-            <a:picLocks noChangeAspect="1"/>
-          </p:cNvPicPr>
-          <p:nvPr/>
-        </p:nvPicPr>
-        <p:blipFill>
-          <a:blip r:embed="rId2"/>
-          <a:stretch>
-            <a:fillRect/>
-          </a:stretch>
-        </p:blipFill>
-        <p:spPr>
-          <a:xfrm>
-            <a:off x="0" y="77324"/>
-            <a:ext cx="12192000" cy="6703351"/>
-          </a:xfrm>
-          <a:prstGeom prst="rect">
-            <a:avLst/>
-          </a:prstGeom>
-        </p:spPr>
-      </p:pic>
-      <p:cxnSp>
-        <p:nvCxnSpPr>
-          <p:cNvPr id="5" name="직선 화살표 연결선 4">
-            <a:extLst>
-              <a:ext uri="{FF2B5EF4-FFF2-40B4-BE49-F238E27FC236}">
-                <a16:creationId xmlns:a16="http://schemas.microsoft.com/office/drawing/2014/main" id="{F14E4C2D-0638-4BDF-88A6-BBAD31641A52}"/>
-              </a:ext>
-            </a:extLst>
-          </p:cNvPr>
-          <p:cNvCxnSpPr/>
-          <p:nvPr/>
-        </p:nvCxnSpPr>
-        <p:spPr>
-          <a:xfrm flipV="1">
-            <a:off x="4831976" y="4213412"/>
-            <a:ext cx="1819836" cy="1461247"/>
-          </a:xfrm>
-          <a:prstGeom prst="straightConnector1">
-            <a:avLst/>
-          </a:prstGeom>
-          <a:ln w="76200">
-            <a:solidFill>
-              <a:schemeClr val="tx1"/>
-            </a:solidFill>
-            <a:tailEnd type="triangle"/>
-          </a:ln>
-        </p:spPr>
-        <p:style>
-          <a:lnRef idx="1">
-            <a:schemeClr val="accent1"/>
-          </a:lnRef>
-          <a:fillRef idx="0">
-            <a:schemeClr val="accent1"/>
-          </a:fillRef>
-          <a:effectRef idx="0">
-            <a:schemeClr val="accent1"/>
-          </a:effectRef>
-          <a:fontRef idx="minor">
-            <a:schemeClr val="tx1"/>
-          </a:fontRef>
-        </p:style>
-      </p:cxnSp>
-      <p:pic>
-        <p:nvPicPr>
-          <p:cNvPr id="7" name="그림 6">
-            <a:extLst>
-              <a:ext uri="{FF2B5EF4-FFF2-40B4-BE49-F238E27FC236}">
-                <a16:creationId xmlns:a16="http://schemas.microsoft.com/office/drawing/2014/main" id="{E47826BC-8EEB-4D57-A5E1-185C69D432F7}"/>
-              </a:ext>
-            </a:extLst>
-          </p:cNvPr>
-          <p:cNvPicPr>
-            <a:picLocks noChangeAspect="1"/>
-          </p:cNvPicPr>
-          <p:nvPr/>
-        </p:nvPicPr>
-        <p:blipFill>
-          <a:blip r:embed="rId3">
-            <a:extLst>
-              <a:ext uri="{28A0092B-C50C-407E-A947-70E740481C1C}">
-                <a14:useLocalDpi xmlns:a14="http://schemas.microsoft.com/office/drawing/2010/main" val="0"/>
-              </a:ext>
-            </a:extLst>
-          </a:blip>
-          <a:stretch>
-            <a:fillRect/>
-          </a:stretch>
-        </p:blipFill>
-        <p:spPr>
-          <a:xfrm>
-            <a:off x="4329010" y="4679577"/>
-            <a:ext cx="821214" cy="821214"/>
-          </a:xfrm>
-          <a:prstGeom prst="rect">
-            <a:avLst/>
-          </a:prstGeom>
-        </p:spPr>
-      </p:pic>
-      <p:sp>
-        <p:nvSpPr>
-          <p:cNvPr id="10" name="TextBox 9">
-            <a:extLst>
-              <a:ext uri="{FF2B5EF4-FFF2-40B4-BE49-F238E27FC236}">
-                <a16:creationId xmlns:a16="http://schemas.microsoft.com/office/drawing/2014/main" id="{84D607B9-CECA-449A-82F2-D3C731CC9658}"/>
+          <p:cNvPr id="3" name="TextBox 2">
+            <a:extLst>
+              <a:ext uri="{FF2B5EF4-FFF2-40B4-BE49-F238E27FC236}">
+                <a16:creationId xmlns:a16="http://schemas.microsoft.com/office/drawing/2014/main" id="{AE07250D-5D46-4466-A642-6EDAF90436D3}"/>
               </a:ext>
             </a:extLst>
           </p:cNvPr>
@@ -8760,34 +11426,131 @@
             <a:pPr algn="ctr"/>
             <a:r>
               <a:rPr lang="ko-KR" altLang="en-US" sz="4000" dirty="0">
-                <a:latin typeface="나눔스퀘어 ExtraBold" panose="020B0600000101010101" pitchFamily="50" charset="-127"/>
-                <a:ea typeface="나눔스퀘어 ExtraBold" panose="020B0600000101010101" pitchFamily="50" charset="-127"/>
+                <a:latin typeface="나눔스퀘어OTF Bold" panose="020B0600000101010101" pitchFamily="34" charset="-127"/>
+                <a:ea typeface="나눔스퀘어OTF Bold" panose="020B0600000101010101" pitchFamily="34" charset="-127"/>
               </a:rPr>
-              <a:t>지역</a:t>
-            </a:r>
-            <a:r>
-              <a:rPr lang="en-US" altLang="ko-KR" sz="4000" dirty="0">
-                <a:latin typeface="나눔스퀘어 ExtraBold" panose="020B0600000101010101" pitchFamily="50" charset="-127"/>
-                <a:ea typeface="나눔스퀘어 ExtraBold" panose="020B0600000101010101" pitchFamily="50" charset="-127"/>
-              </a:rPr>
-              <a:t>: </a:t>
-            </a:r>
-            <a:r>
-              <a:rPr lang="ko-KR" altLang="en-US" sz="4000" dirty="0">
-                <a:latin typeface="나눔스퀘어 ExtraBold" panose="020B0600000101010101" pitchFamily="50" charset="-127"/>
-                <a:ea typeface="나눔스퀘어 ExtraBold" panose="020B0600000101010101" pitchFamily="50" charset="-127"/>
-              </a:rPr>
-              <a:t>서울</a:t>
+              <a:t>알림 화면</a:t>
             </a:r>
           </a:p>
         </p:txBody>
       </p:sp>
+    </p:spTree>
+    <p:extLst>
+      <p:ext uri="{BB962C8B-B14F-4D97-AF65-F5344CB8AC3E}">
+        <p14:creationId xmlns:p14="http://schemas.microsoft.com/office/powerpoint/2010/main" val="3937094534"/>
+      </p:ext>
+    </p:extLst>
+  </p:cSld>
+  <p:clrMapOvr>
+    <a:masterClrMapping/>
+  </p:clrMapOvr>
+  <mc:AlternateContent xmlns:mc="http://schemas.openxmlformats.org/markup-compatibility/2006" xmlns:p14="http://schemas.microsoft.com/office/powerpoint/2010/main">
+    <mc:Choice Requires="p14">
+      <p:transition spd="med" p14:dur="700">
+        <p:fade/>
+      </p:transition>
+    </mc:Choice>
+    <mc:Fallback xmlns="">
+      <p:transition spd="med">
+        <p:fade/>
+      </p:transition>
+    </mc:Fallback>
+  </mc:AlternateContent>
+</p:sld>
+</file>
+
+<file path=ppt/slides/slide8.xml><?xml version="1.0" encoding="utf-8"?>
+<p:sld xmlns:a="http://schemas.openxmlformats.org/drawingml/2006/main" xmlns:r="http://schemas.openxmlformats.org/officeDocument/2006/relationships" xmlns:p="http://schemas.openxmlformats.org/presentationml/2006/main">
+  <p:cSld>
+    <p:spTree>
+      <p:nvGrpSpPr>
+        <p:cNvPr id="1" name=""/>
+        <p:cNvGrpSpPr/>
+        <p:nvPr/>
+      </p:nvGrpSpPr>
+      <p:grpSpPr>
+        <a:xfrm>
+          <a:off x="0" y="0"/>
+          <a:ext cx="0" cy="0"/>
+          <a:chOff x="0" y="0"/>
+          <a:chExt cx="0" cy="0"/>
+        </a:xfrm>
+      </p:grpSpPr>
+      <p:pic>
+        <p:nvPicPr>
+          <p:cNvPr id="23" name="그림 22">
+            <a:extLst>
+              <a:ext uri="{FF2B5EF4-FFF2-40B4-BE49-F238E27FC236}">
+                <a16:creationId xmlns:a16="http://schemas.microsoft.com/office/drawing/2014/main" id="{40E48D33-41E2-401D-9A22-DD1080A3E561}"/>
+              </a:ext>
+            </a:extLst>
+          </p:cNvPr>
+          <p:cNvPicPr>
+            <a:picLocks noChangeAspect="1"/>
+          </p:cNvPicPr>
+          <p:nvPr/>
+        </p:nvPicPr>
+        <p:blipFill>
+          <a:blip r:embed="rId2"/>
+          <a:stretch>
+            <a:fillRect/>
+          </a:stretch>
+        </p:blipFill>
+        <p:spPr>
+          <a:xfrm>
+            <a:off x="324592" y="0"/>
+            <a:ext cx="11542816" cy="6858000"/>
+          </a:xfrm>
+          <a:prstGeom prst="rect">
+            <a:avLst/>
+          </a:prstGeom>
+        </p:spPr>
+      </p:pic>
       <p:pic>
         <p:nvPicPr>
           <p:cNvPr id="11" name="그림 10">
             <a:extLst>
               <a:ext uri="{FF2B5EF4-FFF2-40B4-BE49-F238E27FC236}">
-                <a16:creationId xmlns:a16="http://schemas.microsoft.com/office/drawing/2014/main" id="{6751EBC1-94AC-4AFC-B0B2-F4ED01D35467}"/>
+                <a16:creationId xmlns:a16="http://schemas.microsoft.com/office/drawing/2014/main" id="{0C7D9F2B-40CF-4D10-8201-E8D6818933A9}"/>
+              </a:ext>
+            </a:extLst>
+          </p:cNvPr>
+          <p:cNvPicPr>
+            <a:picLocks noChangeAspect="1"/>
+          </p:cNvPicPr>
+          <p:nvPr/>
+        </p:nvPicPr>
+        <p:blipFill>
+          <a:blip r:embed="rId3">
+            <a:extLst>
+              <a:ext uri="{28A0092B-C50C-407E-A947-70E740481C1C}">
+                <a14:useLocalDpi xmlns:a14="http://schemas.microsoft.com/office/drawing/2010/main" val="0"/>
+              </a:ext>
+            </a:extLst>
+          </a:blip>
+          <a:stretch>
+            <a:fillRect/>
+          </a:stretch>
+        </p:blipFill>
+        <p:spPr>
+          <a:xfrm>
+            <a:off x="9350493" y="4504765"/>
+            <a:ext cx="770660" cy="770660"/>
+          </a:xfrm>
+          <a:prstGeom prst="rect">
+            <a:avLst/>
+          </a:prstGeom>
+          <a:ln w="38100">
+            <a:noFill/>
+          </a:ln>
+        </p:spPr>
+      </p:pic>
+      <p:pic>
+        <p:nvPicPr>
+          <p:cNvPr id="13" name="그림 12">
+            <a:extLst>
+              <a:ext uri="{FF2B5EF4-FFF2-40B4-BE49-F238E27FC236}">
+                <a16:creationId xmlns:a16="http://schemas.microsoft.com/office/drawing/2014/main" id="{C1A52CDD-8225-4ADC-A834-F5836C7AAECA}"/>
               </a:ext>
             </a:extLst>
           </p:cNvPr>
@@ -8810,7 +11573,7 @@
         </p:blipFill>
         <p:spPr>
           <a:xfrm>
-            <a:off x="6524887" y="3107396"/>
+            <a:off x="4830557" y="2118732"/>
             <a:ext cx="619985" cy="619985"/>
           </a:xfrm>
           <a:prstGeom prst="rect">
@@ -8820,10 +11583,10 @@
       </p:pic>
       <p:sp>
         <p:nvSpPr>
-          <p:cNvPr id="12" name="곱하기 기호 11">
-            <a:extLst>
-              <a:ext uri="{FF2B5EF4-FFF2-40B4-BE49-F238E27FC236}">
-                <a16:creationId xmlns:a16="http://schemas.microsoft.com/office/drawing/2014/main" id="{A6481C3F-4A4E-48D9-91A1-845FBD61D71F}"/>
+          <p:cNvPr id="27" name="자유형: 도형 26">
+            <a:extLst>
+              <a:ext uri="{FF2B5EF4-FFF2-40B4-BE49-F238E27FC236}">
+                <a16:creationId xmlns:a16="http://schemas.microsoft.com/office/drawing/2014/main" id="{0F515C90-DF56-4937-967E-576BF5254895}"/>
               </a:ext>
             </a:extLst>
           </p:cNvPr>
@@ -8832,7 +11595,1135 @@
         </p:nvSpPr>
         <p:spPr>
           <a:xfrm>
-            <a:off x="8344719" y="2303579"/>
+            <a:off x="5181600" y="3119718"/>
+            <a:ext cx="4177553" cy="2429435"/>
+          </a:xfrm>
+          <a:custGeom>
+            <a:avLst/>
+            <a:gdLst>
+              <a:gd name="connsiteX0" fmla="*/ 26894 w 4177553"/>
+              <a:gd name="connsiteY0" fmla="*/ 0 h 2429435"/>
+              <a:gd name="connsiteX1" fmla="*/ 17929 w 4177553"/>
+              <a:gd name="connsiteY1" fmla="*/ 44823 h 2429435"/>
+              <a:gd name="connsiteX2" fmla="*/ 0 w 4177553"/>
+              <a:gd name="connsiteY2" fmla="*/ 98611 h 2429435"/>
+              <a:gd name="connsiteX3" fmla="*/ 17929 w 4177553"/>
+              <a:gd name="connsiteY3" fmla="*/ 188258 h 2429435"/>
+              <a:gd name="connsiteX4" fmla="*/ 62753 w 4177553"/>
+              <a:gd name="connsiteY4" fmla="*/ 224117 h 2429435"/>
+              <a:gd name="connsiteX5" fmla="*/ 125506 w 4177553"/>
+              <a:gd name="connsiteY5" fmla="*/ 277906 h 2429435"/>
+              <a:gd name="connsiteX6" fmla="*/ 188259 w 4177553"/>
+              <a:gd name="connsiteY6" fmla="*/ 295835 h 2429435"/>
+              <a:gd name="connsiteX7" fmla="*/ 242047 w 4177553"/>
+              <a:gd name="connsiteY7" fmla="*/ 313764 h 2429435"/>
+              <a:gd name="connsiteX8" fmla="*/ 268941 w 4177553"/>
+              <a:gd name="connsiteY8" fmla="*/ 331694 h 2429435"/>
+              <a:gd name="connsiteX9" fmla="*/ 358588 w 4177553"/>
+              <a:gd name="connsiteY9" fmla="*/ 349623 h 2429435"/>
+              <a:gd name="connsiteX10" fmla="*/ 421341 w 4177553"/>
+              <a:gd name="connsiteY10" fmla="*/ 367553 h 2429435"/>
+              <a:gd name="connsiteX11" fmla="*/ 457200 w 4177553"/>
+              <a:gd name="connsiteY11" fmla="*/ 376517 h 2429435"/>
+              <a:gd name="connsiteX12" fmla="*/ 484094 w 4177553"/>
+              <a:gd name="connsiteY12" fmla="*/ 394447 h 2429435"/>
+              <a:gd name="connsiteX13" fmla="*/ 510988 w 4177553"/>
+              <a:gd name="connsiteY13" fmla="*/ 403411 h 2429435"/>
+              <a:gd name="connsiteX14" fmla="*/ 582706 w 4177553"/>
+              <a:gd name="connsiteY14" fmla="*/ 457200 h 2429435"/>
+              <a:gd name="connsiteX15" fmla="*/ 636494 w 4177553"/>
+              <a:gd name="connsiteY15" fmla="*/ 475129 h 2429435"/>
+              <a:gd name="connsiteX16" fmla="*/ 672353 w 4177553"/>
+              <a:gd name="connsiteY16" fmla="*/ 510988 h 2429435"/>
+              <a:gd name="connsiteX17" fmla="*/ 690282 w 4177553"/>
+              <a:gd name="connsiteY17" fmla="*/ 537882 h 2429435"/>
+              <a:gd name="connsiteX18" fmla="*/ 717176 w 4177553"/>
+              <a:gd name="connsiteY18" fmla="*/ 546847 h 2429435"/>
+              <a:gd name="connsiteX19" fmla="*/ 744071 w 4177553"/>
+              <a:gd name="connsiteY19" fmla="*/ 582706 h 2429435"/>
+              <a:gd name="connsiteX20" fmla="*/ 779929 w 4177553"/>
+              <a:gd name="connsiteY20" fmla="*/ 609600 h 2429435"/>
+              <a:gd name="connsiteX21" fmla="*/ 797859 w 4177553"/>
+              <a:gd name="connsiteY21" fmla="*/ 627529 h 2429435"/>
+              <a:gd name="connsiteX22" fmla="*/ 824753 w 4177553"/>
+              <a:gd name="connsiteY22" fmla="*/ 645458 h 2429435"/>
+              <a:gd name="connsiteX23" fmla="*/ 887506 w 4177553"/>
+              <a:gd name="connsiteY23" fmla="*/ 699247 h 2429435"/>
+              <a:gd name="connsiteX24" fmla="*/ 914400 w 4177553"/>
+              <a:gd name="connsiteY24" fmla="*/ 708211 h 2429435"/>
+              <a:gd name="connsiteX25" fmla="*/ 923365 w 4177553"/>
+              <a:gd name="connsiteY25" fmla="*/ 735106 h 2429435"/>
+              <a:gd name="connsiteX26" fmla="*/ 950259 w 4177553"/>
+              <a:gd name="connsiteY26" fmla="*/ 744070 h 2429435"/>
+              <a:gd name="connsiteX27" fmla="*/ 995082 w 4177553"/>
+              <a:gd name="connsiteY27" fmla="*/ 770964 h 2429435"/>
+              <a:gd name="connsiteX28" fmla="*/ 1021976 w 4177553"/>
+              <a:gd name="connsiteY28" fmla="*/ 788894 h 2429435"/>
+              <a:gd name="connsiteX29" fmla="*/ 1039906 w 4177553"/>
+              <a:gd name="connsiteY29" fmla="*/ 806823 h 2429435"/>
+              <a:gd name="connsiteX30" fmla="*/ 1111624 w 4177553"/>
+              <a:gd name="connsiteY30" fmla="*/ 833717 h 2429435"/>
+              <a:gd name="connsiteX31" fmla="*/ 1147482 w 4177553"/>
+              <a:gd name="connsiteY31" fmla="*/ 860611 h 2429435"/>
+              <a:gd name="connsiteX32" fmla="*/ 1201271 w 4177553"/>
+              <a:gd name="connsiteY32" fmla="*/ 878541 h 2429435"/>
+              <a:gd name="connsiteX33" fmla="*/ 1210235 w 4177553"/>
+              <a:gd name="connsiteY33" fmla="*/ 905435 h 2429435"/>
+              <a:gd name="connsiteX34" fmla="*/ 1228165 w 4177553"/>
+              <a:gd name="connsiteY34" fmla="*/ 923364 h 2429435"/>
+              <a:gd name="connsiteX35" fmla="*/ 1317812 w 4177553"/>
+              <a:gd name="connsiteY35" fmla="*/ 995082 h 2429435"/>
+              <a:gd name="connsiteX36" fmla="*/ 1335741 w 4177553"/>
+              <a:gd name="connsiteY36" fmla="*/ 1021976 h 2429435"/>
+              <a:gd name="connsiteX37" fmla="*/ 1344706 w 4177553"/>
+              <a:gd name="connsiteY37" fmla="*/ 1048870 h 2429435"/>
+              <a:gd name="connsiteX38" fmla="*/ 1362635 w 4177553"/>
+              <a:gd name="connsiteY38" fmla="*/ 1066800 h 2429435"/>
+              <a:gd name="connsiteX39" fmla="*/ 1371600 w 4177553"/>
+              <a:gd name="connsiteY39" fmla="*/ 1093694 h 2429435"/>
+              <a:gd name="connsiteX40" fmla="*/ 1407459 w 4177553"/>
+              <a:gd name="connsiteY40" fmla="*/ 1138517 h 2429435"/>
+              <a:gd name="connsiteX41" fmla="*/ 1434353 w 4177553"/>
+              <a:gd name="connsiteY41" fmla="*/ 1183341 h 2429435"/>
+              <a:gd name="connsiteX42" fmla="*/ 1497106 w 4177553"/>
+              <a:gd name="connsiteY42" fmla="*/ 1246094 h 2429435"/>
+              <a:gd name="connsiteX43" fmla="*/ 1541929 w 4177553"/>
+              <a:gd name="connsiteY43" fmla="*/ 1281953 h 2429435"/>
+              <a:gd name="connsiteX44" fmla="*/ 1604682 w 4177553"/>
+              <a:gd name="connsiteY44" fmla="*/ 1353670 h 2429435"/>
+              <a:gd name="connsiteX45" fmla="*/ 1622612 w 4177553"/>
+              <a:gd name="connsiteY45" fmla="*/ 1371600 h 2429435"/>
+              <a:gd name="connsiteX46" fmla="*/ 1640541 w 4177553"/>
+              <a:gd name="connsiteY46" fmla="*/ 1398494 h 2429435"/>
+              <a:gd name="connsiteX47" fmla="*/ 1658471 w 4177553"/>
+              <a:gd name="connsiteY47" fmla="*/ 1416423 h 2429435"/>
+              <a:gd name="connsiteX48" fmla="*/ 1712259 w 4177553"/>
+              <a:gd name="connsiteY48" fmla="*/ 1452282 h 2429435"/>
+              <a:gd name="connsiteX49" fmla="*/ 1757082 w 4177553"/>
+              <a:gd name="connsiteY49" fmla="*/ 1488141 h 2429435"/>
+              <a:gd name="connsiteX50" fmla="*/ 1819835 w 4177553"/>
+              <a:gd name="connsiteY50" fmla="*/ 1532964 h 2429435"/>
+              <a:gd name="connsiteX51" fmla="*/ 1837765 w 4177553"/>
+              <a:gd name="connsiteY51" fmla="*/ 1550894 h 2429435"/>
+              <a:gd name="connsiteX52" fmla="*/ 1891553 w 4177553"/>
+              <a:gd name="connsiteY52" fmla="*/ 1586753 h 2429435"/>
+              <a:gd name="connsiteX53" fmla="*/ 1900518 w 4177553"/>
+              <a:gd name="connsiteY53" fmla="*/ 1613647 h 2429435"/>
+              <a:gd name="connsiteX54" fmla="*/ 1954306 w 4177553"/>
+              <a:gd name="connsiteY54" fmla="*/ 1658470 h 2429435"/>
+              <a:gd name="connsiteX55" fmla="*/ 1999129 w 4177553"/>
+              <a:gd name="connsiteY55" fmla="*/ 1685364 h 2429435"/>
+              <a:gd name="connsiteX56" fmla="*/ 2070847 w 4177553"/>
+              <a:gd name="connsiteY56" fmla="*/ 1739153 h 2429435"/>
+              <a:gd name="connsiteX57" fmla="*/ 2106706 w 4177553"/>
+              <a:gd name="connsiteY57" fmla="*/ 1766047 h 2429435"/>
+              <a:gd name="connsiteX58" fmla="*/ 2133600 w 4177553"/>
+              <a:gd name="connsiteY58" fmla="*/ 1783976 h 2429435"/>
+              <a:gd name="connsiteX59" fmla="*/ 2178424 w 4177553"/>
+              <a:gd name="connsiteY59" fmla="*/ 1810870 h 2429435"/>
+              <a:gd name="connsiteX60" fmla="*/ 2250141 w 4177553"/>
+              <a:gd name="connsiteY60" fmla="*/ 1873623 h 2429435"/>
+              <a:gd name="connsiteX61" fmla="*/ 2268071 w 4177553"/>
+              <a:gd name="connsiteY61" fmla="*/ 1891553 h 2429435"/>
+              <a:gd name="connsiteX62" fmla="*/ 2321859 w 4177553"/>
+              <a:gd name="connsiteY62" fmla="*/ 1918447 h 2429435"/>
+              <a:gd name="connsiteX63" fmla="*/ 2375647 w 4177553"/>
+              <a:gd name="connsiteY63" fmla="*/ 1963270 h 2429435"/>
+              <a:gd name="connsiteX64" fmla="*/ 2411506 w 4177553"/>
+              <a:gd name="connsiteY64" fmla="*/ 1999129 h 2429435"/>
+              <a:gd name="connsiteX65" fmla="*/ 2438400 w 4177553"/>
+              <a:gd name="connsiteY65" fmla="*/ 2017058 h 2429435"/>
+              <a:gd name="connsiteX66" fmla="*/ 2474259 w 4177553"/>
+              <a:gd name="connsiteY66" fmla="*/ 2052917 h 2429435"/>
+              <a:gd name="connsiteX67" fmla="*/ 2528047 w 4177553"/>
+              <a:gd name="connsiteY67" fmla="*/ 2070847 h 2429435"/>
+              <a:gd name="connsiteX68" fmla="*/ 2537012 w 4177553"/>
+              <a:gd name="connsiteY68" fmla="*/ 2097741 h 2429435"/>
+              <a:gd name="connsiteX69" fmla="*/ 2590800 w 4177553"/>
+              <a:gd name="connsiteY69" fmla="*/ 2133600 h 2429435"/>
+              <a:gd name="connsiteX70" fmla="*/ 2608729 w 4177553"/>
+              <a:gd name="connsiteY70" fmla="*/ 2160494 h 2429435"/>
+              <a:gd name="connsiteX71" fmla="*/ 2671482 w 4177553"/>
+              <a:gd name="connsiteY71" fmla="*/ 2214282 h 2429435"/>
+              <a:gd name="connsiteX72" fmla="*/ 2698376 w 4177553"/>
+              <a:gd name="connsiteY72" fmla="*/ 2223247 h 2429435"/>
+              <a:gd name="connsiteX73" fmla="*/ 2725271 w 4177553"/>
+              <a:gd name="connsiteY73" fmla="*/ 2241176 h 2429435"/>
+              <a:gd name="connsiteX74" fmla="*/ 2788024 w 4177553"/>
+              <a:gd name="connsiteY74" fmla="*/ 2259106 h 2429435"/>
+              <a:gd name="connsiteX75" fmla="*/ 2868706 w 4177553"/>
+              <a:gd name="connsiteY75" fmla="*/ 2286000 h 2429435"/>
+              <a:gd name="connsiteX76" fmla="*/ 2895600 w 4177553"/>
+              <a:gd name="connsiteY76" fmla="*/ 2294964 h 2429435"/>
+              <a:gd name="connsiteX77" fmla="*/ 2922494 w 4177553"/>
+              <a:gd name="connsiteY77" fmla="*/ 2303929 h 2429435"/>
+              <a:gd name="connsiteX78" fmla="*/ 2967318 w 4177553"/>
+              <a:gd name="connsiteY78" fmla="*/ 2339788 h 2429435"/>
+              <a:gd name="connsiteX79" fmla="*/ 2994212 w 4177553"/>
+              <a:gd name="connsiteY79" fmla="*/ 2348753 h 2429435"/>
+              <a:gd name="connsiteX80" fmla="*/ 3021106 w 4177553"/>
+              <a:gd name="connsiteY80" fmla="*/ 2366682 h 2429435"/>
+              <a:gd name="connsiteX81" fmla="*/ 3074894 w 4177553"/>
+              <a:gd name="connsiteY81" fmla="*/ 2384611 h 2429435"/>
+              <a:gd name="connsiteX82" fmla="*/ 3137647 w 4177553"/>
+              <a:gd name="connsiteY82" fmla="*/ 2411506 h 2429435"/>
+              <a:gd name="connsiteX83" fmla="*/ 3263153 w 4177553"/>
+              <a:gd name="connsiteY83" fmla="*/ 2420470 h 2429435"/>
+              <a:gd name="connsiteX84" fmla="*/ 3352800 w 4177553"/>
+              <a:gd name="connsiteY84" fmla="*/ 2429435 h 2429435"/>
+              <a:gd name="connsiteX85" fmla="*/ 3505200 w 4177553"/>
+              <a:gd name="connsiteY85" fmla="*/ 2420470 h 2429435"/>
+              <a:gd name="connsiteX86" fmla="*/ 3532094 w 4177553"/>
+              <a:gd name="connsiteY86" fmla="*/ 2393576 h 2429435"/>
+              <a:gd name="connsiteX87" fmla="*/ 3585882 w 4177553"/>
+              <a:gd name="connsiteY87" fmla="*/ 2357717 h 2429435"/>
+              <a:gd name="connsiteX88" fmla="*/ 3603812 w 4177553"/>
+              <a:gd name="connsiteY88" fmla="*/ 2339788 h 2429435"/>
+              <a:gd name="connsiteX89" fmla="*/ 3630706 w 4177553"/>
+              <a:gd name="connsiteY89" fmla="*/ 2330823 h 2429435"/>
+              <a:gd name="connsiteX90" fmla="*/ 3657600 w 4177553"/>
+              <a:gd name="connsiteY90" fmla="*/ 2303929 h 2429435"/>
+              <a:gd name="connsiteX91" fmla="*/ 3684494 w 4177553"/>
+              <a:gd name="connsiteY91" fmla="*/ 2286000 h 2429435"/>
+              <a:gd name="connsiteX92" fmla="*/ 3702424 w 4177553"/>
+              <a:gd name="connsiteY92" fmla="*/ 2259106 h 2429435"/>
+              <a:gd name="connsiteX93" fmla="*/ 3720353 w 4177553"/>
+              <a:gd name="connsiteY93" fmla="*/ 2241176 h 2429435"/>
+              <a:gd name="connsiteX94" fmla="*/ 3756212 w 4177553"/>
+              <a:gd name="connsiteY94" fmla="*/ 2196353 h 2429435"/>
+              <a:gd name="connsiteX95" fmla="*/ 3765176 w 4177553"/>
+              <a:gd name="connsiteY95" fmla="*/ 2169458 h 2429435"/>
+              <a:gd name="connsiteX96" fmla="*/ 3783106 w 4177553"/>
+              <a:gd name="connsiteY96" fmla="*/ 2151529 h 2429435"/>
+              <a:gd name="connsiteX97" fmla="*/ 3836894 w 4177553"/>
+              <a:gd name="connsiteY97" fmla="*/ 2079811 h 2429435"/>
+              <a:gd name="connsiteX98" fmla="*/ 3872753 w 4177553"/>
+              <a:gd name="connsiteY98" fmla="*/ 2034988 h 2429435"/>
+              <a:gd name="connsiteX99" fmla="*/ 3944471 w 4177553"/>
+              <a:gd name="connsiteY99" fmla="*/ 1981200 h 2429435"/>
+              <a:gd name="connsiteX100" fmla="*/ 3989294 w 4177553"/>
+              <a:gd name="connsiteY100" fmla="*/ 1954306 h 2429435"/>
+              <a:gd name="connsiteX101" fmla="*/ 4007224 w 4177553"/>
+              <a:gd name="connsiteY101" fmla="*/ 1936376 h 2429435"/>
+              <a:gd name="connsiteX102" fmla="*/ 4034118 w 4177553"/>
+              <a:gd name="connsiteY102" fmla="*/ 1927411 h 2429435"/>
+              <a:gd name="connsiteX103" fmla="*/ 4177553 w 4177553"/>
+              <a:gd name="connsiteY103" fmla="*/ 1927411 h 2429435"/>
+            </a:gdLst>
+            <a:ahLst/>
+            <a:cxnLst>
+              <a:cxn ang="0">
+                <a:pos x="connsiteX0" y="connsiteY0"/>
+              </a:cxn>
+              <a:cxn ang="0">
+                <a:pos x="connsiteX1" y="connsiteY1"/>
+              </a:cxn>
+              <a:cxn ang="0">
+                <a:pos x="connsiteX2" y="connsiteY2"/>
+              </a:cxn>
+              <a:cxn ang="0">
+                <a:pos x="connsiteX3" y="connsiteY3"/>
+              </a:cxn>
+              <a:cxn ang="0">
+                <a:pos x="connsiteX4" y="connsiteY4"/>
+              </a:cxn>
+              <a:cxn ang="0">
+                <a:pos x="connsiteX5" y="connsiteY5"/>
+              </a:cxn>
+              <a:cxn ang="0">
+                <a:pos x="connsiteX6" y="connsiteY6"/>
+              </a:cxn>
+              <a:cxn ang="0">
+                <a:pos x="connsiteX7" y="connsiteY7"/>
+              </a:cxn>
+              <a:cxn ang="0">
+                <a:pos x="connsiteX8" y="connsiteY8"/>
+              </a:cxn>
+              <a:cxn ang="0">
+                <a:pos x="connsiteX9" y="connsiteY9"/>
+              </a:cxn>
+              <a:cxn ang="0">
+                <a:pos x="connsiteX10" y="connsiteY10"/>
+              </a:cxn>
+              <a:cxn ang="0">
+                <a:pos x="connsiteX11" y="connsiteY11"/>
+              </a:cxn>
+              <a:cxn ang="0">
+                <a:pos x="connsiteX12" y="connsiteY12"/>
+              </a:cxn>
+              <a:cxn ang="0">
+                <a:pos x="connsiteX13" y="connsiteY13"/>
+              </a:cxn>
+              <a:cxn ang="0">
+                <a:pos x="connsiteX14" y="connsiteY14"/>
+              </a:cxn>
+              <a:cxn ang="0">
+                <a:pos x="connsiteX15" y="connsiteY15"/>
+              </a:cxn>
+              <a:cxn ang="0">
+                <a:pos x="connsiteX16" y="connsiteY16"/>
+              </a:cxn>
+              <a:cxn ang="0">
+                <a:pos x="connsiteX17" y="connsiteY17"/>
+              </a:cxn>
+              <a:cxn ang="0">
+                <a:pos x="connsiteX18" y="connsiteY18"/>
+              </a:cxn>
+              <a:cxn ang="0">
+                <a:pos x="connsiteX19" y="connsiteY19"/>
+              </a:cxn>
+              <a:cxn ang="0">
+                <a:pos x="connsiteX20" y="connsiteY20"/>
+              </a:cxn>
+              <a:cxn ang="0">
+                <a:pos x="connsiteX21" y="connsiteY21"/>
+              </a:cxn>
+              <a:cxn ang="0">
+                <a:pos x="connsiteX22" y="connsiteY22"/>
+              </a:cxn>
+              <a:cxn ang="0">
+                <a:pos x="connsiteX23" y="connsiteY23"/>
+              </a:cxn>
+              <a:cxn ang="0">
+                <a:pos x="connsiteX24" y="connsiteY24"/>
+              </a:cxn>
+              <a:cxn ang="0">
+                <a:pos x="connsiteX25" y="connsiteY25"/>
+              </a:cxn>
+              <a:cxn ang="0">
+                <a:pos x="connsiteX26" y="connsiteY26"/>
+              </a:cxn>
+              <a:cxn ang="0">
+                <a:pos x="connsiteX27" y="connsiteY27"/>
+              </a:cxn>
+              <a:cxn ang="0">
+                <a:pos x="connsiteX28" y="connsiteY28"/>
+              </a:cxn>
+              <a:cxn ang="0">
+                <a:pos x="connsiteX29" y="connsiteY29"/>
+              </a:cxn>
+              <a:cxn ang="0">
+                <a:pos x="connsiteX30" y="connsiteY30"/>
+              </a:cxn>
+              <a:cxn ang="0">
+                <a:pos x="connsiteX31" y="connsiteY31"/>
+              </a:cxn>
+              <a:cxn ang="0">
+                <a:pos x="connsiteX32" y="connsiteY32"/>
+              </a:cxn>
+              <a:cxn ang="0">
+                <a:pos x="connsiteX33" y="connsiteY33"/>
+              </a:cxn>
+              <a:cxn ang="0">
+                <a:pos x="connsiteX34" y="connsiteY34"/>
+              </a:cxn>
+              <a:cxn ang="0">
+                <a:pos x="connsiteX35" y="connsiteY35"/>
+              </a:cxn>
+              <a:cxn ang="0">
+                <a:pos x="connsiteX36" y="connsiteY36"/>
+              </a:cxn>
+              <a:cxn ang="0">
+                <a:pos x="connsiteX37" y="connsiteY37"/>
+              </a:cxn>
+              <a:cxn ang="0">
+                <a:pos x="connsiteX38" y="connsiteY38"/>
+              </a:cxn>
+              <a:cxn ang="0">
+                <a:pos x="connsiteX39" y="connsiteY39"/>
+              </a:cxn>
+              <a:cxn ang="0">
+                <a:pos x="connsiteX40" y="connsiteY40"/>
+              </a:cxn>
+              <a:cxn ang="0">
+                <a:pos x="connsiteX41" y="connsiteY41"/>
+              </a:cxn>
+              <a:cxn ang="0">
+                <a:pos x="connsiteX42" y="connsiteY42"/>
+              </a:cxn>
+              <a:cxn ang="0">
+                <a:pos x="connsiteX43" y="connsiteY43"/>
+              </a:cxn>
+              <a:cxn ang="0">
+                <a:pos x="connsiteX44" y="connsiteY44"/>
+              </a:cxn>
+              <a:cxn ang="0">
+                <a:pos x="connsiteX45" y="connsiteY45"/>
+              </a:cxn>
+              <a:cxn ang="0">
+                <a:pos x="connsiteX46" y="connsiteY46"/>
+              </a:cxn>
+              <a:cxn ang="0">
+                <a:pos x="connsiteX47" y="connsiteY47"/>
+              </a:cxn>
+              <a:cxn ang="0">
+                <a:pos x="connsiteX48" y="connsiteY48"/>
+              </a:cxn>
+              <a:cxn ang="0">
+                <a:pos x="connsiteX49" y="connsiteY49"/>
+              </a:cxn>
+              <a:cxn ang="0">
+                <a:pos x="connsiteX50" y="connsiteY50"/>
+              </a:cxn>
+              <a:cxn ang="0">
+                <a:pos x="connsiteX51" y="connsiteY51"/>
+              </a:cxn>
+              <a:cxn ang="0">
+                <a:pos x="connsiteX52" y="connsiteY52"/>
+              </a:cxn>
+              <a:cxn ang="0">
+                <a:pos x="connsiteX53" y="connsiteY53"/>
+              </a:cxn>
+              <a:cxn ang="0">
+                <a:pos x="connsiteX54" y="connsiteY54"/>
+              </a:cxn>
+              <a:cxn ang="0">
+                <a:pos x="connsiteX55" y="connsiteY55"/>
+              </a:cxn>
+              <a:cxn ang="0">
+                <a:pos x="connsiteX56" y="connsiteY56"/>
+              </a:cxn>
+              <a:cxn ang="0">
+                <a:pos x="connsiteX57" y="connsiteY57"/>
+              </a:cxn>
+              <a:cxn ang="0">
+                <a:pos x="connsiteX58" y="connsiteY58"/>
+              </a:cxn>
+              <a:cxn ang="0">
+                <a:pos x="connsiteX59" y="connsiteY59"/>
+              </a:cxn>
+              <a:cxn ang="0">
+                <a:pos x="connsiteX60" y="connsiteY60"/>
+              </a:cxn>
+              <a:cxn ang="0">
+                <a:pos x="connsiteX61" y="connsiteY61"/>
+              </a:cxn>
+              <a:cxn ang="0">
+                <a:pos x="connsiteX62" y="connsiteY62"/>
+              </a:cxn>
+              <a:cxn ang="0">
+                <a:pos x="connsiteX63" y="connsiteY63"/>
+              </a:cxn>
+              <a:cxn ang="0">
+                <a:pos x="connsiteX64" y="connsiteY64"/>
+              </a:cxn>
+              <a:cxn ang="0">
+                <a:pos x="connsiteX65" y="connsiteY65"/>
+              </a:cxn>
+              <a:cxn ang="0">
+                <a:pos x="connsiteX66" y="connsiteY66"/>
+              </a:cxn>
+              <a:cxn ang="0">
+                <a:pos x="connsiteX67" y="connsiteY67"/>
+              </a:cxn>
+              <a:cxn ang="0">
+                <a:pos x="connsiteX68" y="connsiteY68"/>
+              </a:cxn>
+              <a:cxn ang="0">
+                <a:pos x="connsiteX69" y="connsiteY69"/>
+              </a:cxn>
+              <a:cxn ang="0">
+                <a:pos x="connsiteX70" y="connsiteY70"/>
+              </a:cxn>
+              <a:cxn ang="0">
+                <a:pos x="connsiteX71" y="connsiteY71"/>
+              </a:cxn>
+              <a:cxn ang="0">
+                <a:pos x="connsiteX72" y="connsiteY72"/>
+              </a:cxn>
+              <a:cxn ang="0">
+                <a:pos x="connsiteX73" y="connsiteY73"/>
+              </a:cxn>
+              <a:cxn ang="0">
+                <a:pos x="connsiteX74" y="connsiteY74"/>
+              </a:cxn>
+              <a:cxn ang="0">
+                <a:pos x="connsiteX75" y="connsiteY75"/>
+              </a:cxn>
+              <a:cxn ang="0">
+                <a:pos x="connsiteX76" y="connsiteY76"/>
+              </a:cxn>
+              <a:cxn ang="0">
+                <a:pos x="connsiteX77" y="connsiteY77"/>
+              </a:cxn>
+              <a:cxn ang="0">
+                <a:pos x="connsiteX78" y="connsiteY78"/>
+              </a:cxn>
+              <a:cxn ang="0">
+                <a:pos x="connsiteX79" y="connsiteY79"/>
+              </a:cxn>
+              <a:cxn ang="0">
+                <a:pos x="connsiteX80" y="connsiteY80"/>
+              </a:cxn>
+              <a:cxn ang="0">
+                <a:pos x="connsiteX81" y="connsiteY81"/>
+              </a:cxn>
+              <a:cxn ang="0">
+                <a:pos x="connsiteX82" y="connsiteY82"/>
+              </a:cxn>
+              <a:cxn ang="0">
+                <a:pos x="connsiteX83" y="connsiteY83"/>
+              </a:cxn>
+              <a:cxn ang="0">
+                <a:pos x="connsiteX84" y="connsiteY84"/>
+              </a:cxn>
+              <a:cxn ang="0">
+                <a:pos x="connsiteX85" y="connsiteY85"/>
+              </a:cxn>
+              <a:cxn ang="0">
+                <a:pos x="connsiteX86" y="connsiteY86"/>
+              </a:cxn>
+              <a:cxn ang="0">
+                <a:pos x="connsiteX87" y="connsiteY87"/>
+              </a:cxn>
+              <a:cxn ang="0">
+                <a:pos x="connsiteX88" y="connsiteY88"/>
+              </a:cxn>
+              <a:cxn ang="0">
+                <a:pos x="connsiteX89" y="connsiteY89"/>
+              </a:cxn>
+              <a:cxn ang="0">
+                <a:pos x="connsiteX90" y="connsiteY90"/>
+              </a:cxn>
+              <a:cxn ang="0">
+                <a:pos x="connsiteX91" y="connsiteY91"/>
+              </a:cxn>
+              <a:cxn ang="0">
+                <a:pos x="connsiteX92" y="connsiteY92"/>
+              </a:cxn>
+              <a:cxn ang="0">
+                <a:pos x="connsiteX93" y="connsiteY93"/>
+              </a:cxn>
+              <a:cxn ang="0">
+                <a:pos x="connsiteX94" y="connsiteY94"/>
+              </a:cxn>
+              <a:cxn ang="0">
+                <a:pos x="connsiteX95" y="connsiteY95"/>
+              </a:cxn>
+              <a:cxn ang="0">
+                <a:pos x="connsiteX96" y="connsiteY96"/>
+              </a:cxn>
+              <a:cxn ang="0">
+                <a:pos x="connsiteX97" y="connsiteY97"/>
+              </a:cxn>
+              <a:cxn ang="0">
+                <a:pos x="connsiteX98" y="connsiteY98"/>
+              </a:cxn>
+              <a:cxn ang="0">
+                <a:pos x="connsiteX99" y="connsiteY99"/>
+              </a:cxn>
+              <a:cxn ang="0">
+                <a:pos x="connsiteX100" y="connsiteY100"/>
+              </a:cxn>
+              <a:cxn ang="0">
+                <a:pos x="connsiteX101" y="connsiteY101"/>
+              </a:cxn>
+              <a:cxn ang="0">
+                <a:pos x="connsiteX102" y="connsiteY102"/>
+              </a:cxn>
+              <a:cxn ang="0">
+                <a:pos x="connsiteX103" y="connsiteY103"/>
+              </a:cxn>
+            </a:cxnLst>
+            <a:rect l="l" t="t" r="r" b="b"/>
+            <a:pathLst>
+              <a:path w="4177553" h="2429435">
+                <a:moveTo>
+                  <a:pt x="26894" y="0"/>
+                </a:moveTo>
+                <a:cubicBezTo>
+                  <a:pt x="23906" y="14941"/>
+                  <a:pt x="21938" y="30123"/>
+                  <a:pt x="17929" y="44823"/>
+                </a:cubicBezTo>
+                <a:cubicBezTo>
+                  <a:pt x="12956" y="63056"/>
+                  <a:pt x="0" y="98611"/>
+                  <a:pt x="0" y="98611"/>
+                </a:cubicBezTo>
+                <a:cubicBezTo>
+                  <a:pt x="1554" y="109485"/>
+                  <a:pt x="6196" y="168702"/>
+                  <a:pt x="17929" y="188258"/>
+                </a:cubicBezTo>
+                <a:cubicBezTo>
+                  <a:pt x="28700" y="206210"/>
+                  <a:pt x="47663" y="211183"/>
+                  <a:pt x="62753" y="224117"/>
+                </a:cubicBezTo>
+                <a:cubicBezTo>
+                  <a:pt x="93629" y="250582"/>
+                  <a:pt x="92579" y="261443"/>
+                  <a:pt x="125506" y="277906"/>
+                </a:cubicBezTo>
+                <a:cubicBezTo>
+                  <a:pt x="140564" y="285435"/>
+                  <a:pt x="173906" y="291529"/>
+                  <a:pt x="188259" y="295835"/>
+                </a:cubicBezTo>
+                <a:cubicBezTo>
+                  <a:pt x="206361" y="301266"/>
+                  <a:pt x="242047" y="313764"/>
+                  <a:pt x="242047" y="313764"/>
+                </a:cubicBezTo>
+                <a:cubicBezTo>
+                  <a:pt x="251012" y="319741"/>
+                  <a:pt x="259038" y="327450"/>
+                  <a:pt x="268941" y="331694"/>
+                </a:cubicBezTo>
+                <a:cubicBezTo>
+                  <a:pt x="287155" y="339500"/>
+                  <a:pt x="344693" y="346844"/>
+                  <a:pt x="358588" y="349623"/>
+                </a:cubicBezTo>
+                <a:cubicBezTo>
+                  <a:pt x="405308" y="358967"/>
+                  <a:pt x="381459" y="356159"/>
+                  <a:pt x="421341" y="367553"/>
+                </a:cubicBezTo>
+                <a:cubicBezTo>
+                  <a:pt x="433188" y="370938"/>
+                  <a:pt x="445247" y="373529"/>
+                  <a:pt x="457200" y="376517"/>
+                </a:cubicBezTo>
+                <a:cubicBezTo>
+                  <a:pt x="466165" y="382494"/>
+                  <a:pt x="474457" y="389629"/>
+                  <a:pt x="484094" y="394447"/>
+                </a:cubicBezTo>
+                <a:cubicBezTo>
+                  <a:pt x="492546" y="398673"/>
+                  <a:pt x="502885" y="398549"/>
+                  <a:pt x="510988" y="403411"/>
+                </a:cubicBezTo>
+                <a:cubicBezTo>
+                  <a:pt x="564085" y="435269"/>
+                  <a:pt x="471075" y="419991"/>
+                  <a:pt x="582706" y="457200"/>
+                </a:cubicBezTo>
+                <a:lnTo>
+                  <a:pt x="636494" y="475129"/>
+                </a:lnTo>
+                <a:cubicBezTo>
+                  <a:pt x="648447" y="487082"/>
+                  <a:pt x="662976" y="496923"/>
+                  <a:pt x="672353" y="510988"/>
+                </a:cubicBezTo>
+                <a:cubicBezTo>
+                  <a:pt x="678329" y="519953"/>
+                  <a:pt x="681869" y="531151"/>
+                  <a:pt x="690282" y="537882"/>
+                </a:cubicBezTo>
+                <a:cubicBezTo>
+                  <a:pt x="697661" y="543785"/>
+                  <a:pt x="708211" y="543859"/>
+                  <a:pt x="717176" y="546847"/>
+                </a:cubicBezTo>
+                <a:cubicBezTo>
+                  <a:pt x="726141" y="558800"/>
+                  <a:pt x="733506" y="572141"/>
+                  <a:pt x="744071" y="582706"/>
+                </a:cubicBezTo>
+                <a:cubicBezTo>
+                  <a:pt x="754636" y="593271"/>
+                  <a:pt x="768451" y="600035"/>
+                  <a:pt x="779929" y="609600"/>
+                </a:cubicBezTo>
+                <a:cubicBezTo>
+                  <a:pt x="786422" y="615011"/>
+                  <a:pt x="791259" y="622249"/>
+                  <a:pt x="797859" y="627529"/>
+                </a:cubicBezTo>
+                <a:cubicBezTo>
+                  <a:pt x="806272" y="634259"/>
+                  <a:pt x="816573" y="638446"/>
+                  <a:pt x="824753" y="645458"/>
+                </a:cubicBezTo>
+                <a:cubicBezTo>
+                  <a:pt x="855629" y="671923"/>
+                  <a:pt x="854579" y="682784"/>
+                  <a:pt x="887506" y="699247"/>
+                </a:cubicBezTo>
+                <a:cubicBezTo>
+                  <a:pt x="895958" y="703473"/>
+                  <a:pt x="905435" y="705223"/>
+                  <a:pt x="914400" y="708211"/>
+                </a:cubicBezTo>
+                <a:cubicBezTo>
+                  <a:pt x="917388" y="717176"/>
+                  <a:pt x="916683" y="728424"/>
+                  <a:pt x="923365" y="735106"/>
+                </a:cubicBezTo>
+                <a:cubicBezTo>
+                  <a:pt x="930047" y="741788"/>
+                  <a:pt x="942156" y="739208"/>
+                  <a:pt x="950259" y="744070"/>
+                </a:cubicBezTo>
+                <a:cubicBezTo>
+                  <a:pt x="1011786" y="780987"/>
+                  <a:pt x="918896" y="745571"/>
+                  <a:pt x="995082" y="770964"/>
+                </a:cubicBezTo>
+                <a:cubicBezTo>
+                  <a:pt x="1004047" y="776941"/>
+                  <a:pt x="1013563" y="782163"/>
+                  <a:pt x="1021976" y="788894"/>
+                </a:cubicBezTo>
+                <a:cubicBezTo>
+                  <a:pt x="1028576" y="794174"/>
+                  <a:pt x="1032346" y="803043"/>
+                  <a:pt x="1039906" y="806823"/>
+                </a:cubicBezTo>
+                <a:cubicBezTo>
+                  <a:pt x="1143143" y="858440"/>
+                  <a:pt x="1005726" y="767531"/>
+                  <a:pt x="1111624" y="833717"/>
+                </a:cubicBezTo>
+                <a:cubicBezTo>
+                  <a:pt x="1124294" y="841636"/>
+                  <a:pt x="1134118" y="853929"/>
+                  <a:pt x="1147482" y="860611"/>
+                </a:cubicBezTo>
+                <a:cubicBezTo>
+                  <a:pt x="1164386" y="869063"/>
+                  <a:pt x="1201271" y="878541"/>
+                  <a:pt x="1201271" y="878541"/>
+                </a:cubicBezTo>
+                <a:cubicBezTo>
+                  <a:pt x="1204259" y="887506"/>
+                  <a:pt x="1205373" y="897332"/>
+                  <a:pt x="1210235" y="905435"/>
+                </a:cubicBezTo>
+                <a:cubicBezTo>
+                  <a:pt x="1214584" y="912683"/>
+                  <a:pt x="1221403" y="918293"/>
+                  <a:pt x="1228165" y="923364"/>
+                </a:cubicBezTo>
+                <a:cubicBezTo>
+                  <a:pt x="1260132" y="947339"/>
+                  <a:pt x="1294867" y="960664"/>
+                  <a:pt x="1317812" y="995082"/>
+                </a:cubicBezTo>
+                <a:cubicBezTo>
+                  <a:pt x="1323788" y="1004047"/>
+                  <a:pt x="1330923" y="1012339"/>
+                  <a:pt x="1335741" y="1021976"/>
+                </a:cubicBezTo>
+                <a:cubicBezTo>
+                  <a:pt x="1339967" y="1030428"/>
+                  <a:pt x="1339844" y="1040767"/>
+                  <a:pt x="1344706" y="1048870"/>
+                </a:cubicBezTo>
+                <a:cubicBezTo>
+                  <a:pt x="1349054" y="1056118"/>
+                  <a:pt x="1356659" y="1060823"/>
+                  <a:pt x="1362635" y="1066800"/>
+                </a:cubicBezTo>
+                <a:cubicBezTo>
+                  <a:pt x="1365623" y="1075765"/>
+                  <a:pt x="1367374" y="1085242"/>
+                  <a:pt x="1371600" y="1093694"/>
+                </a:cubicBezTo>
+                <a:cubicBezTo>
+                  <a:pt x="1382910" y="1116314"/>
+                  <a:pt x="1390781" y="1121840"/>
+                  <a:pt x="1407459" y="1138517"/>
+                </a:cubicBezTo>
+                <a:cubicBezTo>
+                  <a:pt x="1424600" y="1189937"/>
+                  <a:pt x="1404820" y="1143964"/>
+                  <a:pt x="1434353" y="1183341"/>
+                </a:cubicBezTo>
+                <a:cubicBezTo>
+                  <a:pt x="1482303" y="1247275"/>
+                  <a:pt x="1446766" y="1229313"/>
+                  <a:pt x="1497106" y="1246094"/>
+                </a:cubicBezTo>
+                <a:cubicBezTo>
+                  <a:pt x="1543784" y="1316113"/>
+                  <a:pt x="1484196" y="1238654"/>
+                  <a:pt x="1541929" y="1281953"/>
+                </a:cubicBezTo>
+                <a:cubicBezTo>
+                  <a:pt x="1597228" y="1323427"/>
+                  <a:pt x="1573576" y="1314787"/>
+                  <a:pt x="1604682" y="1353670"/>
+                </a:cubicBezTo>
+                <a:cubicBezTo>
+                  <a:pt x="1609962" y="1360270"/>
+                  <a:pt x="1617332" y="1365000"/>
+                  <a:pt x="1622612" y="1371600"/>
+                </a:cubicBezTo>
+                <a:cubicBezTo>
+                  <a:pt x="1629343" y="1380013"/>
+                  <a:pt x="1633810" y="1390081"/>
+                  <a:pt x="1640541" y="1398494"/>
+                </a:cubicBezTo>
+                <a:cubicBezTo>
+                  <a:pt x="1645821" y="1405094"/>
+                  <a:pt x="1651709" y="1411352"/>
+                  <a:pt x="1658471" y="1416423"/>
+                </a:cubicBezTo>
+                <a:cubicBezTo>
+                  <a:pt x="1675710" y="1429352"/>
+                  <a:pt x="1712259" y="1452282"/>
+                  <a:pt x="1712259" y="1452282"/>
+                </a:cubicBezTo>
+                <a:cubicBezTo>
+                  <a:pt x="1755946" y="1517814"/>
+                  <a:pt x="1701972" y="1448777"/>
+                  <a:pt x="1757082" y="1488141"/>
+                </a:cubicBezTo>
+                <a:cubicBezTo>
+                  <a:pt x="1831525" y="1541315"/>
+                  <a:pt x="1759071" y="1512711"/>
+                  <a:pt x="1819835" y="1532964"/>
+                </a:cubicBezTo>
+                <a:cubicBezTo>
+                  <a:pt x="1825812" y="1538941"/>
+                  <a:pt x="1831003" y="1545823"/>
+                  <a:pt x="1837765" y="1550894"/>
+                </a:cubicBezTo>
+                <a:cubicBezTo>
+                  <a:pt x="1855004" y="1563823"/>
+                  <a:pt x="1891553" y="1586753"/>
+                  <a:pt x="1891553" y="1586753"/>
+                </a:cubicBezTo>
+                <a:cubicBezTo>
+                  <a:pt x="1894541" y="1595718"/>
+                  <a:pt x="1895276" y="1605784"/>
+                  <a:pt x="1900518" y="1613647"/>
+                </a:cubicBezTo>
+                <a:cubicBezTo>
+                  <a:pt x="1918773" y="1641029"/>
+                  <a:pt x="1930680" y="1639569"/>
+                  <a:pt x="1954306" y="1658470"/>
+                </a:cubicBezTo>
+                <a:cubicBezTo>
+                  <a:pt x="1989465" y="1686598"/>
+                  <a:pt x="1952423" y="1669796"/>
+                  <a:pt x="1999129" y="1685364"/>
+                </a:cubicBezTo>
+                <a:cubicBezTo>
+                  <a:pt x="2040247" y="1726482"/>
+                  <a:pt x="1989756" y="1678336"/>
+                  <a:pt x="2070847" y="1739153"/>
+                </a:cubicBezTo>
+                <a:cubicBezTo>
+                  <a:pt x="2082800" y="1748118"/>
+                  <a:pt x="2094548" y="1757363"/>
+                  <a:pt x="2106706" y="1766047"/>
+                </a:cubicBezTo>
+                <a:cubicBezTo>
+                  <a:pt x="2115473" y="1772309"/>
+                  <a:pt x="2125187" y="1777245"/>
+                  <a:pt x="2133600" y="1783976"/>
+                </a:cubicBezTo>
+                <a:cubicBezTo>
+                  <a:pt x="2168759" y="1812104"/>
+                  <a:pt x="2131717" y="1795303"/>
+                  <a:pt x="2178424" y="1810870"/>
+                </a:cubicBezTo>
+                <a:cubicBezTo>
+                  <a:pt x="2289010" y="1921459"/>
+                  <a:pt x="2176018" y="1814325"/>
+                  <a:pt x="2250141" y="1873623"/>
+                </a:cubicBezTo>
+                <a:cubicBezTo>
+                  <a:pt x="2256741" y="1878903"/>
+                  <a:pt x="2261471" y="1886273"/>
+                  <a:pt x="2268071" y="1891553"/>
+                </a:cubicBezTo>
+                <a:cubicBezTo>
+                  <a:pt x="2292896" y="1911413"/>
+                  <a:pt x="2293454" y="1908978"/>
+                  <a:pt x="2321859" y="1918447"/>
+                </a:cubicBezTo>
+                <a:cubicBezTo>
+                  <a:pt x="2415117" y="2011705"/>
+                  <a:pt x="2288280" y="1888384"/>
+                  <a:pt x="2375647" y="1963270"/>
+                </a:cubicBezTo>
+                <a:cubicBezTo>
+                  <a:pt x="2388482" y="1974271"/>
+                  <a:pt x="2397441" y="1989752"/>
+                  <a:pt x="2411506" y="1999129"/>
+                </a:cubicBezTo>
+                <a:cubicBezTo>
+                  <a:pt x="2420471" y="2005105"/>
+                  <a:pt x="2430220" y="2010046"/>
+                  <a:pt x="2438400" y="2017058"/>
+                </a:cubicBezTo>
+                <a:cubicBezTo>
+                  <a:pt x="2451235" y="2028059"/>
+                  <a:pt x="2458222" y="2047571"/>
+                  <a:pt x="2474259" y="2052917"/>
+                </a:cubicBezTo>
+                <a:lnTo>
+                  <a:pt x="2528047" y="2070847"/>
+                </a:lnTo>
+                <a:cubicBezTo>
+                  <a:pt x="2531035" y="2079812"/>
+                  <a:pt x="2530330" y="2091059"/>
+                  <a:pt x="2537012" y="2097741"/>
+                </a:cubicBezTo>
+                <a:cubicBezTo>
+                  <a:pt x="2552249" y="2112978"/>
+                  <a:pt x="2590800" y="2133600"/>
+                  <a:pt x="2590800" y="2133600"/>
+                </a:cubicBezTo>
+                <a:cubicBezTo>
+                  <a:pt x="2596776" y="2142565"/>
+                  <a:pt x="2601717" y="2152314"/>
+                  <a:pt x="2608729" y="2160494"/>
+                </a:cubicBezTo>
+                <a:cubicBezTo>
+                  <a:pt x="2625272" y="2179795"/>
+                  <a:pt x="2647690" y="2202386"/>
+                  <a:pt x="2671482" y="2214282"/>
+                </a:cubicBezTo>
+                <a:cubicBezTo>
+                  <a:pt x="2679934" y="2218508"/>
+                  <a:pt x="2689924" y="2219021"/>
+                  <a:pt x="2698376" y="2223247"/>
+                </a:cubicBezTo>
+                <a:cubicBezTo>
+                  <a:pt x="2708013" y="2228065"/>
+                  <a:pt x="2715634" y="2236358"/>
+                  <a:pt x="2725271" y="2241176"/>
+                </a:cubicBezTo>
+                <a:cubicBezTo>
+                  <a:pt x="2740337" y="2248709"/>
+                  <a:pt x="2773660" y="2254797"/>
+                  <a:pt x="2788024" y="2259106"/>
+                </a:cubicBezTo>
+                <a:cubicBezTo>
+                  <a:pt x="2788074" y="2259121"/>
+                  <a:pt x="2855234" y="2281510"/>
+                  <a:pt x="2868706" y="2286000"/>
+                </a:cubicBezTo>
+                <a:lnTo>
+                  <a:pt x="2895600" y="2294964"/>
+                </a:lnTo>
+                <a:lnTo>
+                  <a:pt x="2922494" y="2303929"/>
+                </a:lnTo>
+                <a:cubicBezTo>
+                  <a:pt x="2939170" y="2320604"/>
+                  <a:pt x="2944702" y="2328480"/>
+                  <a:pt x="2967318" y="2339788"/>
+                </a:cubicBezTo>
+                <a:cubicBezTo>
+                  <a:pt x="2975770" y="2344014"/>
+                  <a:pt x="2985760" y="2344527"/>
+                  <a:pt x="2994212" y="2348753"/>
+                </a:cubicBezTo>
+                <a:cubicBezTo>
+                  <a:pt x="3003849" y="2353571"/>
+                  <a:pt x="3011260" y="2362306"/>
+                  <a:pt x="3021106" y="2366682"/>
+                </a:cubicBezTo>
+                <a:cubicBezTo>
+                  <a:pt x="3038376" y="2374358"/>
+                  <a:pt x="3074894" y="2384611"/>
+                  <a:pt x="3074894" y="2384611"/>
+                </a:cubicBezTo>
+                <a:cubicBezTo>
+                  <a:pt x="3100478" y="2410195"/>
+                  <a:pt x="3090160" y="2406507"/>
+                  <a:pt x="3137647" y="2411506"/>
+                </a:cubicBezTo>
+                <a:cubicBezTo>
+                  <a:pt x="3179358" y="2415897"/>
+                  <a:pt x="3221356" y="2416987"/>
+                  <a:pt x="3263153" y="2420470"/>
+                </a:cubicBezTo>
+                <a:cubicBezTo>
+                  <a:pt x="3293081" y="2422964"/>
+                  <a:pt x="3322918" y="2426447"/>
+                  <a:pt x="3352800" y="2429435"/>
+                </a:cubicBezTo>
+                <a:cubicBezTo>
+                  <a:pt x="3403600" y="2426447"/>
+                  <a:pt x="3455300" y="2430450"/>
+                  <a:pt x="3505200" y="2420470"/>
+                </a:cubicBezTo>
+                <a:cubicBezTo>
+                  <a:pt x="3517632" y="2417984"/>
+                  <a:pt x="3522087" y="2401360"/>
+                  <a:pt x="3532094" y="2393576"/>
+                </a:cubicBezTo>
+                <a:cubicBezTo>
+                  <a:pt x="3549103" y="2380346"/>
+                  <a:pt x="3570645" y="2372954"/>
+                  <a:pt x="3585882" y="2357717"/>
+                </a:cubicBezTo>
+                <a:cubicBezTo>
+                  <a:pt x="3591859" y="2351741"/>
+                  <a:pt x="3596564" y="2344136"/>
+                  <a:pt x="3603812" y="2339788"/>
+                </a:cubicBezTo>
+                <a:cubicBezTo>
+                  <a:pt x="3611915" y="2334926"/>
+                  <a:pt x="3621741" y="2333811"/>
+                  <a:pt x="3630706" y="2330823"/>
+                </a:cubicBezTo>
+                <a:cubicBezTo>
+                  <a:pt x="3639671" y="2321858"/>
+                  <a:pt x="3647860" y="2312045"/>
+                  <a:pt x="3657600" y="2303929"/>
+                </a:cubicBezTo>
+                <a:cubicBezTo>
+                  <a:pt x="3665877" y="2297032"/>
+                  <a:pt x="3676875" y="2293618"/>
+                  <a:pt x="3684494" y="2286000"/>
+                </a:cubicBezTo>
+                <a:cubicBezTo>
+                  <a:pt x="3692113" y="2278381"/>
+                  <a:pt x="3695693" y="2267519"/>
+                  <a:pt x="3702424" y="2259106"/>
+                </a:cubicBezTo>
+                <a:cubicBezTo>
+                  <a:pt x="3707704" y="2252506"/>
+                  <a:pt x="3714377" y="2247153"/>
+                  <a:pt x="3720353" y="2241176"/>
+                </a:cubicBezTo>
+                <a:cubicBezTo>
+                  <a:pt x="3742888" y="2173573"/>
+                  <a:pt x="3709868" y="2254285"/>
+                  <a:pt x="3756212" y="2196353"/>
+                </a:cubicBezTo>
+                <a:cubicBezTo>
+                  <a:pt x="3762115" y="2188974"/>
+                  <a:pt x="3760314" y="2177561"/>
+                  <a:pt x="3765176" y="2169458"/>
+                </a:cubicBezTo>
+                <a:cubicBezTo>
+                  <a:pt x="3769524" y="2162210"/>
+                  <a:pt x="3778035" y="2158291"/>
+                  <a:pt x="3783106" y="2151529"/>
+                </a:cubicBezTo>
+                <a:cubicBezTo>
+                  <a:pt x="3843934" y="2070426"/>
+                  <a:pt x="3795773" y="2120934"/>
+                  <a:pt x="3836894" y="2079811"/>
+                </a:cubicBezTo>
+                <a:cubicBezTo>
+                  <a:pt x="3851976" y="2034566"/>
+                  <a:pt x="3834907" y="2067428"/>
+                  <a:pt x="3872753" y="2034988"/>
+                </a:cubicBezTo>
+                <a:cubicBezTo>
+                  <a:pt x="3936185" y="1980618"/>
+                  <a:pt x="3879165" y="2013852"/>
+                  <a:pt x="3944471" y="1981200"/>
+                </a:cubicBezTo>
+                <a:cubicBezTo>
+                  <a:pt x="3989898" y="1935771"/>
+                  <a:pt x="3931109" y="1989216"/>
+                  <a:pt x="3989294" y="1954306"/>
+                </a:cubicBezTo>
+                <a:cubicBezTo>
+                  <a:pt x="3996542" y="1949957"/>
+                  <a:pt x="3999976" y="1940725"/>
+                  <a:pt x="4007224" y="1936376"/>
+                </a:cubicBezTo>
+                <a:cubicBezTo>
+                  <a:pt x="4015327" y="1931514"/>
+                  <a:pt x="4024681" y="1927908"/>
+                  <a:pt x="4034118" y="1927411"/>
+                </a:cubicBezTo>
+                <a:cubicBezTo>
+                  <a:pt x="4081864" y="1924898"/>
+                  <a:pt x="4129741" y="1927411"/>
+                  <a:pt x="4177553" y="1927411"/>
+                </a:cubicBezTo>
+              </a:path>
+            </a:pathLst>
+          </a:custGeom>
+          <a:noFill/>
+          <a:ln w="76200">
+            <a:solidFill>
+              <a:schemeClr val="accent4"/>
+            </a:solidFill>
+          </a:ln>
+        </p:spPr>
+        <p:style>
+          <a:lnRef idx="2">
+            <a:schemeClr val="accent1">
+              <a:shade val="50000"/>
+            </a:schemeClr>
+          </a:lnRef>
+          <a:fillRef idx="1">
+            <a:schemeClr val="accent1"/>
+          </a:fillRef>
+          <a:effectRef idx="0">
+            <a:schemeClr val="accent1"/>
+          </a:effectRef>
+          <a:fontRef idx="minor">
+            <a:schemeClr val="lt1"/>
+          </a:fontRef>
+        </p:style>
+        <p:txBody>
+          <a:bodyPr rtlCol="0" anchor="ctr"/>
+          <a:lstStyle/>
+          <a:p>
+            <a:pPr algn="ctr"/>
+            <a:endParaRPr lang="ko-KR" altLang="en-US"/>
+          </a:p>
+        </p:txBody>
+      </p:sp>
+      <p:pic>
+        <p:nvPicPr>
+          <p:cNvPr id="30" name="그림 29">
+            <a:extLst>
+              <a:ext uri="{FF2B5EF4-FFF2-40B4-BE49-F238E27FC236}">
+                <a16:creationId xmlns:a16="http://schemas.microsoft.com/office/drawing/2014/main" id="{1E8FDE98-4DD6-4226-8E58-42BC1487C8B1}"/>
+              </a:ext>
+            </a:extLst>
+          </p:cNvPr>
+          <p:cNvPicPr>
+            <a:picLocks noChangeAspect="1"/>
+          </p:cNvPicPr>
+          <p:nvPr/>
+        </p:nvPicPr>
+        <p:blipFill>
+          <a:blip r:embed="rId5">
+            <a:extLst>
+              <a:ext uri="{28A0092B-C50C-407E-A947-70E740481C1C}">
+                <a14:useLocalDpi xmlns:a14="http://schemas.microsoft.com/office/drawing/2010/main" val="0"/>
+              </a:ext>
+            </a:extLst>
+          </a:blip>
+          <a:stretch>
+            <a:fillRect/>
+          </a:stretch>
+        </p:blipFill>
+        <p:spPr>
+          <a:xfrm>
+            <a:off x="5181600" y="2581362"/>
+            <a:ext cx="753980" cy="753980"/>
+          </a:xfrm>
+          <a:prstGeom prst="rect">
+            <a:avLst/>
+          </a:prstGeom>
+        </p:spPr>
+      </p:pic>
+      <p:sp>
+        <p:nvSpPr>
+          <p:cNvPr id="3" name="곱하기 기호 2">
+            <a:extLst>
+              <a:ext uri="{FF2B5EF4-FFF2-40B4-BE49-F238E27FC236}">
+                <a16:creationId xmlns:a16="http://schemas.microsoft.com/office/drawing/2014/main" id="{A9E72719-B27B-40F8-AECE-804412D268B3}"/>
+              </a:ext>
+            </a:extLst>
+          </p:cNvPr>
+          <p:cNvSpPr/>
+          <p:nvPr/>
+        </p:nvSpPr>
+        <p:spPr>
+          <a:xfrm>
+            <a:off x="4705048" y="1362285"/>
             <a:ext cx="699247" cy="670461"/>
           </a:xfrm>
           <a:prstGeom prst="mathMultiply">
@@ -8873,10 +12764,1552 @@
           </a:p>
         </p:txBody>
       </p:sp>
+      <p:sp>
+        <p:nvSpPr>
+          <p:cNvPr id="10" name="TextBox 9">
+            <a:extLst>
+              <a:ext uri="{FF2B5EF4-FFF2-40B4-BE49-F238E27FC236}">
+                <a16:creationId xmlns:a16="http://schemas.microsoft.com/office/drawing/2014/main" id="{8CA27BA5-BB2E-4283-A5B0-34C65FA46BCB}"/>
+              </a:ext>
+            </a:extLst>
+          </p:cNvPr>
+          <p:cNvSpPr txBox="1"/>
+          <p:nvPr/>
+        </p:nvSpPr>
+        <p:spPr>
+          <a:xfrm>
+            <a:off x="701488" y="286452"/>
+            <a:ext cx="2911289" cy="707886"/>
+          </a:xfrm>
+          <a:prstGeom prst="rect">
+            <a:avLst/>
+          </a:prstGeom>
+          <a:solidFill>
+            <a:schemeClr val="accent4">
+              <a:lumMod val="40000"/>
+              <a:lumOff val="60000"/>
+            </a:schemeClr>
+          </a:solidFill>
+        </p:spPr>
+        <p:txBody>
+          <a:bodyPr wrap="square" rtlCol="0">
+            <a:spAutoFit/>
+          </a:bodyPr>
+          <a:lstStyle/>
+          <a:p>
+            <a:pPr algn="ctr"/>
+            <a:r>
+              <a:rPr lang="ko-KR" altLang="en-US" sz="4000" dirty="0">
+                <a:latin typeface="나눔스퀘어OTF Bold" panose="020B0600000101010101" pitchFamily="34" charset="-127"/>
+                <a:ea typeface="나눔스퀘어OTF Bold" panose="020B0600000101010101" pitchFamily="34" charset="-127"/>
+              </a:rPr>
+              <a:t>지역</a:t>
+            </a:r>
+            <a:r>
+              <a:rPr lang="en-US" altLang="ko-KR" sz="4000" dirty="0">
+                <a:latin typeface="나눔스퀘어OTF Bold" panose="020B0600000101010101" pitchFamily="34" charset="-127"/>
+                <a:ea typeface="나눔스퀘어OTF Bold" panose="020B0600000101010101" pitchFamily="34" charset="-127"/>
+              </a:rPr>
+              <a:t>: </a:t>
+            </a:r>
+            <a:r>
+              <a:rPr lang="ko-KR" altLang="en-US" sz="4000" dirty="0">
+                <a:latin typeface="나눔스퀘어OTF Bold" panose="020B0600000101010101" pitchFamily="34" charset="-127"/>
+                <a:ea typeface="나눔스퀘어OTF Bold" panose="020B0600000101010101" pitchFamily="34" charset="-127"/>
+              </a:rPr>
+              <a:t>대구</a:t>
+            </a:r>
+          </a:p>
+        </p:txBody>
+      </p:sp>
+      <p:sp>
+        <p:nvSpPr>
+          <p:cNvPr id="12" name="이등변 삼각형 11">
+            <a:extLst>
+              <a:ext uri="{FF2B5EF4-FFF2-40B4-BE49-F238E27FC236}">
+                <a16:creationId xmlns:a16="http://schemas.microsoft.com/office/drawing/2014/main" id="{C33E356E-2355-4342-A1F7-99F2257978D1}"/>
+              </a:ext>
+            </a:extLst>
+          </p:cNvPr>
+          <p:cNvSpPr/>
+          <p:nvPr/>
+        </p:nvSpPr>
+        <p:spPr>
+          <a:xfrm rot="19571438">
+            <a:off x="9148671" y="4902245"/>
+            <a:ext cx="279327" cy="219636"/>
+          </a:xfrm>
+          <a:prstGeom prst="triangle">
+            <a:avLst/>
+          </a:prstGeom>
+          <a:solidFill>
+            <a:schemeClr val="accent4"/>
+          </a:solidFill>
+          <a:ln>
+            <a:solidFill>
+              <a:schemeClr val="accent4"/>
+            </a:solidFill>
+          </a:ln>
+        </p:spPr>
+        <p:style>
+          <a:lnRef idx="2">
+            <a:schemeClr val="accent1">
+              <a:shade val="50000"/>
+            </a:schemeClr>
+          </a:lnRef>
+          <a:fillRef idx="1">
+            <a:schemeClr val="accent1"/>
+          </a:fillRef>
+          <a:effectRef idx="0">
+            <a:schemeClr val="accent1"/>
+          </a:effectRef>
+          <a:fontRef idx="minor">
+            <a:schemeClr val="lt1"/>
+          </a:fontRef>
+        </p:style>
+        <p:txBody>
+          <a:bodyPr rtlCol="0" anchor="ctr"/>
+          <a:lstStyle/>
+          <a:p>
+            <a:pPr algn="ctr"/>
+            <a:endParaRPr lang="ko-KR" altLang="en-US"/>
+          </a:p>
+        </p:txBody>
+      </p:sp>
     </p:spTree>
     <p:extLst>
       <p:ext uri="{BB962C8B-B14F-4D97-AF65-F5344CB8AC3E}">
-        <p14:creationId xmlns:p14="http://schemas.microsoft.com/office/powerpoint/2010/main" val="883221839"/>
+        <p14:creationId xmlns:p14="http://schemas.microsoft.com/office/powerpoint/2010/main" val="4165657259"/>
+      </p:ext>
+    </p:extLst>
+  </p:cSld>
+  <p:clrMapOvr>
+    <a:masterClrMapping/>
+  </p:clrMapOvr>
+</p:sld>
+</file>
+
+<file path=ppt/slides/slide9.xml><?xml version="1.0" encoding="utf-8"?>
+<p:sld xmlns:a="http://schemas.openxmlformats.org/drawingml/2006/main" xmlns:r="http://schemas.openxmlformats.org/officeDocument/2006/relationships" xmlns:p="http://schemas.openxmlformats.org/presentationml/2006/main">
+  <p:cSld>
+    <p:spTree>
+      <p:nvGrpSpPr>
+        <p:cNvPr id="1" name=""/>
+        <p:cNvGrpSpPr/>
+        <p:nvPr/>
+      </p:nvGrpSpPr>
+      <p:grpSpPr>
+        <a:xfrm>
+          <a:off x="0" y="0"/>
+          <a:ext cx="0" cy="0"/>
+          <a:chOff x="0" y="0"/>
+          <a:chExt cx="0" cy="0"/>
+        </a:xfrm>
+      </p:grpSpPr>
+      <p:pic>
+        <p:nvPicPr>
+          <p:cNvPr id="23" name="그림 22">
+            <a:extLst>
+              <a:ext uri="{FF2B5EF4-FFF2-40B4-BE49-F238E27FC236}">
+                <a16:creationId xmlns:a16="http://schemas.microsoft.com/office/drawing/2014/main" id="{40E48D33-41E2-401D-9A22-DD1080A3E561}"/>
+              </a:ext>
+            </a:extLst>
+          </p:cNvPr>
+          <p:cNvPicPr>
+            <a:picLocks noChangeAspect="1"/>
+          </p:cNvPicPr>
+          <p:nvPr/>
+        </p:nvPicPr>
+        <p:blipFill>
+          <a:blip r:embed="rId2"/>
+          <a:stretch>
+            <a:fillRect/>
+          </a:stretch>
+        </p:blipFill>
+        <p:spPr>
+          <a:xfrm>
+            <a:off x="324592" y="0"/>
+            <a:ext cx="11542816" cy="6858000"/>
+          </a:xfrm>
+          <a:prstGeom prst="rect">
+            <a:avLst/>
+          </a:prstGeom>
+        </p:spPr>
+      </p:pic>
+      <p:pic>
+        <p:nvPicPr>
+          <p:cNvPr id="11" name="그림 10">
+            <a:extLst>
+              <a:ext uri="{FF2B5EF4-FFF2-40B4-BE49-F238E27FC236}">
+                <a16:creationId xmlns:a16="http://schemas.microsoft.com/office/drawing/2014/main" id="{0C7D9F2B-40CF-4D10-8201-E8D6818933A9}"/>
+              </a:ext>
+            </a:extLst>
+          </p:cNvPr>
+          <p:cNvPicPr>
+            <a:picLocks noChangeAspect="1"/>
+          </p:cNvPicPr>
+          <p:nvPr/>
+        </p:nvPicPr>
+        <p:blipFill>
+          <a:blip r:embed="rId3">
+            <a:extLst>
+              <a:ext uri="{28A0092B-C50C-407E-A947-70E740481C1C}">
+                <a14:useLocalDpi xmlns:a14="http://schemas.microsoft.com/office/drawing/2010/main" val="0"/>
+              </a:ext>
+            </a:extLst>
+          </a:blip>
+          <a:stretch>
+            <a:fillRect/>
+          </a:stretch>
+        </p:blipFill>
+        <p:spPr>
+          <a:xfrm>
+            <a:off x="9350493" y="4504765"/>
+            <a:ext cx="770660" cy="770660"/>
+          </a:xfrm>
+          <a:prstGeom prst="rect">
+            <a:avLst/>
+          </a:prstGeom>
+          <a:ln w="38100">
+            <a:noFill/>
+          </a:ln>
+        </p:spPr>
+      </p:pic>
+      <p:pic>
+        <p:nvPicPr>
+          <p:cNvPr id="13" name="그림 12">
+            <a:extLst>
+              <a:ext uri="{FF2B5EF4-FFF2-40B4-BE49-F238E27FC236}">
+                <a16:creationId xmlns:a16="http://schemas.microsoft.com/office/drawing/2014/main" id="{C1A52CDD-8225-4ADC-A834-F5836C7AAECA}"/>
+              </a:ext>
+            </a:extLst>
+          </p:cNvPr>
+          <p:cNvPicPr>
+            <a:picLocks noChangeAspect="1"/>
+          </p:cNvPicPr>
+          <p:nvPr/>
+        </p:nvPicPr>
+        <p:blipFill>
+          <a:blip r:embed="rId4">
+            <a:extLst>
+              <a:ext uri="{28A0092B-C50C-407E-A947-70E740481C1C}">
+                <a14:useLocalDpi xmlns:a14="http://schemas.microsoft.com/office/drawing/2010/main" val="0"/>
+              </a:ext>
+            </a:extLst>
+          </a:blip>
+          <a:stretch>
+            <a:fillRect/>
+          </a:stretch>
+        </p:blipFill>
+        <p:spPr>
+          <a:xfrm>
+            <a:off x="4830557" y="2118732"/>
+            <a:ext cx="619985" cy="619985"/>
+          </a:xfrm>
+          <a:prstGeom prst="rect">
+            <a:avLst/>
+          </a:prstGeom>
+        </p:spPr>
+      </p:pic>
+      <p:sp>
+        <p:nvSpPr>
+          <p:cNvPr id="27" name="자유형: 도형 26">
+            <a:extLst>
+              <a:ext uri="{FF2B5EF4-FFF2-40B4-BE49-F238E27FC236}">
+                <a16:creationId xmlns:a16="http://schemas.microsoft.com/office/drawing/2014/main" id="{0F515C90-DF56-4937-967E-576BF5254895}"/>
+              </a:ext>
+            </a:extLst>
+          </p:cNvPr>
+          <p:cNvSpPr/>
+          <p:nvPr/>
+        </p:nvSpPr>
+        <p:spPr>
+          <a:xfrm>
+            <a:off x="5181600" y="3119718"/>
+            <a:ext cx="4177553" cy="2429435"/>
+          </a:xfrm>
+          <a:custGeom>
+            <a:avLst/>
+            <a:gdLst>
+              <a:gd name="connsiteX0" fmla="*/ 26894 w 4177553"/>
+              <a:gd name="connsiteY0" fmla="*/ 0 h 2429435"/>
+              <a:gd name="connsiteX1" fmla="*/ 17929 w 4177553"/>
+              <a:gd name="connsiteY1" fmla="*/ 44823 h 2429435"/>
+              <a:gd name="connsiteX2" fmla="*/ 0 w 4177553"/>
+              <a:gd name="connsiteY2" fmla="*/ 98611 h 2429435"/>
+              <a:gd name="connsiteX3" fmla="*/ 17929 w 4177553"/>
+              <a:gd name="connsiteY3" fmla="*/ 188258 h 2429435"/>
+              <a:gd name="connsiteX4" fmla="*/ 62753 w 4177553"/>
+              <a:gd name="connsiteY4" fmla="*/ 224117 h 2429435"/>
+              <a:gd name="connsiteX5" fmla="*/ 125506 w 4177553"/>
+              <a:gd name="connsiteY5" fmla="*/ 277906 h 2429435"/>
+              <a:gd name="connsiteX6" fmla="*/ 188259 w 4177553"/>
+              <a:gd name="connsiteY6" fmla="*/ 295835 h 2429435"/>
+              <a:gd name="connsiteX7" fmla="*/ 242047 w 4177553"/>
+              <a:gd name="connsiteY7" fmla="*/ 313764 h 2429435"/>
+              <a:gd name="connsiteX8" fmla="*/ 268941 w 4177553"/>
+              <a:gd name="connsiteY8" fmla="*/ 331694 h 2429435"/>
+              <a:gd name="connsiteX9" fmla="*/ 358588 w 4177553"/>
+              <a:gd name="connsiteY9" fmla="*/ 349623 h 2429435"/>
+              <a:gd name="connsiteX10" fmla="*/ 421341 w 4177553"/>
+              <a:gd name="connsiteY10" fmla="*/ 367553 h 2429435"/>
+              <a:gd name="connsiteX11" fmla="*/ 457200 w 4177553"/>
+              <a:gd name="connsiteY11" fmla="*/ 376517 h 2429435"/>
+              <a:gd name="connsiteX12" fmla="*/ 484094 w 4177553"/>
+              <a:gd name="connsiteY12" fmla="*/ 394447 h 2429435"/>
+              <a:gd name="connsiteX13" fmla="*/ 510988 w 4177553"/>
+              <a:gd name="connsiteY13" fmla="*/ 403411 h 2429435"/>
+              <a:gd name="connsiteX14" fmla="*/ 582706 w 4177553"/>
+              <a:gd name="connsiteY14" fmla="*/ 457200 h 2429435"/>
+              <a:gd name="connsiteX15" fmla="*/ 636494 w 4177553"/>
+              <a:gd name="connsiteY15" fmla="*/ 475129 h 2429435"/>
+              <a:gd name="connsiteX16" fmla="*/ 672353 w 4177553"/>
+              <a:gd name="connsiteY16" fmla="*/ 510988 h 2429435"/>
+              <a:gd name="connsiteX17" fmla="*/ 690282 w 4177553"/>
+              <a:gd name="connsiteY17" fmla="*/ 537882 h 2429435"/>
+              <a:gd name="connsiteX18" fmla="*/ 717176 w 4177553"/>
+              <a:gd name="connsiteY18" fmla="*/ 546847 h 2429435"/>
+              <a:gd name="connsiteX19" fmla="*/ 744071 w 4177553"/>
+              <a:gd name="connsiteY19" fmla="*/ 582706 h 2429435"/>
+              <a:gd name="connsiteX20" fmla="*/ 779929 w 4177553"/>
+              <a:gd name="connsiteY20" fmla="*/ 609600 h 2429435"/>
+              <a:gd name="connsiteX21" fmla="*/ 797859 w 4177553"/>
+              <a:gd name="connsiteY21" fmla="*/ 627529 h 2429435"/>
+              <a:gd name="connsiteX22" fmla="*/ 824753 w 4177553"/>
+              <a:gd name="connsiteY22" fmla="*/ 645458 h 2429435"/>
+              <a:gd name="connsiteX23" fmla="*/ 887506 w 4177553"/>
+              <a:gd name="connsiteY23" fmla="*/ 699247 h 2429435"/>
+              <a:gd name="connsiteX24" fmla="*/ 914400 w 4177553"/>
+              <a:gd name="connsiteY24" fmla="*/ 708211 h 2429435"/>
+              <a:gd name="connsiteX25" fmla="*/ 923365 w 4177553"/>
+              <a:gd name="connsiteY25" fmla="*/ 735106 h 2429435"/>
+              <a:gd name="connsiteX26" fmla="*/ 950259 w 4177553"/>
+              <a:gd name="connsiteY26" fmla="*/ 744070 h 2429435"/>
+              <a:gd name="connsiteX27" fmla="*/ 995082 w 4177553"/>
+              <a:gd name="connsiteY27" fmla="*/ 770964 h 2429435"/>
+              <a:gd name="connsiteX28" fmla="*/ 1021976 w 4177553"/>
+              <a:gd name="connsiteY28" fmla="*/ 788894 h 2429435"/>
+              <a:gd name="connsiteX29" fmla="*/ 1039906 w 4177553"/>
+              <a:gd name="connsiteY29" fmla="*/ 806823 h 2429435"/>
+              <a:gd name="connsiteX30" fmla="*/ 1111624 w 4177553"/>
+              <a:gd name="connsiteY30" fmla="*/ 833717 h 2429435"/>
+              <a:gd name="connsiteX31" fmla="*/ 1147482 w 4177553"/>
+              <a:gd name="connsiteY31" fmla="*/ 860611 h 2429435"/>
+              <a:gd name="connsiteX32" fmla="*/ 1201271 w 4177553"/>
+              <a:gd name="connsiteY32" fmla="*/ 878541 h 2429435"/>
+              <a:gd name="connsiteX33" fmla="*/ 1210235 w 4177553"/>
+              <a:gd name="connsiteY33" fmla="*/ 905435 h 2429435"/>
+              <a:gd name="connsiteX34" fmla="*/ 1228165 w 4177553"/>
+              <a:gd name="connsiteY34" fmla="*/ 923364 h 2429435"/>
+              <a:gd name="connsiteX35" fmla="*/ 1317812 w 4177553"/>
+              <a:gd name="connsiteY35" fmla="*/ 995082 h 2429435"/>
+              <a:gd name="connsiteX36" fmla="*/ 1335741 w 4177553"/>
+              <a:gd name="connsiteY36" fmla="*/ 1021976 h 2429435"/>
+              <a:gd name="connsiteX37" fmla="*/ 1344706 w 4177553"/>
+              <a:gd name="connsiteY37" fmla="*/ 1048870 h 2429435"/>
+              <a:gd name="connsiteX38" fmla="*/ 1362635 w 4177553"/>
+              <a:gd name="connsiteY38" fmla="*/ 1066800 h 2429435"/>
+              <a:gd name="connsiteX39" fmla="*/ 1371600 w 4177553"/>
+              <a:gd name="connsiteY39" fmla="*/ 1093694 h 2429435"/>
+              <a:gd name="connsiteX40" fmla="*/ 1407459 w 4177553"/>
+              <a:gd name="connsiteY40" fmla="*/ 1138517 h 2429435"/>
+              <a:gd name="connsiteX41" fmla="*/ 1434353 w 4177553"/>
+              <a:gd name="connsiteY41" fmla="*/ 1183341 h 2429435"/>
+              <a:gd name="connsiteX42" fmla="*/ 1497106 w 4177553"/>
+              <a:gd name="connsiteY42" fmla="*/ 1246094 h 2429435"/>
+              <a:gd name="connsiteX43" fmla="*/ 1541929 w 4177553"/>
+              <a:gd name="connsiteY43" fmla="*/ 1281953 h 2429435"/>
+              <a:gd name="connsiteX44" fmla="*/ 1604682 w 4177553"/>
+              <a:gd name="connsiteY44" fmla="*/ 1353670 h 2429435"/>
+              <a:gd name="connsiteX45" fmla="*/ 1622612 w 4177553"/>
+              <a:gd name="connsiteY45" fmla="*/ 1371600 h 2429435"/>
+              <a:gd name="connsiteX46" fmla="*/ 1640541 w 4177553"/>
+              <a:gd name="connsiteY46" fmla="*/ 1398494 h 2429435"/>
+              <a:gd name="connsiteX47" fmla="*/ 1658471 w 4177553"/>
+              <a:gd name="connsiteY47" fmla="*/ 1416423 h 2429435"/>
+              <a:gd name="connsiteX48" fmla="*/ 1712259 w 4177553"/>
+              <a:gd name="connsiteY48" fmla="*/ 1452282 h 2429435"/>
+              <a:gd name="connsiteX49" fmla="*/ 1757082 w 4177553"/>
+              <a:gd name="connsiteY49" fmla="*/ 1488141 h 2429435"/>
+              <a:gd name="connsiteX50" fmla="*/ 1819835 w 4177553"/>
+              <a:gd name="connsiteY50" fmla="*/ 1532964 h 2429435"/>
+              <a:gd name="connsiteX51" fmla="*/ 1837765 w 4177553"/>
+              <a:gd name="connsiteY51" fmla="*/ 1550894 h 2429435"/>
+              <a:gd name="connsiteX52" fmla="*/ 1891553 w 4177553"/>
+              <a:gd name="connsiteY52" fmla="*/ 1586753 h 2429435"/>
+              <a:gd name="connsiteX53" fmla="*/ 1900518 w 4177553"/>
+              <a:gd name="connsiteY53" fmla="*/ 1613647 h 2429435"/>
+              <a:gd name="connsiteX54" fmla="*/ 1954306 w 4177553"/>
+              <a:gd name="connsiteY54" fmla="*/ 1658470 h 2429435"/>
+              <a:gd name="connsiteX55" fmla="*/ 1999129 w 4177553"/>
+              <a:gd name="connsiteY55" fmla="*/ 1685364 h 2429435"/>
+              <a:gd name="connsiteX56" fmla="*/ 2070847 w 4177553"/>
+              <a:gd name="connsiteY56" fmla="*/ 1739153 h 2429435"/>
+              <a:gd name="connsiteX57" fmla="*/ 2106706 w 4177553"/>
+              <a:gd name="connsiteY57" fmla="*/ 1766047 h 2429435"/>
+              <a:gd name="connsiteX58" fmla="*/ 2133600 w 4177553"/>
+              <a:gd name="connsiteY58" fmla="*/ 1783976 h 2429435"/>
+              <a:gd name="connsiteX59" fmla="*/ 2178424 w 4177553"/>
+              <a:gd name="connsiteY59" fmla="*/ 1810870 h 2429435"/>
+              <a:gd name="connsiteX60" fmla="*/ 2250141 w 4177553"/>
+              <a:gd name="connsiteY60" fmla="*/ 1873623 h 2429435"/>
+              <a:gd name="connsiteX61" fmla="*/ 2268071 w 4177553"/>
+              <a:gd name="connsiteY61" fmla="*/ 1891553 h 2429435"/>
+              <a:gd name="connsiteX62" fmla="*/ 2321859 w 4177553"/>
+              <a:gd name="connsiteY62" fmla="*/ 1918447 h 2429435"/>
+              <a:gd name="connsiteX63" fmla="*/ 2375647 w 4177553"/>
+              <a:gd name="connsiteY63" fmla="*/ 1963270 h 2429435"/>
+              <a:gd name="connsiteX64" fmla="*/ 2411506 w 4177553"/>
+              <a:gd name="connsiteY64" fmla="*/ 1999129 h 2429435"/>
+              <a:gd name="connsiteX65" fmla="*/ 2438400 w 4177553"/>
+              <a:gd name="connsiteY65" fmla="*/ 2017058 h 2429435"/>
+              <a:gd name="connsiteX66" fmla="*/ 2474259 w 4177553"/>
+              <a:gd name="connsiteY66" fmla="*/ 2052917 h 2429435"/>
+              <a:gd name="connsiteX67" fmla="*/ 2528047 w 4177553"/>
+              <a:gd name="connsiteY67" fmla="*/ 2070847 h 2429435"/>
+              <a:gd name="connsiteX68" fmla="*/ 2537012 w 4177553"/>
+              <a:gd name="connsiteY68" fmla="*/ 2097741 h 2429435"/>
+              <a:gd name="connsiteX69" fmla="*/ 2590800 w 4177553"/>
+              <a:gd name="connsiteY69" fmla="*/ 2133600 h 2429435"/>
+              <a:gd name="connsiteX70" fmla="*/ 2608729 w 4177553"/>
+              <a:gd name="connsiteY70" fmla="*/ 2160494 h 2429435"/>
+              <a:gd name="connsiteX71" fmla="*/ 2671482 w 4177553"/>
+              <a:gd name="connsiteY71" fmla="*/ 2214282 h 2429435"/>
+              <a:gd name="connsiteX72" fmla="*/ 2698376 w 4177553"/>
+              <a:gd name="connsiteY72" fmla="*/ 2223247 h 2429435"/>
+              <a:gd name="connsiteX73" fmla="*/ 2725271 w 4177553"/>
+              <a:gd name="connsiteY73" fmla="*/ 2241176 h 2429435"/>
+              <a:gd name="connsiteX74" fmla="*/ 2788024 w 4177553"/>
+              <a:gd name="connsiteY74" fmla="*/ 2259106 h 2429435"/>
+              <a:gd name="connsiteX75" fmla="*/ 2868706 w 4177553"/>
+              <a:gd name="connsiteY75" fmla="*/ 2286000 h 2429435"/>
+              <a:gd name="connsiteX76" fmla="*/ 2895600 w 4177553"/>
+              <a:gd name="connsiteY76" fmla="*/ 2294964 h 2429435"/>
+              <a:gd name="connsiteX77" fmla="*/ 2922494 w 4177553"/>
+              <a:gd name="connsiteY77" fmla="*/ 2303929 h 2429435"/>
+              <a:gd name="connsiteX78" fmla="*/ 2967318 w 4177553"/>
+              <a:gd name="connsiteY78" fmla="*/ 2339788 h 2429435"/>
+              <a:gd name="connsiteX79" fmla="*/ 2994212 w 4177553"/>
+              <a:gd name="connsiteY79" fmla="*/ 2348753 h 2429435"/>
+              <a:gd name="connsiteX80" fmla="*/ 3021106 w 4177553"/>
+              <a:gd name="connsiteY80" fmla="*/ 2366682 h 2429435"/>
+              <a:gd name="connsiteX81" fmla="*/ 3074894 w 4177553"/>
+              <a:gd name="connsiteY81" fmla="*/ 2384611 h 2429435"/>
+              <a:gd name="connsiteX82" fmla="*/ 3137647 w 4177553"/>
+              <a:gd name="connsiteY82" fmla="*/ 2411506 h 2429435"/>
+              <a:gd name="connsiteX83" fmla="*/ 3263153 w 4177553"/>
+              <a:gd name="connsiteY83" fmla="*/ 2420470 h 2429435"/>
+              <a:gd name="connsiteX84" fmla="*/ 3352800 w 4177553"/>
+              <a:gd name="connsiteY84" fmla="*/ 2429435 h 2429435"/>
+              <a:gd name="connsiteX85" fmla="*/ 3505200 w 4177553"/>
+              <a:gd name="connsiteY85" fmla="*/ 2420470 h 2429435"/>
+              <a:gd name="connsiteX86" fmla="*/ 3532094 w 4177553"/>
+              <a:gd name="connsiteY86" fmla="*/ 2393576 h 2429435"/>
+              <a:gd name="connsiteX87" fmla="*/ 3585882 w 4177553"/>
+              <a:gd name="connsiteY87" fmla="*/ 2357717 h 2429435"/>
+              <a:gd name="connsiteX88" fmla="*/ 3603812 w 4177553"/>
+              <a:gd name="connsiteY88" fmla="*/ 2339788 h 2429435"/>
+              <a:gd name="connsiteX89" fmla="*/ 3630706 w 4177553"/>
+              <a:gd name="connsiteY89" fmla="*/ 2330823 h 2429435"/>
+              <a:gd name="connsiteX90" fmla="*/ 3657600 w 4177553"/>
+              <a:gd name="connsiteY90" fmla="*/ 2303929 h 2429435"/>
+              <a:gd name="connsiteX91" fmla="*/ 3684494 w 4177553"/>
+              <a:gd name="connsiteY91" fmla="*/ 2286000 h 2429435"/>
+              <a:gd name="connsiteX92" fmla="*/ 3702424 w 4177553"/>
+              <a:gd name="connsiteY92" fmla="*/ 2259106 h 2429435"/>
+              <a:gd name="connsiteX93" fmla="*/ 3720353 w 4177553"/>
+              <a:gd name="connsiteY93" fmla="*/ 2241176 h 2429435"/>
+              <a:gd name="connsiteX94" fmla="*/ 3756212 w 4177553"/>
+              <a:gd name="connsiteY94" fmla="*/ 2196353 h 2429435"/>
+              <a:gd name="connsiteX95" fmla="*/ 3765176 w 4177553"/>
+              <a:gd name="connsiteY95" fmla="*/ 2169458 h 2429435"/>
+              <a:gd name="connsiteX96" fmla="*/ 3783106 w 4177553"/>
+              <a:gd name="connsiteY96" fmla="*/ 2151529 h 2429435"/>
+              <a:gd name="connsiteX97" fmla="*/ 3836894 w 4177553"/>
+              <a:gd name="connsiteY97" fmla="*/ 2079811 h 2429435"/>
+              <a:gd name="connsiteX98" fmla="*/ 3872753 w 4177553"/>
+              <a:gd name="connsiteY98" fmla="*/ 2034988 h 2429435"/>
+              <a:gd name="connsiteX99" fmla="*/ 3944471 w 4177553"/>
+              <a:gd name="connsiteY99" fmla="*/ 1981200 h 2429435"/>
+              <a:gd name="connsiteX100" fmla="*/ 3989294 w 4177553"/>
+              <a:gd name="connsiteY100" fmla="*/ 1954306 h 2429435"/>
+              <a:gd name="connsiteX101" fmla="*/ 4007224 w 4177553"/>
+              <a:gd name="connsiteY101" fmla="*/ 1936376 h 2429435"/>
+              <a:gd name="connsiteX102" fmla="*/ 4034118 w 4177553"/>
+              <a:gd name="connsiteY102" fmla="*/ 1927411 h 2429435"/>
+              <a:gd name="connsiteX103" fmla="*/ 4177553 w 4177553"/>
+              <a:gd name="connsiteY103" fmla="*/ 1927411 h 2429435"/>
+            </a:gdLst>
+            <a:ahLst/>
+            <a:cxnLst>
+              <a:cxn ang="0">
+                <a:pos x="connsiteX0" y="connsiteY0"/>
+              </a:cxn>
+              <a:cxn ang="0">
+                <a:pos x="connsiteX1" y="connsiteY1"/>
+              </a:cxn>
+              <a:cxn ang="0">
+                <a:pos x="connsiteX2" y="connsiteY2"/>
+              </a:cxn>
+              <a:cxn ang="0">
+                <a:pos x="connsiteX3" y="connsiteY3"/>
+              </a:cxn>
+              <a:cxn ang="0">
+                <a:pos x="connsiteX4" y="connsiteY4"/>
+              </a:cxn>
+              <a:cxn ang="0">
+                <a:pos x="connsiteX5" y="connsiteY5"/>
+              </a:cxn>
+              <a:cxn ang="0">
+                <a:pos x="connsiteX6" y="connsiteY6"/>
+              </a:cxn>
+              <a:cxn ang="0">
+                <a:pos x="connsiteX7" y="connsiteY7"/>
+              </a:cxn>
+              <a:cxn ang="0">
+                <a:pos x="connsiteX8" y="connsiteY8"/>
+              </a:cxn>
+              <a:cxn ang="0">
+                <a:pos x="connsiteX9" y="connsiteY9"/>
+              </a:cxn>
+              <a:cxn ang="0">
+                <a:pos x="connsiteX10" y="connsiteY10"/>
+              </a:cxn>
+              <a:cxn ang="0">
+                <a:pos x="connsiteX11" y="connsiteY11"/>
+              </a:cxn>
+              <a:cxn ang="0">
+                <a:pos x="connsiteX12" y="connsiteY12"/>
+              </a:cxn>
+              <a:cxn ang="0">
+                <a:pos x="connsiteX13" y="connsiteY13"/>
+              </a:cxn>
+              <a:cxn ang="0">
+                <a:pos x="connsiteX14" y="connsiteY14"/>
+              </a:cxn>
+              <a:cxn ang="0">
+                <a:pos x="connsiteX15" y="connsiteY15"/>
+              </a:cxn>
+              <a:cxn ang="0">
+                <a:pos x="connsiteX16" y="connsiteY16"/>
+              </a:cxn>
+              <a:cxn ang="0">
+                <a:pos x="connsiteX17" y="connsiteY17"/>
+              </a:cxn>
+              <a:cxn ang="0">
+                <a:pos x="connsiteX18" y="connsiteY18"/>
+              </a:cxn>
+              <a:cxn ang="0">
+                <a:pos x="connsiteX19" y="connsiteY19"/>
+              </a:cxn>
+              <a:cxn ang="0">
+                <a:pos x="connsiteX20" y="connsiteY20"/>
+              </a:cxn>
+              <a:cxn ang="0">
+                <a:pos x="connsiteX21" y="connsiteY21"/>
+              </a:cxn>
+              <a:cxn ang="0">
+                <a:pos x="connsiteX22" y="connsiteY22"/>
+              </a:cxn>
+              <a:cxn ang="0">
+                <a:pos x="connsiteX23" y="connsiteY23"/>
+              </a:cxn>
+              <a:cxn ang="0">
+                <a:pos x="connsiteX24" y="connsiteY24"/>
+              </a:cxn>
+              <a:cxn ang="0">
+                <a:pos x="connsiteX25" y="connsiteY25"/>
+              </a:cxn>
+              <a:cxn ang="0">
+                <a:pos x="connsiteX26" y="connsiteY26"/>
+              </a:cxn>
+              <a:cxn ang="0">
+                <a:pos x="connsiteX27" y="connsiteY27"/>
+              </a:cxn>
+              <a:cxn ang="0">
+                <a:pos x="connsiteX28" y="connsiteY28"/>
+              </a:cxn>
+              <a:cxn ang="0">
+                <a:pos x="connsiteX29" y="connsiteY29"/>
+              </a:cxn>
+              <a:cxn ang="0">
+                <a:pos x="connsiteX30" y="connsiteY30"/>
+              </a:cxn>
+              <a:cxn ang="0">
+                <a:pos x="connsiteX31" y="connsiteY31"/>
+              </a:cxn>
+              <a:cxn ang="0">
+                <a:pos x="connsiteX32" y="connsiteY32"/>
+              </a:cxn>
+              <a:cxn ang="0">
+                <a:pos x="connsiteX33" y="connsiteY33"/>
+              </a:cxn>
+              <a:cxn ang="0">
+                <a:pos x="connsiteX34" y="connsiteY34"/>
+              </a:cxn>
+              <a:cxn ang="0">
+                <a:pos x="connsiteX35" y="connsiteY35"/>
+              </a:cxn>
+              <a:cxn ang="0">
+                <a:pos x="connsiteX36" y="connsiteY36"/>
+              </a:cxn>
+              <a:cxn ang="0">
+                <a:pos x="connsiteX37" y="connsiteY37"/>
+              </a:cxn>
+              <a:cxn ang="0">
+                <a:pos x="connsiteX38" y="connsiteY38"/>
+              </a:cxn>
+              <a:cxn ang="0">
+                <a:pos x="connsiteX39" y="connsiteY39"/>
+              </a:cxn>
+              <a:cxn ang="0">
+                <a:pos x="connsiteX40" y="connsiteY40"/>
+              </a:cxn>
+              <a:cxn ang="0">
+                <a:pos x="connsiteX41" y="connsiteY41"/>
+              </a:cxn>
+              <a:cxn ang="0">
+                <a:pos x="connsiteX42" y="connsiteY42"/>
+              </a:cxn>
+              <a:cxn ang="0">
+                <a:pos x="connsiteX43" y="connsiteY43"/>
+              </a:cxn>
+              <a:cxn ang="0">
+                <a:pos x="connsiteX44" y="connsiteY44"/>
+              </a:cxn>
+              <a:cxn ang="0">
+                <a:pos x="connsiteX45" y="connsiteY45"/>
+              </a:cxn>
+              <a:cxn ang="0">
+                <a:pos x="connsiteX46" y="connsiteY46"/>
+              </a:cxn>
+              <a:cxn ang="0">
+                <a:pos x="connsiteX47" y="connsiteY47"/>
+              </a:cxn>
+              <a:cxn ang="0">
+                <a:pos x="connsiteX48" y="connsiteY48"/>
+              </a:cxn>
+              <a:cxn ang="0">
+                <a:pos x="connsiteX49" y="connsiteY49"/>
+              </a:cxn>
+              <a:cxn ang="0">
+                <a:pos x="connsiteX50" y="connsiteY50"/>
+              </a:cxn>
+              <a:cxn ang="0">
+                <a:pos x="connsiteX51" y="connsiteY51"/>
+              </a:cxn>
+              <a:cxn ang="0">
+                <a:pos x="connsiteX52" y="connsiteY52"/>
+              </a:cxn>
+              <a:cxn ang="0">
+                <a:pos x="connsiteX53" y="connsiteY53"/>
+              </a:cxn>
+              <a:cxn ang="0">
+                <a:pos x="connsiteX54" y="connsiteY54"/>
+              </a:cxn>
+              <a:cxn ang="0">
+                <a:pos x="connsiteX55" y="connsiteY55"/>
+              </a:cxn>
+              <a:cxn ang="0">
+                <a:pos x="connsiteX56" y="connsiteY56"/>
+              </a:cxn>
+              <a:cxn ang="0">
+                <a:pos x="connsiteX57" y="connsiteY57"/>
+              </a:cxn>
+              <a:cxn ang="0">
+                <a:pos x="connsiteX58" y="connsiteY58"/>
+              </a:cxn>
+              <a:cxn ang="0">
+                <a:pos x="connsiteX59" y="connsiteY59"/>
+              </a:cxn>
+              <a:cxn ang="0">
+                <a:pos x="connsiteX60" y="connsiteY60"/>
+              </a:cxn>
+              <a:cxn ang="0">
+                <a:pos x="connsiteX61" y="connsiteY61"/>
+              </a:cxn>
+              <a:cxn ang="0">
+                <a:pos x="connsiteX62" y="connsiteY62"/>
+              </a:cxn>
+              <a:cxn ang="0">
+                <a:pos x="connsiteX63" y="connsiteY63"/>
+              </a:cxn>
+              <a:cxn ang="0">
+                <a:pos x="connsiteX64" y="connsiteY64"/>
+              </a:cxn>
+              <a:cxn ang="0">
+                <a:pos x="connsiteX65" y="connsiteY65"/>
+              </a:cxn>
+              <a:cxn ang="0">
+                <a:pos x="connsiteX66" y="connsiteY66"/>
+              </a:cxn>
+              <a:cxn ang="0">
+                <a:pos x="connsiteX67" y="connsiteY67"/>
+              </a:cxn>
+              <a:cxn ang="0">
+                <a:pos x="connsiteX68" y="connsiteY68"/>
+              </a:cxn>
+              <a:cxn ang="0">
+                <a:pos x="connsiteX69" y="connsiteY69"/>
+              </a:cxn>
+              <a:cxn ang="0">
+                <a:pos x="connsiteX70" y="connsiteY70"/>
+              </a:cxn>
+              <a:cxn ang="0">
+                <a:pos x="connsiteX71" y="connsiteY71"/>
+              </a:cxn>
+              <a:cxn ang="0">
+                <a:pos x="connsiteX72" y="connsiteY72"/>
+              </a:cxn>
+              <a:cxn ang="0">
+                <a:pos x="connsiteX73" y="connsiteY73"/>
+              </a:cxn>
+              <a:cxn ang="0">
+                <a:pos x="connsiteX74" y="connsiteY74"/>
+              </a:cxn>
+              <a:cxn ang="0">
+                <a:pos x="connsiteX75" y="connsiteY75"/>
+              </a:cxn>
+              <a:cxn ang="0">
+                <a:pos x="connsiteX76" y="connsiteY76"/>
+              </a:cxn>
+              <a:cxn ang="0">
+                <a:pos x="connsiteX77" y="connsiteY77"/>
+              </a:cxn>
+              <a:cxn ang="0">
+                <a:pos x="connsiteX78" y="connsiteY78"/>
+              </a:cxn>
+              <a:cxn ang="0">
+                <a:pos x="connsiteX79" y="connsiteY79"/>
+              </a:cxn>
+              <a:cxn ang="0">
+                <a:pos x="connsiteX80" y="connsiteY80"/>
+              </a:cxn>
+              <a:cxn ang="0">
+                <a:pos x="connsiteX81" y="connsiteY81"/>
+              </a:cxn>
+              <a:cxn ang="0">
+                <a:pos x="connsiteX82" y="connsiteY82"/>
+              </a:cxn>
+              <a:cxn ang="0">
+                <a:pos x="connsiteX83" y="connsiteY83"/>
+              </a:cxn>
+              <a:cxn ang="0">
+                <a:pos x="connsiteX84" y="connsiteY84"/>
+              </a:cxn>
+              <a:cxn ang="0">
+                <a:pos x="connsiteX85" y="connsiteY85"/>
+              </a:cxn>
+              <a:cxn ang="0">
+                <a:pos x="connsiteX86" y="connsiteY86"/>
+              </a:cxn>
+              <a:cxn ang="0">
+                <a:pos x="connsiteX87" y="connsiteY87"/>
+              </a:cxn>
+              <a:cxn ang="0">
+                <a:pos x="connsiteX88" y="connsiteY88"/>
+              </a:cxn>
+              <a:cxn ang="0">
+                <a:pos x="connsiteX89" y="connsiteY89"/>
+              </a:cxn>
+              <a:cxn ang="0">
+                <a:pos x="connsiteX90" y="connsiteY90"/>
+              </a:cxn>
+              <a:cxn ang="0">
+                <a:pos x="connsiteX91" y="connsiteY91"/>
+              </a:cxn>
+              <a:cxn ang="0">
+                <a:pos x="connsiteX92" y="connsiteY92"/>
+              </a:cxn>
+              <a:cxn ang="0">
+                <a:pos x="connsiteX93" y="connsiteY93"/>
+              </a:cxn>
+              <a:cxn ang="0">
+                <a:pos x="connsiteX94" y="connsiteY94"/>
+              </a:cxn>
+              <a:cxn ang="0">
+                <a:pos x="connsiteX95" y="connsiteY95"/>
+              </a:cxn>
+              <a:cxn ang="0">
+                <a:pos x="connsiteX96" y="connsiteY96"/>
+              </a:cxn>
+              <a:cxn ang="0">
+                <a:pos x="connsiteX97" y="connsiteY97"/>
+              </a:cxn>
+              <a:cxn ang="0">
+                <a:pos x="connsiteX98" y="connsiteY98"/>
+              </a:cxn>
+              <a:cxn ang="0">
+                <a:pos x="connsiteX99" y="connsiteY99"/>
+              </a:cxn>
+              <a:cxn ang="0">
+                <a:pos x="connsiteX100" y="connsiteY100"/>
+              </a:cxn>
+              <a:cxn ang="0">
+                <a:pos x="connsiteX101" y="connsiteY101"/>
+              </a:cxn>
+              <a:cxn ang="0">
+                <a:pos x="connsiteX102" y="connsiteY102"/>
+              </a:cxn>
+              <a:cxn ang="0">
+                <a:pos x="connsiteX103" y="connsiteY103"/>
+              </a:cxn>
+            </a:cxnLst>
+            <a:rect l="l" t="t" r="r" b="b"/>
+            <a:pathLst>
+              <a:path w="4177553" h="2429435">
+                <a:moveTo>
+                  <a:pt x="26894" y="0"/>
+                </a:moveTo>
+                <a:cubicBezTo>
+                  <a:pt x="23906" y="14941"/>
+                  <a:pt x="21938" y="30123"/>
+                  <a:pt x="17929" y="44823"/>
+                </a:cubicBezTo>
+                <a:cubicBezTo>
+                  <a:pt x="12956" y="63056"/>
+                  <a:pt x="0" y="98611"/>
+                  <a:pt x="0" y="98611"/>
+                </a:cubicBezTo>
+                <a:cubicBezTo>
+                  <a:pt x="1554" y="109485"/>
+                  <a:pt x="6196" y="168702"/>
+                  <a:pt x="17929" y="188258"/>
+                </a:cubicBezTo>
+                <a:cubicBezTo>
+                  <a:pt x="28700" y="206210"/>
+                  <a:pt x="47663" y="211183"/>
+                  <a:pt x="62753" y="224117"/>
+                </a:cubicBezTo>
+                <a:cubicBezTo>
+                  <a:pt x="93629" y="250582"/>
+                  <a:pt x="92579" y="261443"/>
+                  <a:pt x="125506" y="277906"/>
+                </a:cubicBezTo>
+                <a:cubicBezTo>
+                  <a:pt x="140564" y="285435"/>
+                  <a:pt x="173906" y="291529"/>
+                  <a:pt x="188259" y="295835"/>
+                </a:cubicBezTo>
+                <a:cubicBezTo>
+                  <a:pt x="206361" y="301266"/>
+                  <a:pt x="242047" y="313764"/>
+                  <a:pt x="242047" y="313764"/>
+                </a:cubicBezTo>
+                <a:cubicBezTo>
+                  <a:pt x="251012" y="319741"/>
+                  <a:pt x="259038" y="327450"/>
+                  <a:pt x="268941" y="331694"/>
+                </a:cubicBezTo>
+                <a:cubicBezTo>
+                  <a:pt x="287155" y="339500"/>
+                  <a:pt x="344693" y="346844"/>
+                  <a:pt x="358588" y="349623"/>
+                </a:cubicBezTo>
+                <a:cubicBezTo>
+                  <a:pt x="405308" y="358967"/>
+                  <a:pt x="381459" y="356159"/>
+                  <a:pt x="421341" y="367553"/>
+                </a:cubicBezTo>
+                <a:cubicBezTo>
+                  <a:pt x="433188" y="370938"/>
+                  <a:pt x="445247" y="373529"/>
+                  <a:pt x="457200" y="376517"/>
+                </a:cubicBezTo>
+                <a:cubicBezTo>
+                  <a:pt x="466165" y="382494"/>
+                  <a:pt x="474457" y="389629"/>
+                  <a:pt x="484094" y="394447"/>
+                </a:cubicBezTo>
+                <a:cubicBezTo>
+                  <a:pt x="492546" y="398673"/>
+                  <a:pt x="502885" y="398549"/>
+                  <a:pt x="510988" y="403411"/>
+                </a:cubicBezTo>
+                <a:cubicBezTo>
+                  <a:pt x="564085" y="435269"/>
+                  <a:pt x="471075" y="419991"/>
+                  <a:pt x="582706" y="457200"/>
+                </a:cubicBezTo>
+                <a:lnTo>
+                  <a:pt x="636494" y="475129"/>
+                </a:lnTo>
+                <a:cubicBezTo>
+                  <a:pt x="648447" y="487082"/>
+                  <a:pt x="662976" y="496923"/>
+                  <a:pt x="672353" y="510988"/>
+                </a:cubicBezTo>
+                <a:cubicBezTo>
+                  <a:pt x="678329" y="519953"/>
+                  <a:pt x="681869" y="531151"/>
+                  <a:pt x="690282" y="537882"/>
+                </a:cubicBezTo>
+                <a:cubicBezTo>
+                  <a:pt x="697661" y="543785"/>
+                  <a:pt x="708211" y="543859"/>
+                  <a:pt x="717176" y="546847"/>
+                </a:cubicBezTo>
+                <a:cubicBezTo>
+                  <a:pt x="726141" y="558800"/>
+                  <a:pt x="733506" y="572141"/>
+                  <a:pt x="744071" y="582706"/>
+                </a:cubicBezTo>
+                <a:cubicBezTo>
+                  <a:pt x="754636" y="593271"/>
+                  <a:pt x="768451" y="600035"/>
+                  <a:pt x="779929" y="609600"/>
+                </a:cubicBezTo>
+                <a:cubicBezTo>
+                  <a:pt x="786422" y="615011"/>
+                  <a:pt x="791259" y="622249"/>
+                  <a:pt x="797859" y="627529"/>
+                </a:cubicBezTo>
+                <a:cubicBezTo>
+                  <a:pt x="806272" y="634259"/>
+                  <a:pt x="816573" y="638446"/>
+                  <a:pt x="824753" y="645458"/>
+                </a:cubicBezTo>
+                <a:cubicBezTo>
+                  <a:pt x="855629" y="671923"/>
+                  <a:pt x="854579" y="682784"/>
+                  <a:pt x="887506" y="699247"/>
+                </a:cubicBezTo>
+                <a:cubicBezTo>
+                  <a:pt x="895958" y="703473"/>
+                  <a:pt x="905435" y="705223"/>
+                  <a:pt x="914400" y="708211"/>
+                </a:cubicBezTo>
+                <a:cubicBezTo>
+                  <a:pt x="917388" y="717176"/>
+                  <a:pt x="916683" y="728424"/>
+                  <a:pt x="923365" y="735106"/>
+                </a:cubicBezTo>
+                <a:cubicBezTo>
+                  <a:pt x="930047" y="741788"/>
+                  <a:pt x="942156" y="739208"/>
+                  <a:pt x="950259" y="744070"/>
+                </a:cubicBezTo>
+                <a:cubicBezTo>
+                  <a:pt x="1011786" y="780987"/>
+                  <a:pt x="918896" y="745571"/>
+                  <a:pt x="995082" y="770964"/>
+                </a:cubicBezTo>
+                <a:cubicBezTo>
+                  <a:pt x="1004047" y="776941"/>
+                  <a:pt x="1013563" y="782163"/>
+                  <a:pt x="1021976" y="788894"/>
+                </a:cubicBezTo>
+                <a:cubicBezTo>
+                  <a:pt x="1028576" y="794174"/>
+                  <a:pt x="1032346" y="803043"/>
+                  <a:pt x="1039906" y="806823"/>
+                </a:cubicBezTo>
+                <a:cubicBezTo>
+                  <a:pt x="1143143" y="858440"/>
+                  <a:pt x="1005726" y="767531"/>
+                  <a:pt x="1111624" y="833717"/>
+                </a:cubicBezTo>
+                <a:cubicBezTo>
+                  <a:pt x="1124294" y="841636"/>
+                  <a:pt x="1134118" y="853929"/>
+                  <a:pt x="1147482" y="860611"/>
+                </a:cubicBezTo>
+                <a:cubicBezTo>
+                  <a:pt x="1164386" y="869063"/>
+                  <a:pt x="1201271" y="878541"/>
+                  <a:pt x="1201271" y="878541"/>
+                </a:cubicBezTo>
+                <a:cubicBezTo>
+                  <a:pt x="1204259" y="887506"/>
+                  <a:pt x="1205373" y="897332"/>
+                  <a:pt x="1210235" y="905435"/>
+                </a:cubicBezTo>
+                <a:cubicBezTo>
+                  <a:pt x="1214584" y="912683"/>
+                  <a:pt x="1221403" y="918293"/>
+                  <a:pt x="1228165" y="923364"/>
+                </a:cubicBezTo>
+                <a:cubicBezTo>
+                  <a:pt x="1260132" y="947339"/>
+                  <a:pt x="1294867" y="960664"/>
+                  <a:pt x="1317812" y="995082"/>
+                </a:cubicBezTo>
+                <a:cubicBezTo>
+                  <a:pt x="1323788" y="1004047"/>
+                  <a:pt x="1330923" y="1012339"/>
+                  <a:pt x="1335741" y="1021976"/>
+                </a:cubicBezTo>
+                <a:cubicBezTo>
+                  <a:pt x="1339967" y="1030428"/>
+                  <a:pt x="1339844" y="1040767"/>
+                  <a:pt x="1344706" y="1048870"/>
+                </a:cubicBezTo>
+                <a:cubicBezTo>
+                  <a:pt x="1349054" y="1056118"/>
+                  <a:pt x="1356659" y="1060823"/>
+                  <a:pt x="1362635" y="1066800"/>
+                </a:cubicBezTo>
+                <a:cubicBezTo>
+                  <a:pt x="1365623" y="1075765"/>
+                  <a:pt x="1367374" y="1085242"/>
+                  <a:pt x="1371600" y="1093694"/>
+                </a:cubicBezTo>
+                <a:cubicBezTo>
+                  <a:pt x="1382910" y="1116314"/>
+                  <a:pt x="1390781" y="1121840"/>
+                  <a:pt x="1407459" y="1138517"/>
+                </a:cubicBezTo>
+                <a:cubicBezTo>
+                  <a:pt x="1424600" y="1189937"/>
+                  <a:pt x="1404820" y="1143964"/>
+                  <a:pt x="1434353" y="1183341"/>
+                </a:cubicBezTo>
+                <a:cubicBezTo>
+                  <a:pt x="1482303" y="1247275"/>
+                  <a:pt x="1446766" y="1229313"/>
+                  <a:pt x="1497106" y="1246094"/>
+                </a:cubicBezTo>
+                <a:cubicBezTo>
+                  <a:pt x="1543784" y="1316113"/>
+                  <a:pt x="1484196" y="1238654"/>
+                  <a:pt x="1541929" y="1281953"/>
+                </a:cubicBezTo>
+                <a:cubicBezTo>
+                  <a:pt x="1597228" y="1323427"/>
+                  <a:pt x="1573576" y="1314787"/>
+                  <a:pt x="1604682" y="1353670"/>
+                </a:cubicBezTo>
+                <a:cubicBezTo>
+                  <a:pt x="1609962" y="1360270"/>
+                  <a:pt x="1617332" y="1365000"/>
+                  <a:pt x="1622612" y="1371600"/>
+                </a:cubicBezTo>
+                <a:cubicBezTo>
+                  <a:pt x="1629343" y="1380013"/>
+                  <a:pt x="1633810" y="1390081"/>
+                  <a:pt x="1640541" y="1398494"/>
+                </a:cubicBezTo>
+                <a:cubicBezTo>
+                  <a:pt x="1645821" y="1405094"/>
+                  <a:pt x="1651709" y="1411352"/>
+                  <a:pt x="1658471" y="1416423"/>
+                </a:cubicBezTo>
+                <a:cubicBezTo>
+                  <a:pt x="1675710" y="1429352"/>
+                  <a:pt x="1712259" y="1452282"/>
+                  <a:pt x="1712259" y="1452282"/>
+                </a:cubicBezTo>
+                <a:cubicBezTo>
+                  <a:pt x="1755946" y="1517814"/>
+                  <a:pt x="1701972" y="1448777"/>
+                  <a:pt x="1757082" y="1488141"/>
+                </a:cubicBezTo>
+                <a:cubicBezTo>
+                  <a:pt x="1831525" y="1541315"/>
+                  <a:pt x="1759071" y="1512711"/>
+                  <a:pt x="1819835" y="1532964"/>
+                </a:cubicBezTo>
+                <a:cubicBezTo>
+                  <a:pt x="1825812" y="1538941"/>
+                  <a:pt x="1831003" y="1545823"/>
+                  <a:pt x="1837765" y="1550894"/>
+                </a:cubicBezTo>
+                <a:cubicBezTo>
+                  <a:pt x="1855004" y="1563823"/>
+                  <a:pt x="1891553" y="1586753"/>
+                  <a:pt x="1891553" y="1586753"/>
+                </a:cubicBezTo>
+                <a:cubicBezTo>
+                  <a:pt x="1894541" y="1595718"/>
+                  <a:pt x="1895276" y="1605784"/>
+                  <a:pt x="1900518" y="1613647"/>
+                </a:cubicBezTo>
+                <a:cubicBezTo>
+                  <a:pt x="1918773" y="1641029"/>
+                  <a:pt x="1930680" y="1639569"/>
+                  <a:pt x="1954306" y="1658470"/>
+                </a:cubicBezTo>
+                <a:cubicBezTo>
+                  <a:pt x="1989465" y="1686598"/>
+                  <a:pt x="1952423" y="1669796"/>
+                  <a:pt x="1999129" y="1685364"/>
+                </a:cubicBezTo>
+                <a:cubicBezTo>
+                  <a:pt x="2040247" y="1726482"/>
+                  <a:pt x="1989756" y="1678336"/>
+                  <a:pt x="2070847" y="1739153"/>
+                </a:cubicBezTo>
+                <a:cubicBezTo>
+                  <a:pt x="2082800" y="1748118"/>
+                  <a:pt x="2094548" y="1757363"/>
+                  <a:pt x="2106706" y="1766047"/>
+                </a:cubicBezTo>
+                <a:cubicBezTo>
+                  <a:pt x="2115473" y="1772309"/>
+                  <a:pt x="2125187" y="1777245"/>
+                  <a:pt x="2133600" y="1783976"/>
+                </a:cubicBezTo>
+                <a:cubicBezTo>
+                  <a:pt x="2168759" y="1812104"/>
+                  <a:pt x="2131717" y="1795303"/>
+                  <a:pt x="2178424" y="1810870"/>
+                </a:cubicBezTo>
+                <a:cubicBezTo>
+                  <a:pt x="2289010" y="1921459"/>
+                  <a:pt x="2176018" y="1814325"/>
+                  <a:pt x="2250141" y="1873623"/>
+                </a:cubicBezTo>
+                <a:cubicBezTo>
+                  <a:pt x="2256741" y="1878903"/>
+                  <a:pt x="2261471" y="1886273"/>
+                  <a:pt x="2268071" y="1891553"/>
+                </a:cubicBezTo>
+                <a:cubicBezTo>
+                  <a:pt x="2292896" y="1911413"/>
+                  <a:pt x="2293454" y="1908978"/>
+                  <a:pt x="2321859" y="1918447"/>
+                </a:cubicBezTo>
+                <a:cubicBezTo>
+                  <a:pt x="2415117" y="2011705"/>
+                  <a:pt x="2288280" y="1888384"/>
+                  <a:pt x="2375647" y="1963270"/>
+                </a:cubicBezTo>
+                <a:cubicBezTo>
+                  <a:pt x="2388482" y="1974271"/>
+                  <a:pt x="2397441" y="1989752"/>
+                  <a:pt x="2411506" y="1999129"/>
+                </a:cubicBezTo>
+                <a:cubicBezTo>
+                  <a:pt x="2420471" y="2005105"/>
+                  <a:pt x="2430220" y="2010046"/>
+                  <a:pt x="2438400" y="2017058"/>
+                </a:cubicBezTo>
+                <a:cubicBezTo>
+                  <a:pt x="2451235" y="2028059"/>
+                  <a:pt x="2458222" y="2047571"/>
+                  <a:pt x="2474259" y="2052917"/>
+                </a:cubicBezTo>
+                <a:lnTo>
+                  <a:pt x="2528047" y="2070847"/>
+                </a:lnTo>
+                <a:cubicBezTo>
+                  <a:pt x="2531035" y="2079812"/>
+                  <a:pt x="2530330" y="2091059"/>
+                  <a:pt x="2537012" y="2097741"/>
+                </a:cubicBezTo>
+                <a:cubicBezTo>
+                  <a:pt x="2552249" y="2112978"/>
+                  <a:pt x="2590800" y="2133600"/>
+                  <a:pt x="2590800" y="2133600"/>
+                </a:cubicBezTo>
+                <a:cubicBezTo>
+                  <a:pt x="2596776" y="2142565"/>
+                  <a:pt x="2601717" y="2152314"/>
+                  <a:pt x="2608729" y="2160494"/>
+                </a:cubicBezTo>
+                <a:cubicBezTo>
+                  <a:pt x="2625272" y="2179795"/>
+                  <a:pt x="2647690" y="2202386"/>
+                  <a:pt x="2671482" y="2214282"/>
+                </a:cubicBezTo>
+                <a:cubicBezTo>
+                  <a:pt x="2679934" y="2218508"/>
+                  <a:pt x="2689924" y="2219021"/>
+                  <a:pt x="2698376" y="2223247"/>
+                </a:cubicBezTo>
+                <a:cubicBezTo>
+                  <a:pt x="2708013" y="2228065"/>
+                  <a:pt x="2715634" y="2236358"/>
+                  <a:pt x="2725271" y="2241176"/>
+                </a:cubicBezTo>
+                <a:cubicBezTo>
+                  <a:pt x="2740337" y="2248709"/>
+                  <a:pt x="2773660" y="2254797"/>
+                  <a:pt x="2788024" y="2259106"/>
+                </a:cubicBezTo>
+                <a:cubicBezTo>
+                  <a:pt x="2788074" y="2259121"/>
+                  <a:pt x="2855234" y="2281510"/>
+                  <a:pt x="2868706" y="2286000"/>
+                </a:cubicBezTo>
+                <a:lnTo>
+                  <a:pt x="2895600" y="2294964"/>
+                </a:lnTo>
+                <a:lnTo>
+                  <a:pt x="2922494" y="2303929"/>
+                </a:lnTo>
+                <a:cubicBezTo>
+                  <a:pt x="2939170" y="2320604"/>
+                  <a:pt x="2944702" y="2328480"/>
+                  <a:pt x="2967318" y="2339788"/>
+                </a:cubicBezTo>
+                <a:cubicBezTo>
+                  <a:pt x="2975770" y="2344014"/>
+                  <a:pt x="2985760" y="2344527"/>
+                  <a:pt x="2994212" y="2348753"/>
+                </a:cubicBezTo>
+                <a:cubicBezTo>
+                  <a:pt x="3003849" y="2353571"/>
+                  <a:pt x="3011260" y="2362306"/>
+                  <a:pt x="3021106" y="2366682"/>
+                </a:cubicBezTo>
+                <a:cubicBezTo>
+                  <a:pt x="3038376" y="2374358"/>
+                  <a:pt x="3074894" y="2384611"/>
+                  <a:pt x="3074894" y="2384611"/>
+                </a:cubicBezTo>
+                <a:cubicBezTo>
+                  <a:pt x="3100478" y="2410195"/>
+                  <a:pt x="3090160" y="2406507"/>
+                  <a:pt x="3137647" y="2411506"/>
+                </a:cubicBezTo>
+                <a:cubicBezTo>
+                  <a:pt x="3179358" y="2415897"/>
+                  <a:pt x="3221356" y="2416987"/>
+                  <a:pt x="3263153" y="2420470"/>
+                </a:cubicBezTo>
+                <a:cubicBezTo>
+                  <a:pt x="3293081" y="2422964"/>
+                  <a:pt x="3322918" y="2426447"/>
+                  <a:pt x="3352800" y="2429435"/>
+                </a:cubicBezTo>
+                <a:cubicBezTo>
+                  <a:pt x="3403600" y="2426447"/>
+                  <a:pt x="3455300" y="2430450"/>
+                  <a:pt x="3505200" y="2420470"/>
+                </a:cubicBezTo>
+                <a:cubicBezTo>
+                  <a:pt x="3517632" y="2417984"/>
+                  <a:pt x="3522087" y="2401360"/>
+                  <a:pt x="3532094" y="2393576"/>
+                </a:cubicBezTo>
+                <a:cubicBezTo>
+                  <a:pt x="3549103" y="2380346"/>
+                  <a:pt x="3570645" y="2372954"/>
+                  <a:pt x="3585882" y="2357717"/>
+                </a:cubicBezTo>
+                <a:cubicBezTo>
+                  <a:pt x="3591859" y="2351741"/>
+                  <a:pt x="3596564" y="2344136"/>
+                  <a:pt x="3603812" y="2339788"/>
+                </a:cubicBezTo>
+                <a:cubicBezTo>
+                  <a:pt x="3611915" y="2334926"/>
+                  <a:pt x="3621741" y="2333811"/>
+                  <a:pt x="3630706" y="2330823"/>
+                </a:cubicBezTo>
+                <a:cubicBezTo>
+                  <a:pt x="3639671" y="2321858"/>
+                  <a:pt x="3647860" y="2312045"/>
+                  <a:pt x="3657600" y="2303929"/>
+                </a:cubicBezTo>
+                <a:cubicBezTo>
+                  <a:pt x="3665877" y="2297032"/>
+                  <a:pt x="3676875" y="2293618"/>
+                  <a:pt x="3684494" y="2286000"/>
+                </a:cubicBezTo>
+                <a:cubicBezTo>
+                  <a:pt x="3692113" y="2278381"/>
+                  <a:pt x="3695693" y="2267519"/>
+                  <a:pt x="3702424" y="2259106"/>
+                </a:cubicBezTo>
+                <a:cubicBezTo>
+                  <a:pt x="3707704" y="2252506"/>
+                  <a:pt x="3714377" y="2247153"/>
+                  <a:pt x="3720353" y="2241176"/>
+                </a:cubicBezTo>
+                <a:cubicBezTo>
+                  <a:pt x="3742888" y="2173573"/>
+                  <a:pt x="3709868" y="2254285"/>
+                  <a:pt x="3756212" y="2196353"/>
+                </a:cubicBezTo>
+                <a:cubicBezTo>
+                  <a:pt x="3762115" y="2188974"/>
+                  <a:pt x="3760314" y="2177561"/>
+                  <a:pt x="3765176" y="2169458"/>
+                </a:cubicBezTo>
+                <a:cubicBezTo>
+                  <a:pt x="3769524" y="2162210"/>
+                  <a:pt x="3778035" y="2158291"/>
+                  <a:pt x="3783106" y="2151529"/>
+                </a:cubicBezTo>
+                <a:cubicBezTo>
+                  <a:pt x="3843934" y="2070426"/>
+                  <a:pt x="3795773" y="2120934"/>
+                  <a:pt x="3836894" y="2079811"/>
+                </a:cubicBezTo>
+                <a:cubicBezTo>
+                  <a:pt x="3851976" y="2034566"/>
+                  <a:pt x="3834907" y="2067428"/>
+                  <a:pt x="3872753" y="2034988"/>
+                </a:cubicBezTo>
+                <a:cubicBezTo>
+                  <a:pt x="3936185" y="1980618"/>
+                  <a:pt x="3879165" y="2013852"/>
+                  <a:pt x="3944471" y="1981200"/>
+                </a:cubicBezTo>
+                <a:cubicBezTo>
+                  <a:pt x="3989898" y="1935771"/>
+                  <a:pt x="3931109" y="1989216"/>
+                  <a:pt x="3989294" y="1954306"/>
+                </a:cubicBezTo>
+                <a:cubicBezTo>
+                  <a:pt x="3996542" y="1949957"/>
+                  <a:pt x="3999976" y="1940725"/>
+                  <a:pt x="4007224" y="1936376"/>
+                </a:cubicBezTo>
+                <a:cubicBezTo>
+                  <a:pt x="4015327" y="1931514"/>
+                  <a:pt x="4024681" y="1927908"/>
+                  <a:pt x="4034118" y="1927411"/>
+                </a:cubicBezTo>
+                <a:cubicBezTo>
+                  <a:pt x="4081864" y="1924898"/>
+                  <a:pt x="4129741" y="1927411"/>
+                  <a:pt x="4177553" y="1927411"/>
+                </a:cubicBezTo>
+              </a:path>
+            </a:pathLst>
+          </a:custGeom>
+          <a:noFill/>
+          <a:ln w="76200">
+            <a:solidFill>
+              <a:schemeClr val="accent4"/>
+            </a:solidFill>
+          </a:ln>
+        </p:spPr>
+        <p:style>
+          <a:lnRef idx="2">
+            <a:schemeClr val="accent1">
+              <a:shade val="50000"/>
+            </a:schemeClr>
+          </a:lnRef>
+          <a:fillRef idx="1">
+            <a:schemeClr val="accent1"/>
+          </a:fillRef>
+          <a:effectRef idx="0">
+            <a:schemeClr val="accent1"/>
+          </a:effectRef>
+          <a:fontRef idx="minor">
+            <a:schemeClr val="lt1"/>
+          </a:fontRef>
+        </p:style>
+        <p:txBody>
+          <a:bodyPr rtlCol="0" anchor="ctr"/>
+          <a:lstStyle/>
+          <a:p>
+            <a:pPr algn="ctr"/>
+            <a:endParaRPr lang="ko-KR" altLang="en-US"/>
+          </a:p>
+        </p:txBody>
+      </p:sp>
+      <p:sp>
+        <p:nvSpPr>
+          <p:cNvPr id="28" name="이등변 삼각형 27">
+            <a:extLst>
+              <a:ext uri="{FF2B5EF4-FFF2-40B4-BE49-F238E27FC236}">
+                <a16:creationId xmlns:a16="http://schemas.microsoft.com/office/drawing/2014/main" id="{0FC87471-9E3A-4E01-A445-42684922FC09}"/>
+              </a:ext>
+            </a:extLst>
+          </p:cNvPr>
+          <p:cNvSpPr/>
+          <p:nvPr/>
+        </p:nvSpPr>
+        <p:spPr>
+          <a:xfrm rot="19571438">
+            <a:off x="9148671" y="4902245"/>
+            <a:ext cx="279327" cy="219636"/>
+          </a:xfrm>
+          <a:prstGeom prst="triangle">
+            <a:avLst/>
+          </a:prstGeom>
+          <a:solidFill>
+            <a:schemeClr val="accent4"/>
+          </a:solidFill>
+          <a:ln>
+            <a:solidFill>
+              <a:schemeClr val="accent4"/>
+            </a:solidFill>
+          </a:ln>
+        </p:spPr>
+        <p:style>
+          <a:lnRef idx="2">
+            <a:schemeClr val="accent1">
+              <a:shade val="50000"/>
+            </a:schemeClr>
+          </a:lnRef>
+          <a:fillRef idx="1">
+            <a:schemeClr val="accent1"/>
+          </a:fillRef>
+          <a:effectRef idx="0">
+            <a:schemeClr val="accent1"/>
+          </a:effectRef>
+          <a:fontRef idx="minor">
+            <a:schemeClr val="lt1"/>
+          </a:fontRef>
+        </p:style>
+        <p:txBody>
+          <a:bodyPr rtlCol="0" anchor="ctr"/>
+          <a:lstStyle/>
+          <a:p>
+            <a:pPr algn="ctr"/>
+            <a:endParaRPr lang="ko-KR" altLang="en-US"/>
+          </a:p>
+        </p:txBody>
+      </p:sp>
+      <p:pic>
+        <p:nvPicPr>
+          <p:cNvPr id="30" name="그림 29">
+            <a:extLst>
+              <a:ext uri="{FF2B5EF4-FFF2-40B4-BE49-F238E27FC236}">
+                <a16:creationId xmlns:a16="http://schemas.microsoft.com/office/drawing/2014/main" id="{1E8FDE98-4DD6-4226-8E58-42BC1487C8B1}"/>
+              </a:ext>
+            </a:extLst>
+          </p:cNvPr>
+          <p:cNvPicPr>
+            <a:picLocks noChangeAspect="1"/>
+          </p:cNvPicPr>
+          <p:nvPr/>
+        </p:nvPicPr>
+        <p:blipFill>
+          <a:blip r:embed="rId5">
+            <a:extLst>
+              <a:ext uri="{28A0092B-C50C-407E-A947-70E740481C1C}">
+                <a14:useLocalDpi xmlns:a14="http://schemas.microsoft.com/office/drawing/2010/main" val="0"/>
+              </a:ext>
+            </a:extLst>
+          </a:blip>
+          <a:stretch>
+            <a:fillRect/>
+          </a:stretch>
+        </p:blipFill>
+        <p:spPr>
+          <a:xfrm>
+            <a:off x="8674018" y="4231037"/>
+            <a:ext cx="753980" cy="753980"/>
+          </a:xfrm>
+          <a:prstGeom prst="rect">
+            <a:avLst/>
+          </a:prstGeom>
+        </p:spPr>
+      </p:pic>
+      <p:sp>
+        <p:nvSpPr>
+          <p:cNvPr id="3" name="곱하기 기호 2">
+            <a:extLst>
+              <a:ext uri="{FF2B5EF4-FFF2-40B4-BE49-F238E27FC236}">
+                <a16:creationId xmlns:a16="http://schemas.microsoft.com/office/drawing/2014/main" id="{A9E72719-B27B-40F8-AECE-804412D268B3}"/>
+              </a:ext>
+            </a:extLst>
+          </p:cNvPr>
+          <p:cNvSpPr/>
+          <p:nvPr/>
+        </p:nvSpPr>
+        <p:spPr>
+          <a:xfrm>
+            <a:off x="4705048" y="1362285"/>
+            <a:ext cx="699247" cy="670461"/>
+          </a:xfrm>
+          <a:prstGeom prst="mathMultiply">
+            <a:avLst/>
+          </a:prstGeom>
+          <a:solidFill>
+            <a:srgbClr val="FF0000"/>
+          </a:solidFill>
+          <a:ln w="38100">
+            <a:solidFill>
+              <a:schemeClr val="tx1"/>
+            </a:solidFill>
+            <a:prstDash val="sysDash"/>
+          </a:ln>
+        </p:spPr>
+        <p:style>
+          <a:lnRef idx="2">
+            <a:schemeClr val="accent1">
+              <a:shade val="50000"/>
+            </a:schemeClr>
+          </a:lnRef>
+          <a:fillRef idx="1">
+            <a:schemeClr val="accent1"/>
+          </a:fillRef>
+          <a:effectRef idx="0">
+            <a:schemeClr val="accent1"/>
+          </a:effectRef>
+          <a:fontRef idx="minor">
+            <a:schemeClr val="lt1"/>
+          </a:fontRef>
+        </p:style>
+        <p:txBody>
+          <a:bodyPr rtlCol="0" anchor="ctr"/>
+          <a:lstStyle/>
+          <a:p>
+            <a:pPr algn="ctr"/>
+            <a:endParaRPr lang="ko-KR" altLang="en-US"/>
+          </a:p>
+        </p:txBody>
+      </p:sp>
+      <p:sp>
+        <p:nvSpPr>
+          <p:cNvPr id="9" name="TextBox 8">
+            <a:extLst>
+              <a:ext uri="{FF2B5EF4-FFF2-40B4-BE49-F238E27FC236}">
+                <a16:creationId xmlns:a16="http://schemas.microsoft.com/office/drawing/2014/main" id="{030DB831-3FC5-4E9A-96B1-A97B13527238}"/>
+              </a:ext>
+            </a:extLst>
+          </p:cNvPr>
+          <p:cNvSpPr txBox="1"/>
+          <p:nvPr/>
+        </p:nvSpPr>
+        <p:spPr>
+          <a:xfrm>
+            <a:off x="701488" y="286452"/>
+            <a:ext cx="2911289" cy="707886"/>
+          </a:xfrm>
+          <a:prstGeom prst="rect">
+            <a:avLst/>
+          </a:prstGeom>
+          <a:solidFill>
+            <a:schemeClr val="accent4">
+              <a:lumMod val="40000"/>
+              <a:lumOff val="60000"/>
+            </a:schemeClr>
+          </a:solidFill>
+        </p:spPr>
+        <p:txBody>
+          <a:bodyPr wrap="square" rtlCol="0">
+            <a:spAutoFit/>
+          </a:bodyPr>
+          <a:lstStyle/>
+          <a:p>
+            <a:pPr algn="ctr"/>
+            <a:r>
+              <a:rPr lang="ko-KR" altLang="en-US" sz="4000" dirty="0">
+                <a:latin typeface="나눔스퀘어OTF Bold" panose="020B0600000101010101" pitchFamily="34" charset="-127"/>
+                <a:ea typeface="나눔스퀘어OTF Bold" panose="020B0600000101010101" pitchFamily="34" charset="-127"/>
+              </a:rPr>
+              <a:t>지역</a:t>
+            </a:r>
+            <a:r>
+              <a:rPr lang="en-US" altLang="ko-KR" sz="4000" dirty="0">
+                <a:latin typeface="나눔스퀘어OTF Bold" panose="020B0600000101010101" pitchFamily="34" charset="-127"/>
+                <a:ea typeface="나눔스퀘어OTF Bold" panose="020B0600000101010101" pitchFamily="34" charset="-127"/>
+              </a:rPr>
+              <a:t>: </a:t>
+            </a:r>
+            <a:r>
+              <a:rPr lang="ko-KR" altLang="en-US" sz="4000" dirty="0">
+                <a:latin typeface="나눔스퀘어OTF Bold" panose="020B0600000101010101" pitchFamily="34" charset="-127"/>
+                <a:ea typeface="나눔스퀘어OTF Bold" panose="020B0600000101010101" pitchFamily="34" charset="-127"/>
+              </a:rPr>
+              <a:t>대구</a:t>
+            </a:r>
+          </a:p>
+        </p:txBody>
+      </p:sp>
+    </p:spTree>
+    <p:extLst>
+      <p:ext uri="{BB962C8B-B14F-4D97-AF65-F5344CB8AC3E}">
+        <p14:creationId xmlns:p14="http://schemas.microsoft.com/office/powerpoint/2010/main" val="3853240123"/>
       </p:ext>
     </p:extLst>
   </p:cSld>
